--- a/PPT/算法整理.pptx
+++ b/PPT/算法整理.pptx
@@ -5,10 +5,10 @@
     <p:sldMasterId id="2147483648" r:id="rId1"/>
   </p:sldMasterIdLst>
   <p:sldIdLst>
-    <p:sldId id="367" r:id="rId2"/>
-    <p:sldId id="421" r:id="rId3"/>
-    <p:sldId id="426" r:id="rId4"/>
-    <p:sldId id="419" r:id="rId5"/>
+    <p:sldId id="419" r:id="rId2"/>
+    <p:sldId id="367" r:id="rId3"/>
+    <p:sldId id="421" r:id="rId4"/>
+    <p:sldId id="426" r:id="rId5"/>
     <p:sldId id="427" r:id="rId6"/>
     <p:sldId id="429" r:id="rId7"/>
     <p:sldId id="434" r:id="rId8"/>
@@ -123,6 +123,11 @@
       </a:defRPr>
     </a:lvl9pPr>
   </p:defaultTextStyle>
+  <p:extLst>
+    <p:ext uri="{EFAFB233-063F-42B5-8137-9DF3F51BA10A}">
+      <p15:sldGuideLst xmlns:p15="http://schemas.microsoft.com/office/powerpoint/2012/main"/>
+    </p:ext>
+  </p:extLst>
 </p:presentation>
 </file>
 
@@ -273,7 +278,7 @@
           <a:p>
             <a:fld id="{9D115511-43CC-4D43-9B6A-DBDB391D7FC7}" type="datetimeFigureOut">
               <a:rPr lang="zh-CN" altLang="en-US" smtClean="0"/>
-              <a:t>2024/1/21</a:t>
+              <a:t>2024/1/22</a:t>
             </a:fld>
             <a:endParaRPr lang="zh-CN" altLang="en-US"/>
           </a:p>
@@ -471,7 +476,7 @@
           <a:p>
             <a:fld id="{9D115511-43CC-4D43-9B6A-DBDB391D7FC7}" type="datetimeFigureOut">
               <a:rPr lang="zh-CN" altLang="en-US" smtClean="0"/>
-              <a:t>2024/1/21</a:t>
+              <a:t>2024/1/22</a:t>
             </a:fld>
             <a:endParaRPr lang="zh-CN" altLang="en-US"/>
           </a:p>
@@ -679,7 +684,7 @@
           <a:p>
             <a:fld id="{9D115511-43CC-4D43-9B6A-DBDB391D7FC7}" type="datetimeFigureOut">
               <a:rPr lang="zh-CN" altLang="en-US" smtClean="0"/>
-              <a:t>2024/1/21</a:t>
+              <a:t>2024/1/22</a:t>
             </a:fld>
             <a:endParaRPr lang="zh-CN" altLang="en-US"/>
           </a:p>
@@ -877,7 +882,7 @@
           <a:p>
             <a:fld id="{9D115511-43CC-4D43-9B6A-DBDB391D7FC7}" type="datetimeFigureOut">
               <a:rPr lang="zh-CN" altLang="en-US" smtClean="0"/>
-              <a:t>2024/1/21</a:t>
+              <a:t>2024/1/22</a:t>
             </a:fld>
             <a:endParaRPr lang="zh-CN" altLang="en-US"/>
           </a:p>
@@ -1152,7 +1157,7 @@
           <a:p>
             <a:fld id="{9D115511-43CC-4D43-9B6A-DBDB391D7FC7}" type="datetimeFigureOut">
               <a:rPr lang="zh-CN" altLang="en-US" smtClean="0"/>
-              <a:t>2024/1/21</a:t>
+              <a:t>2024/1/22</a:t>
             </a:fld>
             <a:endParaRPr lang="zh-CN" altLang="en-US"/>
           </a:p>
@@ -1417,7 +1422,7 @@
           <a:p>
             <a:fld id="{9D115511-43CC-4D43-9B6A-DBDB391D7FC7}" type="datetimeFigureOut">
               <a:rPr lang="zh-CN" altLang="en-US" smtClean="0"/>
-              <a:t>2024/1/21</a:t>
+              <a:t>2024/1/22</a:t>
             </a:fld>
             <a:endParaRPr lang="zh-CN" altLang="en-US"/>
           </a:p>
@@ -1829,7 +1834,7 @@
           <a:p>
             <a:fld id="{9D115511-43CC-4D43-9B6A-DBDB391D7FC7}" type="datetimeFigureOut">
               <a:rPr lang="zh-CN" altLang="en-US" smtClean="0"/>
-              <a:t>2024/1/21</a:t>
+              <a:t>2024/1/22</a:t>
             </a:fld>
             <a:endParaRPr lang="zh-CN" altLang="en-US"/>
           </a:p>
@@ -1970,7 +1975,7 @@
           <a:p>
             <a:fld id="{9D115511-43CC-4D43-9B6A-DBDB391D7FC7}" type="datetimeFigureOut">
               <a:rPr lang="zh-CN" altLang="en-US" smtClean="0"/>
-              <a:t>2024/1/21</a:t>
+              <a:t>2024/1/22</a:t>
             </a:fld>
             <a:endParaRPr lang="zh-CN" altLang="en-US"/>
           </a:p>
@@ -2083,7 +2088,7 @@
           <a:p>
             <a:fld id="{9D115511-43CC-4D43-9B6A-DBDB391D7FC7}" type="datetimeFigureOut">
               <a:rPr lang="zh-CN" altLang="en-US" smtClean="0"/>
-              <a:t>2024/1/21</a:t>
+              <a:t>2024/1/22</a:t>
             </a:fld>
             <a:endParaRPr lang="zh-CN" altLang="en-US"/>
           </a:p>
@@ -2394,7 +2399,7 @@
           <a:p>
             <a:fld id="{9D115511-43CC-4D43-9B6A-DBDB391D7FC7}" type="datetimeFigureOut">
               <a:rPr lang="zh-CN" altLang="en-US" smtClean="0"/>
-              <a:t>2024/1/21</a:t>
+              <a:t>2024/1/22</a:t>
             </a:fld>
             <a:endParaRPr lang="zh-CN" altLang="en-US"/>
           </a:p>
@@ -2682,7 +2687,7 @@
           <a:p>
             <a:fld id="{9D115511-43CC-4D43-9B6A-DBDB391D7FC7}" type="datetimeFigureOut">
               <a:rPr lang="zh-CN" altLang="en-US" smtClean="0"/>
-              <a:t>2024/1/21</a:t>
+              <a:t>2024/1/22</a:t>
             </a:fld>
             <a:endParaRPr lang="zh-CN" altLang="en-US"/>
           </a:p>
@@ -2923,7 +2928,7 @@
           <a:p>
             <a:fld id="{9D115511-43CC-4D43-9B6A-DBDB391D7FC7}" type="datetimeFigureOut">
               <a:rPr lang="zh-CN" altLang="en-US" smtClean="0"/>
-              <a:t>2024/1/21</a:t>
+              <a:t>2024/1/22</a:t>
             </a:fld>
             <a:endParaRPr lang="zh-CN" altLang="en-US"/>
           </a:p>
@@ -3342,10 +3347,10 @@
       </p:grpSpPr>
       <p:sp>
         <p:nvSpPr>
-          <p:cNvPr id="11" name="文本框 10">
-            <a:extLst>
-              <a:ext uri="{FF2B5EF4-FFF2-40B4-BE49-F238E27FC236}">
-                <a16:creationId xmlns:a16="http://schemas.microsoft.com/office/drawing/2014/main" id="{08C77261-B8A3-6E89-60E8-380369BEE21E}"/>
+          <p:cNvPr id="5" name="文本框 4">
+            <a:extLst>
+              <a:ext uri="{FF2B5EF4-FFF2-40B4-BE49-F238E27FC236}">
+                <a16:creationId xmlns:a16="http://schemas.microsoft.com/office/drawing/2014/main" id="{B882B6FD-D238-2BF6-8E5E-D63E3CC8CFD0}"/>
               </a:ext>
             </a:extLst>
           </p:cNvPr>
@@ -3354,8 +3359,8 @@
         </p:nvSpPr>
         <p:spPr>
           <a:xfrm>
-            <a:off x="574429" y="755698"/>
-            <a:ext cx="11136925" cy="3970318"/>
+            <a:off x="685800" y="882134"/>
+            <a:ext cx="6096000" cy="369332"/>
           </a:xfrm>
           <a:prstGeom prst="rect">
             <a:avLst/>
@@ -3368,153 +3373,865 @@
           </a:bodyPr>
           <a:lstStyle/>
           <a:p>
-            <a:pPr algn="l"/>
             <a:r>
-              <a:rPr lang="zh-CN" altLang="en-US" b="0" i="0">
-                <a:solidFill>
-                  <a:srgbClr val="24292F"/>
-                </a:solidFill>
-                <a:effectLst/>
-                <a:latin typeface="-apple-system"/>
-              </a:rPr>
-              <a:t>基于优先级的队列调度算法是一种常见的调度算法，它根据任务的优先级确定任务执行的顺序。这种算法的主要优点和缺点如下：</a:t>
+              <a:rPr lang="en-US" altLang="zh-CN"/>
+              <a:t>QoS</a:t>
             </a:r>
-          </a:p>
-          <a:p>
-            <a:pPr algn="l"/>
             <a:r>
-              <a:rPr lang="zh-CN" altLang="en-US" b="0" i="0">
-                <a:solidFill>
-                  <a:srgbClr val="FF0000"/>
-                </a:solidFill>
-                <a:effectLst/>
-                <a:latin typeface="-apple-system"/>
-              </a:rPr>
-              <a:t>优点：</a:t>
+              <a:rPr lang="zh-CN" altLang="en-US"/>
+              <a:t>调度算法</a:t>
             </a:r>
-          </a:p>
-          <a:p>
-            <a:pPr marL="285750" indent="-285750" algn="l">
-              <a:buFont typeface="Arial" panose="020B0604020202020204" pitchFamily="34" charset="0"/>
-              <a:buChar char="•"/>
-            </a:pPr>
             <a:r>
-              <a:rPr lang="zh-CN" altLang="en-US" b="0" i="0">
-                <a:solidFill>
-                  <a:srgbClr val="24292F"/>
-                </a:solidFill>
-                <a:effectLst/>
-                <a:latin typeface="-apple-system"/>
-              </a:rPr>
-              <a:t>高效性：基于优先级的队列调度算法能够快速地确定下一个要执行的任务，因为只需要比较任务的优先级而不需要遍历整个任务队列。</a:t>
+              <a:rPr lang="en-US" altLang="zh-CN"/>
+              <a:t>https://zhuanlan.zhihu.com/p/614689779</a:t>
             </a:r>
-          </a:p>
-          <a:p>
-            <a:pPr marL="285750" indent="-285750" algn="l">
-              <a:buFont typeface="Arial" panose="020B0604020202020204" pitchFamily="34" charset="0"/>
-              <a:buChar char="•"/>
-            </a:pPr>
-            <a:r>
-              <a:rPr lang="zh-CN" altLang="en-US" b="0" i="0">
-                <a:solidFill>
-                  <a:srgbClr val="24292F"/>
-                </a:solidFill>
-                <a:effectLst/>
-                <a:latin typeface="-apple-system"/>
-              </a:rPr>
-              <a:t>灵活性：通过调整任务的优先级，可以灵活地控制任务的执行顺序，以满足各种需求。</a:t>
-            </a:r>
-          </a:p>
-          <a:p>
-            <a:pPr marL="285750" indent="-285750" algn="l">
-              <a:buFont typeface="Arial" panose="020B0604020202020204" pitchFamily="34" charset="0"/>
-              <a:buChar char="•"/>
-            </a:pPr>
-            <a:r>
-              <a:rPr lang="zh-CN" altLang="en-US" b="0" i="0">
-                <a:solidFill>
-                  <a:schemeClr val="accent1">
-                    <a:lumMod val="75000"/>
-                  </a:schemeClr>
-                </a:solidFill>
-                <a:effectLst/>
-                <a:latin typeface="-apple-system"/>
-              </a:rPr>
-              <a:t>公平性：该算法可以根据任务的优先级公平地分配系统资源，保证高优先级任务的及时执行。</a:t>
-            </a:r>
-          </a:p>
-          <a:p>
-            <a:pPr algn="l"/>
-            <a:r>
-              <a:rPr lang="zh-CN" altLang="en-US" b="0" i="0">
-                <a:solidFill>
-                  <a:srgbClr val="FF0000"/>
-                </a:solidFill>
-                <a:effectLst/>
-                <a:latin typeface="-apple-system"/>
-              </a:rPr>
-              <a:t>缺点：</a:t>
-            </a:r>
-          </a:p>
-          <a:p>
-            <a:pPr marL="285750" indent="-285750" algn="l">
-              <a:buFont typeface="Arial" panose="020B0604020202020204" pitchFamily="34" charset="0"/>
-              <a:buChar char="•"/>
-            </a:pPr>
-            <a:r>
-              <a:rPr lang="zh-CN" altLang="en-US" b="0" i="0">
-                <a:solidFill>
-                  <a:schemeClr val="tx2">
-                    <a:lumMod val="50000"/>
-                    <a:lumOff val="50000"/>
-                  </a:schemeClr>
-                </a:solidFill>
-                <a:effectLst/>
-                <a:latin typeface="-apple-system"/>
-              </a:rPr>
-              <a:t>饥饿问题：如果存在大量高优先级任务，低优先级任务可能会被长时间地延迟执行，导致低优先级任务无法得到充分的资源利用。</a:t>
-            </a:r>
-          </a:p>
-          <a:p>
-            <a:pPr marL="285750" indent="-285750" algn="l">
-              <a:buFont typeface="Arial" panose="020B0604020202020204" pitchFamily="34" charset="0"/>
-              <a:buChar char="•"/>
-            </a:pPr>
-            <a:r>
-              <a:rPr lang="zh-CN" altLang="en-US" b="0" i="0">
-                <a:solidFill>
-                  <a:srgbClr val="24292F"/>
-                </a:solidFill>
-                <a:effectLst/>
-                <a:latin typeface="-apple-system"/>
-              </a:rPr>
-              <a:t>优先级反转：当一个低优先级任务持有某个资源，而一个高优先级任务需要该资源时，优先级反转可能会导致高优先级任务无法及时执行。</a:t>
-            </a:r>
-          </a:p>
-          <a:p>
-            <a:pPr marL="285750" indent="-285750" algn="l">
-              <a:buFont typeface="Arial" panose="020B0604020202020204" pitchFamily="34" charset="0"/>
-              <a:buChar char="•"/>
-            </a:pPr>
-            <a:r>
-              <a:rPr lang="zh-CN" altLang="en-US" b="0" i="0">
-                <a:solidFill>
-                  <a:srgbClr val="24292F"/>
-                </a:solidFill>
-                <a:effectLst/>
-                <a:latin typeface="-apple-system"/>
-              </a:rPr>
-              <a:t>优先级不准确：在实际应用中，确定任务的优先级往往是一个挑战，不准确的优先级设置可能会导致不合理的调度结果。</a:t>
-            </a:r>
-          </a:p>
-        </p:txBody>
-      </p:sp>
+            <a:endParaRPr lang="zh-CN" altLang="en-US"/>
+          </a:p>
+        </p:txBody>
+      </p:sp>
+      <p:graphicFrame>
+        <p:nvGraphicFramePr>
+          <p:cNvPr id="2" name="表格 1">
+            <a:extLst>
+              <a:ext uri="{FF2B5EF4-FFF2-40B4-BE49-F238E27FC236}">
+                <a16:creationId xmlns:a16="http://schemas.microsoft.com/office/drawing/2014/main" id="{46DC9024-420E-EF04-F0BB-7CCA61AB7428}"/>
+              </a:ext>
+            </a:extLst>
+          </p:cNvPr>
+          <p:cNvGraphicFramePr>
+            <a:graphicFrameLocks noGrp="1"/>
+          </p:cNvGraphicFramePr>
+          <p:nvPr/>
+        </p:nvGraphicFramePr>
+        <p:xfrm>
+          <a:off x="1028389" y="1901696"/>
+          <a:ext cx="9331094" cy="3708400"/>
+        </p:xfrm>
+        <a:graphic>
+          <a:graphicData uri="http://schemas.openxmlformats.org/drawingml/2006/table">
+            <a:tbl>
+              <a:tblPr firstRow="1" bandRow="1">
+                <a:tableStyleId>{5C22544A-7EE6-4342-B048-85BDC9FD1C3A}</a:tableStyleId>
+              </a:tblPr>
+              <a:tblGrid>
+                <a:gridCol w="4665547">
+                  <a:extLst>
+                    <a:ext uri="{9D8B030D-6E8A-4147-A177-3AD203B41FA5}">
+                      <a16:colId xmlns:a16="http://schemas.microsoft.com/office/drawing/2014/main" val="4130538562"/>
+                    </a:ext>
+                  </a:extLst>
+                </a:gridCol>
+                <a:gridCol w="4665547">
+                  <a:extLst>
+                    <a:ext uri="{9D8B030D-6E8A-4147-A177-3AD203B41FA5}">
+                      <a16:colId xmlns:a16="http://schemas.microsoft.com/office/drawing/2014/main" val="579732800"/>
+                    </a:ext>
+                  </a:extLst>
+                </a:gridCol>
+              </a:tblGrid>
+              <a:tr h="370840">
+                <a:tc>
+                  <a:txBody>
+                    <a:bodyPr/>
+                    <a:lstStyle/>
+                    <a:p>
+                      <a:r>
+                        <a:rPr lang="zh-CN" altLang="en-US"/>
+                        <a:t>调度类型</a:t>
+                      </a:r>
+                    </a:p>
+                  </a:txBody>
+                  <a:tcPr/>
+                </a:tc>
+                <a:tc>
+                  <a:txBody>
+                    <a:bodyPr/>
+                    <a:lstStyle/>
+                    <a:p>
+                      <a:r>
+                        <a:rPr lang="zh-CN" altLang="en-US"/>
+                        <a:t>算法</a:t>
+                      </a:r>
+                    </a:p>
+                  </a:txBody>
+                  <a:tcPr/>
+                </a:tc>
+                <a:extLst>
+                  <a:ext uri="{0D108BD9-81ED-4DB2-BD59-A6C34878D82A}">
+                    <a16:rowId xmlns:a16="http://schemas.microsoft.com/office/drawing/2014/main" val="563639928"/>
+                  </a:ext>
+                </a:extLst>
+              </a:tr>
+              <a:tr h="370840">
+                <a:tc>
+                  <a:txBody>
+                    <a:bodyPr/>
+                    <a:lstStyle/>
+                    <a:p>
+                      <a:pPr marL="0" marR="0" lvl="0" indent="0" algn="l" defTabSz="914400" rtl="0" eaLnBrk="1" fontAlgn="auto" latinLnBrk="0" hangingPunct="1">
+                        <a:lnSpc>
+                          <a:spcPct val="100000"/>
+                        </a:lnSpc>
+                        <a:spcBef>
+                          <a:spcPts val="0"/>
+                        </a:spcBef>
+                        <a:spcAft>
+                          <a:spcPts val="0"/>
+                        </a:spcAft>
+                        <a:buClrTx/>
+                        <a:buSzTx/>
+                        <a:buFontTx/>
+                        <a:buNone/>
+                        <a:tabLst/>
+                        <a:defRPr/>
+                      </a:pPr>
+                      <a:r>
+                        <a:rPr lang="zh-CN" altLang="en-US" sz="1800" b="1" i="0" kern="1200">
+                          <a:solidFill>
+                            <a:schemeClr val="dk1"/>
+                          </a:solidFill>
+                          <a:effectLst/>
+                          <a:latin typeface="+mn-lt"/>
+                          <a:ea typeface="+mn-ea"/>
+                          <a:cs typeface="+mn-cs"/>
+                        </a:rPr>
+                        <a:t>优先级调度</a:t>
+                      </a:r>
+                    </a:p>
+                  </a:txBody>
+                  <a:tcPr/>
+                </a:tc>
+                <a:tc>
+                  <a:txBody>
+                    <a:bodyPr/>
+                    <a:lstStyle/>
+                    <a:p>
+                      <a:pPr marL="0" marR="0" lvl="0" indent="0" algn="l" defTabSz="914400" rtl="0" eaLnBrk="1" fontAlgn="auto" latinLnBrk="0" hangingPunct="1">
+                        <a:lnSpc>
+                          <a:spcPct val="100000"/>
+                        </a:lnSpc>
+                        <a:spcBef>
+                          <a:spcPts val="0"/>
+                        </a:spcBef>
+                        <a:spcAft>
+                          <a:spcPts val="0"/>
+                        </a:spcAft>
+                        <a:buClrTx/>
+                        <a:buSzTx/>
+                        <a:buFontTx/>
+                        <a:buNone/>
+                        <a:tabLst/>
+                        <a:defRPr/>
+                      </a:pPr>
+                      <a:r>
+                        <a:rPr lang="en-US" altLang="zh-CN" sz="1800" b="1" i="0" kern="1200">
+                          <a:solidFill>
+                            <a:schemeClr val="dk1"/>
+                          </a:solidFill>
+                          <a:effectLst/>
+                          <a:latin typeface="+mn-lt"/>
+                          <a:ea typeface="+mn-ea"/>
+                          <a:cs typeface="+mn-cs"/>
+                        </a:rPr>
+                        <a:t>SP</a:t>
+                      </a:r>
+                      <a:r>
+                        <a:rPr lang="zh-CN" altLang="en-US" sz="1800" b="1" i="0" kern="1200">
+                          <a:solidFill>
+                            <a:schemeClr val="dk1"/>
+                          </a:solidFill>
+                          <a:effectLst/>
+                          <a:latin typeface="+mn-lt"/>
+                          <a:ea typeface="+mn-ea"/>
+                          <a:cs typeface="+mn-cs"/>
+                        </a:rPr>
+                        <a:t>（</a:t>
+                      </a:r>
+                      <a:r>
+                        <a:rPr lang="en-US" altLang="zh-CN" sz="1800" b="1" i="0" kern="1200">
+                          <a:solidFill>
+                            <a:schemeClr val="dk1"/>
+                          </a:solidFill>
+                          <a:effectLst/>
+                          <a:latin typeface="+mn-lt"/>
+                          <a:ea typeface="+mn-ea"/>
+                          <a:cs typeface="+mn-cs"/>
+                        </a:rPr>
+                        <a:t>Strict Priority</a:t>
+                      </a:r>
+                      <a:r>
+                        <a:rPr lang="zh-CN" altLang="en-US" sz="1800" b="1" i="0" kern="1200">
+                          <a:solidFill>
+                            <a:schemeClr val="dk1"/>
+                          </a:solidFill>
+                          <a:effectLst/>
+                          <a:latin typeface="+mn-lt"/>
+                          <a:ea typeface="+mn-ea"/>
+                          <a:cs typeface="+mn-cs"/>
+                        </a:rPr>
+                        <a:t>，严格优先级）</a:t>
+                      </a:r>
+                    </a:p>
+                  </a:txBody>
+                  <a:tcPr/>
+                </a:tc>
+                <a:extLst>
+                  <a:ext uri="{0D108BD9-81ED-4DB2-BD59-A6C34878D82A}">
+                    <a16:rowId xmlns:a16="http://schemas.microsoft.com/office/drawing/2014/main" val="477989307"/>
+                  </a:ext>
+                </a:extLst>
+              </a:tr>
+              <a:tr h="370840">
+                <a:tc>
+                  <a:txBody>
+                    <a:bodyPr/>
+                    <a:lstStyle/>
+                    <a:p>
+                      <a:pPr marL="0" marR="0" lvl="0" indent="0" algn="l" defTabSz="914400" rtl="0" eaLnBrk="1" fontAlgn="auto" latinLnBrk="0" hangingPunct="1">
+                        <a:lnSpc>
+                          <a:spcPct val="100000"/>
+                        </a:lnSpc>
+                        <a:spcBef>
+                          <a:spcPts val="0"/>
+                        </a:spcBef>
+                        <a:spcAft>
+                          <a:spcPts val="0"/>
+                        </a:spcAft>
+                        <a:buClrTx/>
+                        <a:buSzTx/>
+                        <a:buFontTx/>
+                        <a:buNone/>
+                        <a:tabLst/>
+                        <a:defRPr/>
+                      </a:pPr>
+                      <a:r>
+                        <a:rPr lang="zh-CN" altLang="en-US" sz="1800" b="1" i="0" kern="1200">
+                          <a:solidFill>
+                            <a:schemeClr val="dk1"/>
+                          </a:solidFill>
+                          <a:effectLst/>
+                          <a:latin typeface="+mn-lt"/>
+                          <a:ea typeface="+mn-ea"/>
+                          <a:cs typeface="+mn-cs"/>
+                        </a:rPr>
+                        <a:t>公平调度</a:t>
+                      </a:r>
+                    </a:p>
+                  </a:txBody>
+                  <a:tcPr/>
+                </a:tc>
+                <a:tc>
+                  <a:txBody>
+                    <a:bodyPr/>
+                    <a:lstStyle/>
+                    <a:p>
+                      <a:pPr marL="0" marR="0" lvl="0" indent="0" algn="l" defTabSz="914400" rtl="0" eaLnBrk="1" fontAlgn="auto" latinLnBrk="0" hangingPunct="1">
+                        <a:lnSpc>
+                          <a:spcPct val="100000"/>
+                        </a:lnSpc>
+                        <a:spcBef>
+                          <a:spcPts val="0"/>
+                        </a:spcBef>
+                        <a:spcAft>
+                          <a:spcPts val="0"/>
+                        </a:spcAft>
+                        <a:buClrTx/>
+                        <a:buSzTx/>
+                        <a:buFontTx/>
+                        <a:buNone/>
+                        <a:tabLst/>
+                        <a:defRPr/>
+                      </a:pPr>
+                      <a:r>
+                        <a:rPr lang="en-US" altLang="zh-CN" sz="1800" b="1" i="0" kern="1200">
+                          <a:solidFill>
+                            <a:schemeClr val="dk1"/>
+                          </a:solidFill>
+                          <a:effectLst/>
+                          <a:latin typeface="+mn-lt"/>
+                          <a:ea typeface="+mn-ea"/>
+                          <a:cs typeface="+mn-cs"/>
+                        </a:rPr>
+                        <a:t>RR(Round Robin,</a:t>
+                      </a:r>
+                      <a:r>
+                        <a:rPr lang="zh-CN" altLang="en-US" sz="1800" b="1" i="0" kern="1200">
+                          <a:solidFill>
+                            <a:schemeClr val="dk1"/>
+                          </a:solidFill>
+                          <a:effectLst/>
+                          <a:latin typeface="+mn-lt"/>
+                          <a:ea typeface="+mn-ea"/>
+                          <a:cs typeface="+mn-cs"/>
+                        </a:rPr>
+                        <a:t>轮询）</a:t>
+                      </a:r>
+                    </a:p>
+                  </a:txBody>
+                  <a:tcPr/>
+                </a:tc>
+                <a:extLst>
+                  <a:ext uri="{0D108BD9-81ED-4DB2-BD59-A6C34878D82A}">
+                    <a16:rowId xmlns:a16="http://schemas.microsoft.com/office/drawing/2014/main" val="582780010"/>
+                  </a:ext>
+                </a:extLst>
+              </a:tr>
+              <a:tr h="370840">
+                <a:tc>
+                  <a:txBody>
+                    <a:bodyPr/>
+                    <a:lstStyle/>
+                    <a:p>
+                      <a:endParaRPr lang="zh-CN" altLang="en-US"/>
+                    </a:p>
+                  </a:txBody>
+                  <a:tcPr/>
+                </a:tc>
+                <a:tc>
+                  <a:txBody>
+                    <a:bodyPr/>
+                    <a:lstStyle/>
+                    <a:p>
+                      <a:pPr marL="0" marR="0" lvl="0" indent="0" algn="l" defTabSz="914400" rtl="0" eaLnBrk="1" fontAlgn="auto" latinLnBrk="0" hangingPunct="1">
+                        <a:lnSpc>
+                          <a:spcPct val="100000"/>
+                        </a:lnSpc>
+                        <a:spcBef>
+                          <a:spcPts val="0"/>
+                        </a:spcBef>
+                        <a:spcAft>
+                          <a:spcPts val="0"/>
+                        </a:spcAft>
+                        <a:buClrTx/>
+                        <a:buSzTx/>
+                        <a:buFontTx/>
+                        <a:buNone/>
+                        <a:tabLst/>
+                        <a:defRPr/>
+                      </a:pPr>
+                      <a:r>
+                        <a:rPr lang="en-US" altLang="zh-CN" sz="1800" b="1" i="0" kern="1200">
+                          <a:solidFill>
+                            <a:schemeClr val="dk1"/>
+                          </a:solidFill>
+                          <a:effectLst/>
+                          <a:latin typeface="+mn-lt"/>
+                          <a:ea typeface="+mn-ea"/>
+                          <a:cs typeface="+mn-cs"/>
+                        </a:rPr>
+                        <a:t>WRR(Weighted Round Robin</a:t>
+                      </a:r>
+                      <a:r>
+                        <a:rPr lang="zh-CN" altLang="en-US" sz="1800" b="1" i="0" kern="1200">
+                          <a:solidFill>
+                            <a:schemeClr val="dk1"/>
+                          </a:solidFill>
+                          <a:effectLst/>
+                          <a:latin typeface="+mn-lt"/>
+                          <a:ea typeface="+mn-ea"/>
+                          <a:cs typeface="+mn-cs"/>
+                        </a:rPr>
+                        <a:t>，加权轮询）</a:t>
+                      </a:r>
+                    </a:p>
+                  </a:txBody>
+                  <a:tcPr/>
+                </a:tc>
+                <a:extLst>
+                  <a:ext uri="{0D108BD9-81ED-4DB2-BD59-A6C34878D82A}">
+                    <a16:rowId xmlns:a16="http://schemas.microsoft.com/office/drawing/2014/main" val="2454438943"/>
+                  </a:ext>
+                </a:extLst>
+              </a:tr>
+              <a:tr h="370840">
+                <a:tc>
+                  <a:txBody>
+                    <a:bodyPr/>
+                    <a:lstStyle/>
+                    <a:p>
+                      <a:endParaRPr lang="zh-CN" altLang="en-US"/>
+                    </a:p>
+                  </a:txBody>
+                  <a:tcPr/>
+                </a:tc>
+                <a:tc>
+                  <a:txBody>
+                    <a:bodyPr/>
+                    <a:lstStyle/>
+                    <a:p>
+                      <a:pPr marL="0" marR="0" lvl="0" indent="0" algn="l" defTabSz="914400" rtl="0" eaLnBrk="1" fontAlgn="auto" latinLnBrk="0" hangingPunct="1">
+                        <a:lnSpc>
+                          <a:spcPct val="100000"/>
+                        </a:lnSpc>
+                        <a:spcBef>
+                          <a:spcPts val="0"/>
+                        </a:spcBef>
+                        <a:spcAft>
+                          <a:spcPts val="0"/>
+                        </a:spcAft>
+                        <a:buClrTx/>
+                        <a:buSzTx/>
+                        <a:buFontTx/>
+                        <a:buNone/>
+                        <a:tabLst/>
+                        <a:defRPr/>
+                      </a:pPr>
+                      <a:r>
+                        <a:rPr lang="en-US" altLang="zh-CN" sz="1800" b="1" i="0" kern="1200">
+                          <a:solidFill>
+                            <a:schemeClr val="dk1"/>
+                          </a:solidFill>
+                          <a:effectLst/>
+                          <a:latin typeface="+mn-lt"/>
+                          <a:ea typeface="+mn-ea"/>
+                          <a:cs typeface="+mn-cs"/>
+                        </a:rPr>
+                        <a:t>DWRR</a:t>
+                      </a:r>
+                      <a:r>
+                        <a:rPr lang="zh-CN" altLang="en-US" sz="1800" b="1" i="0" kern="1200">
+                          <a:solidFill>
+                            <a:schemeClr val="dk1"/>
+                          </a:solidFill>
+                          <a:effectLst/>
+                          <a:latin typeface="+mn-lt"/>
+                          <a:ea typeface="+mn-ea"/>
+                          <a:cs typeface="+mn-cs"/>
+                        </a:rPr>
+                        <a:t>（</a:t>
+                      </a:r>
+                      <a:r>
+                        <a:rPr lang="en-US" altLang="zh-CN" sz="1800" b="1" i="0" kern="1200">
+                          <a:solidFill>
+                            <a:schemeClr val="dk1"/>
+                          </a:solidFill>
+                          <a:effectLst/>
+                          <a:latin typeface="+mn-lt"/>
+                          <a:ea typeface="+mn-ea"/>
+                          <a:cs typeface="+mn-cs"/>
+                        </a:rPr>
+                        <a:t>Deficit Weighted Round Robin)</a:t>
+                      </a:r>
+                    </a:p>
+                  </a:txBody>
+                  <a:tcPr/>
+                </a:tc>
+                <a:extLst>
+                  <a:ext uri="{0D108BD9-81ED-4DB2-BD59-A6C34878D82A}">
+                    <a16:rowId xmlns:a16="http://schemas.microsoft.com/office/drawing/2014/main" val="10825889"/>
+                  </a:ext>
+                </a:extLst>
+              </a:tr>
+              <a:tr h="370840">
+                <a:tc>
+                  <a:txBody>
+                    <a:bodyPr/>
+                    <a:lstStyle/>
+                    <a:p>
+                      <a:endParaRPr lang="zh-CN" altLang="en-US"/>
+                    </a:p>
+                  </a:txBody>
+                  <a:tcPr/>
+                </a:tc>
+                <a:tc>
+                  <a:txBody>
+                    <a:bodyPr/>
+                    <a:lstStyle/>
+                    <a:p>
+                      <a:pPr marL="0" marR="0" lvl="0" indent="0" algn="l" defTabSz="914400" rtl="0" eaLnBrk="1" fontAlgn="auto" latinLnBrk="0" hangingPunct="1">
+                        <a:lnSpc>
+                          <a:spcPct val="100000"/>
+                        </a:lnSpc>
+                        <a:spcBef>
+                          <a:spcPts val="0"/>
+                        </a:spcBef>
+                        <a:spcAft>
+                          <a:spcPts val="0"/>
+                        </a:spcAft>
+                        <a:buClrTx/>
+                        <a:buSzTx/>
+                        <a:buFontTx/>
+                        <a:buNone/>
+                        <a:tabLst/>
+                        <a:defRPr/>
+                      </a:pPr>
+                      <a:r>
+                        <a:rPr lang="en-US" altLang="zh-CN" sz="1800" b="1" i="0" kern="1200">
+                          <a:solidFill>
+                            <a:schemeClr val="dk1"/>
+                          </a:solidFill>
+                          <a:effectLst/>
+                          <a:latin typeface="+mn-lt"/>
+                          <a:ea typeface="+mn-ea"/>
+                          <a:cs typeface="+mn-cs"/>
+                        </a:rPr>
+                        <a:t>FQ</a:t>
+                      </a:r>
+                      <a:r>
+                        <a:rPr lang="zh-CN" altLang="en-US" sz="1800" b="1" i="0" kern="1200">
+                          <a:solidFill>
+                            <a:schemeClr val="dk1"/>
+                          </a:solidFill>
+                          <a:effectLst/>
+                          <a:latin typeface="+mn-lt"/>
+                          <a:ea typeface="+mn-ea"/>
+                          <a:cs typeface="+mn-cs"/>
+                        </a:rPr>
+                        <a:t>（</a:t>
+                      </a:r>
+                      <a:r>
+                        <a:rPr lang="en-US" altLang="zh-CN" sz="1800" b="1" i="0" kern="1200">
+                          <a:solidFill>
+                            <a:schemeClr val="dk1"/>
+                          </a:solidFill>
+                          <a:effectLst/>
+                          <a:latin typeface="+mn-lt"/>
+                          <a:ea typeface="+mn-ea"/>
+                          <a:cs typeface="+mn-cs"/>
+                        </a:rPr>
+                        <a:t>Fair Queueing</a:t>
+                      </a:r>
+                      <a:r>
+                        <a:rPr lang="zh-CN" altLang="en-US" sz="1800" b="1" i="0" kern="1200">
+                          <a:solidFill>
+                            <a:schemeClr val="dk1"/>
+                          </a:solidFill>
+                          <a:effectLst/>
+                          <a:latin typeface="+mn-lt"/>
+                          <a:ea typeface="+mn-ea"/>
+                          <a:cs typeface="+mn-cs"/>
+                        </a:rPr>
+                        <a:t>）</a:t>
+                      </a:r>
+                    </a:p>
+                  </a:txBody>
+                  <a:tcPr/>
+                </a:tc>
+                <a:extLst>
+                  <a:ext uri="{0D108BD9-81ED-4DB2-BD59-A6C34878D82A}">
+                    <a16:rowId xmlns:a16="http://schemas.microsoft.com/office/drawing/2014/main" val="3135721769"/>
+                  </a:ext>
+                </a:extLst>
+              </a:tr>
+              <a:tr h="370840">
+                <a:tc>
+                  <a:txBody>
+                    <a:bodyPr/>
+                    <a:lstStyle/>
+                    <a:p>
+                      <a:endParaRPr lang="zh-CN" altLang="en-US"/>
+                    </a:p>
+                  </a:txBody>
+                  <a:tcPr/>
+                </a:tc>
+                <a:tc>
+                  <a:txBody>
+                    <a:bodyPr/>
+                    <a:lstStyle/>
+                    <a:p>
+                      <a:pPr marL="0" marR="0" lvl="0" indent="0" algn="l" defTabSz="914400" rtl="0" eaLnBrk="1" fontAlgn="auto" latinLnBrk="0" hangingPunct="1">
+                        <a:lnSpc>
+                          <a:spcPct val="100000"/>
+                        </a:lnSpc>
+                        <a:spcBef>
+                          <a:spcPts val="0"/>
+                        </a:spcBef>
+                        <a:spcAft>
+                          <a:spcPts val="0"/>
+                        </a:spcAft>
+                        <a:buClrTx/>
+                        <a:buSzTx/>
+                        <a:buFontTx/>
+                        <a:buNone/>
+                        <a:tabLst/>
+                        <a:defRPr/>
+                      </a:pPr>
+                      <a:r>
+                        <a:rPr lang="en-US" altLang="zh-CN" sz="1800" b="1" i="0" kern="1200">
+                          <a:solidFill>
+                            <a:schemeClr val="dk1"/>
+                          </a:solidFill>
+                          <a:effectLst/>
+                          <a:latin typeface="+mn-lt"/>
+                          <a:ea typeface="+mn-ea"/>
+                          <a:cs typeface="+mn-cs"/>
+                        </a:rPr>
+                        <a:t>DWFQ</a:t>
+                      </a:r>
+                      <a:r>
+                        <a:rPr lang="zh-CN" altLang="en-US" sz="1800" b="1" i="0" kern="1200">
+                          <a:solidFill>
+                            <a:schemeClr val="dk1"/>
+                          </a:solidFill>
+                          <a:effectLst/>
+                          <a:latin typeface="+mn-lt"/>
+                          <a:ea typeface="+mn-ea"/>
+                          <a:cs typeface="+mn-cs"/>
+                        </a:rPr>
+                        <a:t>（</a:t>
+                      </a:r>
+                      <a:r>
+                        <a:rPr lang="en-US" altLang="zh-CN" sz="1800" b="1" i="0" kern="1200">
+                          <a:solidFill>
+                            <a:schemeClr val="dk1"/>
+                          </a:solidFill>
+                          <a:effectLst/>
+                          <a:latin typeface="+mn-lt"/>
+                          <a:ea typeface="+mn-ea"/>
+                          <a:cs typeface="+mn-cs"/>
+                        </a:rPr>
+                        <a:t>Dynamic Weighted Fair Queuing</a:t>
+                      </a:r>
+                      <a:r>
+                        <a:rPr lang="zh-CN" altLang="en-US" sz="1800" b="1" i="0" kern="1200">
+                          <a:solidFill>
+                            <a:schemeClr val="dk1"/>
+                          </a:solidFill>
+                          <a:effectLst/>
+                          <a:latin typeface="+mn-lt"/>
+                          <a:ea typeface="+mn-ea"/>
+                          <a:cs typeface="+mn-cs"/>
+                        </a:rPr>
+                        <a:t>）</a:t>
+                      </a:r>
+                    </a:p>
+                  </a:txBody>
+                  <a:tcPr/>
+                </a:tc>
+                <a:extLst>
+                  <a:ext uri="{0D108BD9-81ED-4DB2-BD59-A6C34878D82A}">
+                    <a16:rowId xmlns:a16="http://schemas.microsoft.com/office/drawing/2014/main" val="663114907"/>
+                  </a:ext>
+                </a:extLst>
+              </a:tr>
+              <a:tr h="370840">
+                <a:tc>
+                  <a:txBody>
+                    <a:bodyPr/>
+                    <a:lstStyle/>
+                    <a:p>
+                      <a:endParaRPr lang="zh-CN" altLang="en-US"/>
+                    </a:p>
+                  </a:txBody>
+                  <a:tcPr/>
+                </a:tc>
+                <a:tc>
+                  <a:txBody>
+                    <a:bodyPr/>
+                    <a:lstStyle/>
+                    <a:p>
+                      <a:pPr marL="0" marR="0" lvl="0" indent="0" algn="l" defTabSz="914400" rtl="0" eaLnBrk="1" fontAlgn="auto" latinLnBrk="0" hangingPunct="1">
+                        <a:lnSpc>
+                          <a:spcPct val="100000"/>
+                        </a:lnSpc>
+                        <a:spcBef>
+                          <a:spcPts val="0"/>
+                        </a:spcBef>
+                        <a:spcAft>
+                          <a:spcPts val="0"/>
+                        </a:spcAft>
+                        <a:buClrTx/>
+                        <a:buSzTx/>
+                        <a:buFontTx/>
+                        <a:buNone/>
+                        <a:tabLst/>
+                        <a:defRPr/>
+                      </a:pPr>
+                      <a:r>
+                        <a:rPr lang="en-US" altLang="zh-CN" sz="1800" b="1" i="0" kern="1200">
+                          <a:solidFill>
+                            <a:schemeClr val="dk1"/>
+                          </a:solidFill>
+                          <a:effectLst/>
+                          <a:latin typeface="+mn-lt"/>
+                          <a:ea typeface="+mn-ea"/>
+                          <a:cs typeface="+mn-cs"/>
+                        </a:rPr>
+                        <a:t>CBWFQ(class-based weighted fair queuing)</a:t>
+                      </a:r>
+                    </a:p>
+                  </a:txBody>
+                  <a:tcPr/>
+                </a:tc>
+                <a:extLst>
+                  <a:ext uri="{0D108BD9-81ED-4DB2-BD59-A6C34878D82A}">
+                    <a16:rowId xmlns:a16="http://schemas.microsoft.com/office/drawing/2014/main" val="2420980857"/>
+                  </a:ext>
+                </a:extLst>
+              </a:tr>
+              <a:tr h="370840">
+                <a:tc>
+                  <a:txBody>
+                    <a:bodyPr/>
+                    <a:lstStyle/>
+                    <a:p>
+                      <a:pPr marL="0" marR="0" lvl="0" indent="0" algn="l" defTabSz="914400" rtl="0" eaLnBrk="1" fontAlgn="auto" latinLnBrk="0" hangingPunct="1">
+                        <a:lnSpc>
+                          <a:spcPct val="100000"/>
+                        </a:lnSpc>
+                        <a:spcBef>
+                          <a:spcPts val="0"/>
+                        </a:spcBef>
+                        <a:spcAft>
+                          <a:spcPts val="0"/>
+                        </a:spcAft>
+                        <a:buClrTx/>
+                        <a:buSzTx/>
+                        <a:buFontTx/>
+                        <a:buNone/>
+                        <a:tabLst/>
+                        <a:defRPr/>
+                      </a:pPr>
+                      <a:r>
+                        <a:rPr lang="zh-CN" altLang="en-US" sz="1800" b="1" i="0" kern="1200">
+                          <a:solidFill>
+                            <a:schemeClr val="dk1"/>
+                          </a:solidFill>
+                          <a:effectLst/>
+                          <a:latin typeface="+mn-lt"/>
+                          <a:ea typeface="+mn-ea"/>
+                          <a:cs typeface="+mn-cs"/>
+                        </a:rPr>
+                        <a:t>混合调度</a:t>
+                      </a:r>
+                    </a:p>
+                  </a:txBody>
+                  <a:tcPr/>
+                </a:tc>
+                <a:tc>
+                  <a:txBody>
+                    <a:bodyPr/>
+                    <a:lstStyle/>
+                    <a:p>
+                      <a:pPr marL="0" marR="0" lvl="0" indent="0" algn="l" defTabSz="914400" rtl="0" eaLnBrk="1" fontAlgn="auto" latinLnBrk="0" hangingPunct="1">
+                        <a:lnSpc>
+                          <a:spcPct val="100000"/>
+                        </a:lnSpc>
+                        <a:spcBef>
+                          <a:spcPts val="0"/>
+                        </a:spcBef>
+                        <a:spcAft>
+                          <a:spcPts val="0"/>
+                        </a:spcAft>
+                        <a:buClrTx/>
+                        <a:buSzTx/>
+                        <a:buFontTx/>
+                        <a:buNone/>
+                        <a:tabLst/>
+                        <a:defRPr/>
+                      </a:pPr>
+                      <a:r>
+                        <a:rPr lang="en-US" altLang="zh-CN" sz="1800" b="1" i="0" kern="1200">
+                          <a:solidFill>
+                            <a:schemeClr val="dk1"/>
+                          </a:solidFill>
+                          <a:effectLst/>
+                          <a:latin typeface="+mn-lt"/>
+                          <a:ea typeface="+mn-ea"/>
+                          <a:cs typeface="+mn-cs"/>
+                        </a:rPr>
+                        <a:t>CQ</a:t>
+                      </a:r>
+                    </a:p>
+                  </a:txBody>
+                  <a:tcPr/>
+                </a:tc>
+                <a:extLst>
+                  <a:ext uri="{0D108BD9-81ED-4DB2-BD59-A6C34878D82A}">
+                    <a16:rowId xmlns:a16="http://schemas.microsoft.com/office/drawing/2014/main" val="610562732"/>
+                  </a:ext>
+                </a:extLst>
+              </a:tr>
+              <a:tr h="370840">
+                <a:tc>
+                  <a:txBody>
+                    <a:bodyPr/>
+                    <a:lstStyle/>
+                    <a:p>
+                      <a:pPr marL="0" marR="0" lvl="0" indent="0" algn="l" defTabSz="914400" rtl="0" eaLnBrk="1" fontAlgn="auto" latinLnBrk="0" hangingPunct="1">
+                        <a:lnSpc>
+                          <a:spcPct val="100000"/>
+                        </a:lnSpc>
+                        <a:spcBef>
+                          <a:spcPts val="0"/>
+                        </a:spcBef>
+                        <a:spcAft>
+                          <a:spcPts val="0"/>
+                        </a:spcAft>
+                        <a:buClrTx/>
+                        <a:buSzTx/>
+                        <a:buFontTx/>
+                        <a:buNone/>
+                        <a:tabLst/>
+                        <a:defRPr/>
+                      </a:pPr>
+                      <a:endParaRPr lang="zh-CN" altLang="en-US" sz="1800" b="1" i="0" kern="1200">
+                        <a:solidFill>
+                          <a:schemeClr val="dk1"/>
+                        </a:solidFill>
+                        <a:effectLst/>
+                        <a:latin typeface="+mn-lt"/>
+                        <a:ea typeface="+mn-ea"/>
+                        <a:cs typeface="+mn-cs"/>
+                      </a:endParaRPr>
+                    </a:p>
+                  </a:txBody>
+                  <a:tcPr/>
+                </a:tc>
+                <a:tc>
+                  <a:txBody>
+                    <a:bodyPr/>
+                    <a:lstStyle/>
+                    <a:p>
+                      <a:pPr marL="0" marR="0" lvl="0" indent="0" algn="l" defTabSz="914400" rtl="0" eaLnBrk="1" fontAlgn="auto" latinLnBrk="0" hangingPunct="1">
+                        <a:lnSpc>
+                          <a:spcPct val="100000"/>
+                        </a:lnSpc>
+                        <a:spcBef>
+                          <a:spcPts val="0"/>
+                        </a:spcBef>
+                        <a:spcAft>
+                          <a:spcPts val="0"/>
+                        </a:spcAft>
+                        <a:buClrTx/>
+                        <a:buSzTx/>
+                        <a:buFontTx/>
+                        <a:buNone/>
+                        <a:tabLst/>
+                        <a:defRPr/>
+                      </a:pPr>
+                      <a:r>
+                        <a:rPr lang="en-US" altLang="zh-CN" sz="1800" b="1" i="0" kern="1200">
+                          <a:solidFill>
+                            <a:schemeClr val="dk1"/>
+                          </a:solidFill>
+                          <a:effectLst/>
+                          <a:latin typeface="+mn-lt"/>
+                          <a:ea typeface="+mn-ea"/>
+                          <a:cs typeface="+mn-cs"/>
+                        </a:rPr>
+                        <a:t>LLQ</a:t>
+                      </a:r>
+                    </a:p>
+                  </a:txBody>
+                  <a:tcPr/>
+                </a:tc>
+                <a:extLst>
+                  <a:ext uri="{0D108BD9-81ED-4DB2-BD59-A6C34878D82A}">
+                    <a16:rowId xmlns:a16="http://schemas.microsoft.com/office/drawing/2014/main" val="3141412827"/>
+                  </a:ext>
+                </a:extLst>
+              </a:tr>
+            </a:tbl>
+          </a:graphicData>
+        </a:graphic>
+      </p:graphicFrame>
       <p:sp>
         <p:nvSpPr>
           <p:cNvPr id="3" name="文本框 2">
             <a:extLst>
               <a:ext uri="{FF2B5EF4-FFF2-40B4-BE49-F238E27FC236}">
-                <a16:creationId xmlns:a16="http://schemas.microsoft.com/office/drawing/2014/main" id="{5A1268D4-E738-2DBB-61EB-C1207CA50093}"/>
+                <a16:creationId xmlns:a16="http://schemas.microsoft.com/office/drawing/2014/main" id="{B7EC55C5-3B48-A1FB-0A07-D6E7CFA1BE32}"/>
               </a:ext>
             </a:extLst>
           </p:cNvPr>
@@ -3523,8 +4240,8 @@
         </p:nvSpPr>
         <p:spPr>
           <a:xfrm>
-            <a:off x="245245" y="115257"/>
-            <a:ext cx="6097218" cy="646331"/>
+            <a:off x="787400" y="5873750"/>
+            <a:ext cx="6508750" cy="646331"/>
           </a:xfrm>
           <a:prstGeom prst="rect">
             <a:avLst/>
@@ -3532,34 +4249,29 @@
           <a:noFill/>
         </p:spPr>
         <p:txBody>
-          <a:bodyPr wrap="square">
+          <a:bodyPr wrap="square" rtlCol="0">
             <a:spAutoFit/>
           </a:bodyPr>
           <a:lstStyle/>
           <a:p>
             <a:r>
-              <a:rPr lang="zh-CN" altLang="en-US" sz="3600"/>
-              <a:t>背景（</a:t>
+              <a:rPr lang="zh-CN" altLang="en-US"/>
+              <a:t>这里面的公平调度和背景定义的公平性含义不同</a:t>
             </a:r>
+            <a:endParaRPr lang="en-US" altLang="zh-CN"/>
+          </a:p>
+          <a:p>
             <a:r>
-              <a:rPr lang="en-US" altLang="zh-CN" sz="3600"/>
-              <a:t>1/2</a:t>
+              <a:rPr lang="zh-CN" altLang="en-US"/>
+              <a:t>背景公平性特指服从优先级调度的程度</a:t>
             </a:r>
-            <a:r>
-              <a:rPr lang="zh-CN" altLang="en-US" sz="3600"/>
-              <a:t>）</a:t>
-            </a:r>
-            <a:endParaRPr lang="en-US" altLang="zh-CN" sz="3600"/>
           </a:p>
         </p:txBody>
       </p:sp>
     </p:spTree>
-    <p:custDataLst>
-      <p:tags r:id="rId1"/>
-    </p:custDataLst>
     <p:extLst>
       <p:ext uri="{BB962C8B-B14F-4D97-AF65-F5344CB8AC3E}">
-        <p14:creationId xmlns:p14="http://schemas.microsoft.com/office/powerpoint/2010/main" val="2502639529"/>
+        <p14:creationId xmlns:p14="http://schemas.microsoft.com/office/powerpoint/2010/main" val="3182920582"/>
       </p:ext>
     </p:extLst>
   </p:cSld>
@@ -26756,7 +27468,8 @@
             <a:avLst/>
           </a:prstGeom>
           <a:ln w="12700">
-            <a:tailEnd type="triangle"/>
+            <a:headEnd type="triangle" w="sm" len="sm"/>
+            <a:tailEnd type="triangle" w="sm" len="sm"/>
           </a:ln>
         </p:spPr>
         <p:style>
@@ -29123,7 +29836,7 @@
           </a:prstGeom>
           <a:ln w="25400">
             <a:solidFill>
-              <a:srgbClr val="FF0000"/>
+              <a:schemeClr val="tx1"/>
             </a:solidFill>
             <a:tailEnd type="triangle"/>
           </a:ln>
@@ -29727,7 +30440,7 @@
           </a:prstGeom>
           <a:ln w="25400">
             <a:solidFill>
-              <a:srgbClr val="FF0000"/>
+              <a:schemeClr val="tx1"/>
             </a:solidFill>
             <a:tailEnd type="triangle"/>
           </a:ln>
@@ -30335,7 +31048,8 @@
             <a:solidFill>
               <a:srgbClr val="FF0000"/>
             </a:solidFill>
-            <a:tailEnd type="triangle"/>
+            <a:headEnd type="triangle" w="sm" len="sm"/>
+            <a:tailEnd type="triangle" w="sm" len="sm"/>
           </a:ln>
         </p:spPr>
         <p:style>
@@ -30769,7 +31483,7 @@
           <a:p>
             <a:r>
               <a:rPr lang="zh-CN" altLang="en-US" sz="4000"/>
-              <a:t>计算路径</a:t>
+              <a:t>控制路径</a:t>
             </a:r>
           </a:p>
         </p:txBody>
@@ -32579,6 +33293,9 @@
             </a:avLst>
           </a:prstGeom>
           <a:ln w="25400">
+            <a:solidFill>
+              <a:srgbClr val="FF0000"/>
+            </a:solidFill>
             <a:tailEnd type="triangle"/>
           </a:ln>
         </p:spPr>
@@ -33180,6 +33897,9 @@
             </a:avLst>
           </a:prstGeom>
           <a:ln w="25400">
+            <a:solidFill>
+              <a:srgbClr val="FF0000"/>
+            </a:solidFill>
             <a:tailEnd type="triangle"/>
           </a:ln>
         </p:spPr>
@@ -33743,7 +34463,8 @@
             <a:avLst/>
           </a:prstGeom>
           <a:ln w="12700">
-            <a:tailEnd type="triangle"/>
+            <a:headEnd type="triangle" w="sm" len="sm"/>
+            <a:tailEnd type="triangle" w="sm" len="sm"/>
           </a:ln>
         </p:spPr>
         <p:style>
@@ -34393,7 +35114,8 @@
             <a:avLst/>
           </a:prstGeom>
           <a:ln w="12700">
-            <a:tailEnd type="triangle"/>
+            <a:headEnd type="triangle" w="sm" len="sm"/>
+            <a:tailEnd type="triangle" w="sm" len="sm"/>
           </a:ln>
         </p:spPr>
         <p:style>
@@ -34425,7 +35147,7 @@
         </p:nvSpPr>
         <p:spPr>
           <a:xfrm>
-            <a:off x="6503023" y="1631248"/>
+            <a:off x="6506813" y="1577724"/>
             <a:ext cx="590227" cy="215444"/>
           </a:xfrm>
           <a:prstGeom prst="rect">
@@ -35000,6 +35722,317 @@
       </p:grpSpPr>
       <p:sp>
         <p:nvSpPr>
+          <p:cNvPr id="11" name="文本框 10">
+            <a:extLst>
+              <a:ext uri="{FF2B5EF4-FFF2-40B4-BE49-F238E27FC236}">
+                <a16:creationId xmlns:a16="http://schemas.microsoft.com/office/drawing/2014/main" id="{08C77261-B8A3-6E89-60E8-380369BEE21E}"/>
+              </a:ext>
+            </a:extLst>
+          </p:cNvPr>
+          <p:cNvSpPr txBox="1"/>
+          <p:nvPr/>
+        </p:nvSpPr>
+        <p:spPr>
+          <a:xfrm>
+            <a:off x="574429" y="755698"/>
+            <a:ext cx="11136925" cy="3970318"/>
+          </a:xfrm>
+          <a:prstGeom prst="rect">
+            <a:avLst/>
+          </a:prstGeom>
+          <a:noFill/>
+        </p:spPr>
+        <p:txBody>
+          <a:bodyPr wrap="square">
+            <a:spAutoFit/>
+          </a:bodyPr>
+          <a:lstStyle/>
+          <a:p>
+            <a:pPr algn="l"/>
+            <a:r>
+              <a:rPr lang="zh-CN" altLang="en-US" b="0" i="0">
+                <a:solidFill>
+                  <a:srgbClr val="24292F"/>
+                </a:solidFill>
+                <a:effectLst/>
+                <a:latin typeface="-apple-system"/>
+              </a:rPr>
+              <a:t>基于优先级的队列调度算法是一种常见的调度算法，它根据任务的优先级确定任务执行的顺序。这种算法的主要优点和缺点如下：</a:t>
+            </a:r>
+          </a:p>
+          <a:p>
+            <a:pPr algn="l"/>
+            <a:r>
+              <a:rPr lang="zh-CN" altLang="en-US" b="0" i="0">
+                <a:solidFill>
+                  <a:srgbClr val="FF0000"/>
+                </a:solidFill>
+                <a:effectLst/>
+                <a:latin typeface="-apple-system"/>
+              </a:rPr>
+              <a:t>优点：</a:t>
+            </a:r>
+          </a:p>
+          <a:p>
+            <a:pPr marL="285750" indent="-285750" algn="l">
+              <a:buFont typeface="Arial" panose="020B0604020202020204" pitchFamily="34" charset="0"/>
+              <a:buChar char="•"/>
+            </a:pPr>
+            <a:r>
+              <a:rPr lang="zh-CN" altLang="en-US" b="0" i="0">
+                <a:solidFill>
+                  <a:srgbClr val="24292F"/>
+                </a:solidFill>
+                <a:effectLst/>
+                <a:latin typeface="-apple-system"/>
+              </a:rPr>
+              <a:t>高效性：基于优先级的队列调度算法能够快速地确定下一个要执行的任务，因为只需要比较任务的优先级而不需要遍历整个任务队列。</a:t>
+            </a:r>
+          </a:p>
+          <a:p>
+            <a:pPr marL="285750" indent="-285750" algn="l">
+              <a:buFont typeface="Arial" panose="020B0604020202020204" pitchFamily="34" charset="0"/>
+              <a:buChar char="•"/>
+            </a:pPr>
+            <a:r>
+              <a:rPr lang="zh-CN" altLang="en-US" b="0" i="0">
+                <a:solidFill>
+                  <a:srgbClr val="24292F"/>
+                </a:solidFill>
+                <a:effectLst/>
+                <a:latin typeface="-apple-system"/>
+              </a:rPr>
+              <a:t>灵活性：通过调整任务的优先级，可以灵活地控制任务的执行顺序，以满足各种需求。</a:t>
+            </a:r>
+          </a:p>
+          <a:p>
+            <a:pPr marL="285750" indent="-285750" algn="l">
+              <a:buFont typeface="Arial" panose="020B0604020202020204" pitchFamily="34" charset="0"/>
+              <a:buChar char="•"/>
+            </a:pPr>
+            <a:r>
+              <a:rPr lang="zh-CN" altLang="en-US" b="0" i="0">
+                <a:solidFill>
+                  <a:schemeClr val="accent1">
+                    <a:lumMod val="75000"/>
+                  </a:schemeClr>
+                </a:solidFill>
+                <a:effectLst/>
+                <a:latin typeface="-apple-system"/>
+              </a:rPr>
+              <a:t>公平性：该算法可以根据任务的优先级公平地分配系统资源，保证高优先级任务的及时执行。</a:t>
+            </a:r>
+          </a:p>
+          <a:p>
+            <a:pPr algn="l"/>
+            <a:r>
+              <a:rPr lang="zh-CN" altLang="en-US" b="0" i="0">
+                <a:solidFill>
+                  <a:srgbClr val="FF0000"/>
+                </a:solidFill>
+                <a:effectLst/>
+                <a:latin typeface="-apple-system"/>
+              </a:rPr>
+              <a:t>缺点：</a:t>
+            </a:r>
+          </a:p>
+          <a:p>
+            <a:pPr marL="285750" indent="-285750" algn="l">
+              <a:buFont typeface="Arial" panose="020B0604020202020204" pitchFamily="34" charset="0"/>
+              <a:buChar char="•"/>
+            </a:pPr>
+            <a:r>
+              <a:rPr lang="zh-CN" altLang="en-US" b="0" i="0">
+                <a:solidFill>
+                  <a:schemeClr val="tx2">
+                    <a:lumMod val="50000"/>
+                    <a:lumOff val="50000"/>
+                  </a:schemeClr>
+                </a:solidFill>
+                <a:effectLst/>
+                <a:latin typeface="-apple-system"/>
+              </a:rPr>
+              <a:t>饥饿问题：如果存在大量高优先级任务，低优先级任务可能会被长时间地延迟执行，导致低优先级任务无法得到充分的资源利用。</a:t>
+            </a:r>
+          </a:p>
+          <a:p>
+            <a:pPr marL="285750" indent="-285750" algn="l">
+              <a:buFont typeface="Arial" panose="020B0604020202020204" pitchFamily="34" charset="0"/>
+              <a:buChar char="•"/>
+            </a:pPr>
+            <a:r>
+              <a:rPr lang="zh-CN" altLang="en-US" b="0" i="0">
+                <a:solidFill>
+                  <a:srgbClr val="24292F"/>
+                </a:solidFill>
+                <a:effectLst/>
+                <a:latin typeface="-apple-system"/>
+              </a:rPr>
+              <a:t>优先级反转：当一个低优先级任务持有某个资源，而一个高优先级任务需要该资源时，优先级反转可能会导致高优先级任务无法及时执行。</a:t>
+            </a:r>
+          </a:p>
+          <a:p>
+            <a:pPr marL="285750" indent="-285750" algn="l">
+              <a:buFont typeface="Arial" panose="020B0604020202020204" pitchFamily="34" charset="0"/>
+              <a:buChar char="•"/>
+            </a:pPr>
+            <a:r>
+              <a:rPr lang="zh-CN" altLang="en-US" b="0" i="0">
+                <a:solidFill>
+                  <a:srgbClr val="24292F"/>
+                </a:solidFill>
+                <a:effectLst/>
+                <a:latin typeface="-apple-system"/>
+              </a:rPr>
+              <a:t>优先级不准确：在实际应用中，确定任务的优先级往往是一个挑战，不准确的优先级设置可能会导致不合理的调度结果。</a:t>
+            </a:r>
+          </a:p>
+        </p:txBody>
+      </p:sp>
+      <p:sp>
+        <p:nvSpPr>
+          <p:cNvPr id="3" name="文本框 2">
+            <a:extLst>
+              <a:ext uri="{FF2B5EF4-FFF2-40B4-BE49-F238E27FC236}">
+                <a16:creationId xmlns:a16="http://schemas.microsoft.com/office/drawing/2014/main" id="{5A1268D4-E738-2DBB-61EB-C1207CA50093}"/>
+              </a:ext>
+            </a:extLst>
+          </p:cNvPr>
+          <p:cNvSpPr txBox="1"/>
+          <p:nvPr/>
+        </p:nvSpPr>
+        <p:spPr>
+          <a:xfrm>
+            <a:off x="245245" y="115257"/>
+            <a:ext cx="6097218" cy="646331"/>
+          </a:xfrm>
+          <a:prstGeom prst="rect">
+            <a:avLst/>
+          </a:prstGeom>
+          <a:noFill/>
+        </p:spPr>
+        <p:txBody>
+          <a:bodyPr wrap="square">
+            <a:spAutoFit/>
+          </a:bodyPr>
+          <a:lstStyle/>
+          <a:p>
+            <a:r>
+              <a:rPr lang="zh-CN" altLang="en-US" sz="3600"/>
+              <a:t>背景（</a:t>
+            </a:r>
+            <a:r>
+              <a:rPr lang="en-US" altLang="zh-CN" sz="3600"/>
+              <a:t>1/2</a:t>
+            </a:r>
+            <a:r>
+              <a:rPr lang="zh-CN" altLang="en-US" sz="3600"/>
+              <a:t>）</a:t>
+            </a:r>
+            <a:endParaRPr lang="en-US" altLang="zh-CN" sz="3600"/>
+          </a:p>
+        </p:txBody>
+      </p:sp>
+    </p:spTree>
+    <p:custDataLst>
+      <p:tags r:id="rId1"/>
+    </p:custDataLst>
+    <p:extLst>
+      <p:ext uri="{BB962C8B-B14F-4D97-AF65-F5344CB8AC3E}">
+        <p14:creationId xmlns:p14="http://schemas.microsoft.com/office/powerpoint/2010/main" val="2502639529"/>
+      </p:ext>
+    </p:extLst>
+  </p:cSld>
+  <p:clrMapOvr>
+    <a:masterClrMapping/>
+  </p:clrMapOvr>
+</p:sld>
+</file>
+
+<file path=ppt/slides/slide20.xml><?xml version="1.0" encoding="utf-8"?>
+<p:sld xmlns:a="http://schemas.openxmlformats.org/drawingml/2006/main" xmlns:r="http://schemas.openxmlformats.org/officeDocument/2006/relationships" xmlns:p="http://schemas.openxmlformats.org/presentationml/2006/main">
+  <p:cSld>
+    <p:spTree>
+      <p:nvGrpSpPr>
+        <p:cNvPr id="1" name=""/>
+        <p:cNvGrpSpPr/>
+        <p:nvPr/>
+      </p:nvGrpSpPr>
+      <p:grpSpPr>
+        <a:xfrm>
+          <a:off x="0" y="0"/>
+          <a:ext cx="0" cy="0"/>
+          <a:chOff x="0" y="0"/>
+          <a:chExt cx="0" cy="0"/>
+        </a:xfrm>
+      </p:grpSpPr>
+      <p:sp>
+        <p:nvSpPr>
+          <p:cNvPr id="4" name="文本框 3">
+            <a:extLst>
+              <a:ext uri="{FF2B5EF4-FFF2-40B4-BE49-F238E27FC236}">
+                <a16:creationId xmlns:a16="http://schemas.microsoft.com/office/drawing/2014/main" id="{8AC60A8D-23D2-9863-2262-2B24070A87C5}"/>
+              </a:ext>
+            </a:extLst>
+          </p:cNvPr>
+          <p:cNvSpPr txBox="1"/>
+          <p:nvPr/>
+        </p:nvSpPr>
+        <p:spPr>
+          <a:xfrm>
+            <a:off x="609600" y="419100"/>
+            <a:ext cx="3378200" cy="369332"/>
+          </a:xfrm>
+          <a:prstGeom prst="rect">
+            <a:avLst/>
+          </a:prstGeom>
+          <a:noFill/>
+        </p:spPr>
+        <p:txBody>
+          <a:bodyPr wrap="square" rtlCol="0">
+            <a:spAutoFit/>
+          </a:bodyPr>
+          <a:lstStyle/>
+          <a:p>
+            <a:r>
+              <a:rPr lang="zh-CN" altLang="en-US"/>
+              <a:t>性能比较</a:t>
+            </a:r>
+          </a:p>
+        </p:txBody>
+      </p:sp>
+    </p:spTree>
+    <p:extLst>
+      <p:ext uri="{BB962C8B-B14F-4D97-AF65-F5344CB8AC3E}">
+        <p14:creationId xmlns:p14="http://schemas.microsoft.com/office/powerpoint/2010/main" val="3544342156"/>
+      </p:ext>
+    </p:extLst>
+  </p:cSld>
+  <p:clrMapOvr>
+    <a:masterClrMapping/>
+  </p:clrMapOvr>
+</p:sld>
+</file>
+
+<file path=ppt/slides/slide3.xml><?xml version="1.0" encoding="utf-8"?>
+<p:sld xmlns:a="http://schemas.openxmlformats.org/drawingml/2006/main" xmlns:r="http://schemas.openxmlformats.org/officeDocument/2006/relationships" xmlns:p="http://schemas.openxmlformats.org/presentationml/2006/main">
+  <p:cSld>
+    <p:spTree>
+      <p:nvGrpSpPr>
+        <p:cNvPr id="1" name=""/>
+        <p:cNvGrpSpPr/>
+        <p:nvPr/>
+      </p:nvGrpSpPr>
+      <p:grpSpPr>
+        <a:xfrm>
+          <a:off x="0" y="0"/>
+          <a:ext cx="0" cy="0"/>
+          <a:chOff x="0" y="0"/>
+          <a:chExt cx="0" cy="0"/>
+        </a:xfrm>
+      </p:grpSpPr>
+      <p:sp>
+        <p:nvSpPr>
           <p:cNvPr id="4" name="文本框 3">
             <a:extLst>
               <a:ext uri="{FF2B5EF4-FFF2-40B4-BE49-F238E27FC236}">
@@ -35209,72 +36242,7 @@
 </p:sld>
 </file>
 
-<file path=ppt/slides/slide20.xml><?xml version="1.0" encoding="utf-8"?>
-<p:sld xmlns:a="http://schemas.openxmlformats.org/drawingml/2006/main" xmlns:r="http://schemas.openxmlformats.org/officeDocument/2006/relationships" xmlns:p="http://schemas.openxmlformats.org/presentationml/2006/main">
-  <p:cSld>
-    <p:spTree>
-      <p:nvGrpSpPr>
-        <p:cNvPr id="1" name=""/>
-        <p:cNvGrpSpPr/>
-        <p:nvPr/>
-      </p:nvGrpSpPr>
-      <p:grpSpPr>
-        <a:xfrm>
-          <a:off x="0" y="0"/>
-          <a:ext cx="0" cy="0"/>
-          <a:chOff x="0" y="0"/>
-          <a:chExt cx="0" cy="0"/>
-        </a:xfrm>
-      </p:grpSpPr>
-      <p:sp>
-        <p:nvSpPr>
-          <p:cNvPr id="4" name="文本框 3">
-            <a:extLst>
-              <a:ext uri="{FF2B5EF4-FFF2-40B4-BE49-F238E27FC236}">
-                <a16:creationId xmlns:a16="http://schemas.microsoft.com/office/drawing/2014/main" id="{8AC60A8D-23D2-9863-2262-2B24070A87C5}"/>
-              </a:ext>
-            </a:extLst>
-          </p:cNvPr>
-          <p:cNvSpPr txBox="1"/>
-          <p:nvPr/>
-        </p:nvSpPr>
-        <p:spPr>
-          <a:xfrm>
-            <a:off x="609600" y="419100"/>
-            <a:ext cx="3378200" cy="369332"/>
-          </a:xfrm>
-          <a:prstGeom prst="rect">
-            <a:avLst/>
-          </a:prstGeom>
-          <a:noFill/>
-        </p:spPr>
-        <p:txBody>
-          <a:bodyPr wrap="square" rtlCol="0">
-            <a:spAutoFit/>
-          </a:bodyPr>
-          <a:lstStyle/>
-          <a:p>
-            <a:r>
-              <a:rPr lang="zh-CN" altLang="en-US"/>
-              <a:t>性能比较</a:t>
-            </a:r>
-          </a:p>
-        </p:txBody>
-      </p:sp>
-    </p:spTree>
-    <p:extLst>
-      <p:ext uri="{BB962C8B-B14F-4D97-AF65-F5344CB8AC3E}">
-        <p14:creationId xmlns:p14="http://schemas.microsoft.com/office/powerpoint/2010/main" val="3544342156"/>
-      </p:ext>
-    </p:extLst>
-  </p:cSld>
-  <p:clrMapOvr>
-    <a:masterClrMapping/>
-  </p:clrMapOvr>
-</p:sld>
-</file>
-
-<file path=ppt/slides/slide3.xml><?xml version="1.0" encoding="utf-8"?>
+<file path=ppt/slides/slide4.xml><?xml version="1.0" encoding="utf-8"?>
 <p:sld xmlns:a="http://schemas.openxmlformats.org/drawingml/2006/main" xmlns:r="http://schemas.openxmlformats.org/officeDocument/2006/relationships" xmlns:p="http://schemas.openxmlformats.org/presentationml/2006/main">
   <p:cSld>
     <p:spTree>
@@ -35508,959 +36476,6 @@
     <p:extLst>
       <p:ext uri="{BB962C8B-B14F-4D97-AF65-F5344CB8AC3E}">
         <p14:creationId xmlns:p14="http://schemas.microsoft.com/office/powerpoint/2010/main" val="157549471"/>
-      </p:ext>
-    </p:extLst>
-  </p:cSld>
-  <p:clrMapOvr>
-    <a:masterClrMapping/>
-  </p:clrMapOvr>
-</p:sld>
-</file>
-
-<file path=ppt/slides/slide4.xml><?xml version="1.0" encoding="utf-8"?>
-<p:sld xmlns:a="http://schemas.openxmlformats.org/drawingml/2006/main" xmlns:r="http://schemas.openxmlformats.org/officeDocument/2006/relationships" xmlns:p="http://schemas.openxmlformats.org/presentationml/2006/main">
-  <p:cSld>
-    <p:spTree>
-      <p:nvGrpSpPr>
-        <p:cNvPr id="1" name=""/>
-        <p:cNvGrpSpPr/>
-        <p:nvPr/>
-      </p:nvGrpSpPr>
-      <p:grpSpPr>
-        <a:xfrm>
-          <a:off x="0" y="0"/>
-          <a:ext cx="0" cy="0"/>
-          <a:chOff x="0" y="0"/>
-          <a:chExt cx="0" cy="0"/>
-        </a:xfrm>
-      </p:grpSpPr>
-      <p:sp>
-        <p:nvSpPr>
-          <p:cNvPr id="5" name="文本框 4">
-            <a:extLst>
-              <a:ext uri="{FF2B5EF4-FFF2-40B4-BE49-F238E27FC236}">
-                <a16:creationId xmlns:a16="http://schemas.microsoft.com/office/drawing/2014/main" id="{B882B6FD-D238-2BF6-8E5E-D63E3CC8CFD0}"/>
-              </a:ext>
-            </a:extLst>
-          </p:cNvPr>
-          <p:cNvSpPr txBox="1"/>
-          <p:nvPr/>
-        </p:nvSpPr>
-        <p:spPr>
-          <a:xfrm>
-            <a:off x="685800" y="882134"/>
-            <a:ext cx="6096000" cy="369332"/>
-          </a:xfrm>
-          <a:prstGeom prst="rect">
-            <a:avLst/>
-          </a:prstGeom>
-          <a:noFill/>
-        </p:spPr>
-        <p:txBody>
-          <a:bodyPr wrap="square">
-            <a:spAutoFit/>
-          </a:bodyPr>
-          <a:lstStyle/>
-          <a:p>
-            <a:r>
-              <a:rPr lang="en-US" altLang="zh-CN"/>
-              <a:t>QoS</a:t>
-            </a:r>
-            <a:r>
-              <a:rPr lang="zh-CN" altLang="en-US"/>
-              <a:t>调度算法</a:t>
-            </a:r>
-            <a:r>
-              <a:rPr lang="en-US" altLang="zh-CN"/>
-              <a:t>https://zhuanlan.zhihu.com/p/614689779</a:t>
-            </a:r>
-            <a:endParaRPr lang="zh-CN" altLang="en-US"/>
-          </a:p>
-        </p:txBody>
-      </p:sp>
-      <p:graphicFrame>
-        <p:nvGraphicFramePr>
-          <p:cNvPr id="2" name="表格 1">
-            <a:extLst>
-              <a:ext uri="{FF2B5EF4-FFF2-40B4-BE49-F238E27FC236}">
-                <a16:creationId xmlns:a16="http://schemas.microsoft.com/office/drawing/2014/main" id="{46DC9024-420E-EF04-F0BB-7CCA61AB7428}"/>
-              </a:ext>
-            </a:extLst>
-          </p:cNvPr>
-          <p:cNvGraphicFramePr>
-            <a:graphicFrameLocks noGrp="1"/>
-          </p:cNvGraphicFramePr>
-          <p:nvPr/>
-        </p:nvGraphicFramePr>
-        <p:xfrm>
-          <a:off x="1028389" y="1901696"/>
-          <a:ext cx="9331094" cy="3708400"/>
-        </p:xfrm>
-        <a:graphic>
-          <a:graphicData uri="http://schemas.openxmlformats.org/drawingml/2006/table">
-            <a:tbl>
-              <a:tblPr firstRow="1" bandRow="1">
-                <a:tableStyleId>{5C22544A-7EE6-4342-B048-85BDC9FD1C3A}</a:tableStyleId>
-              </a:tblPr>
-              <a:tblGrid>
-                <a:gridCol w="4665547">
-                  <a:extLst>
-                    <a:ext uri="{9D8B030D-6E8A-4147-A177-3AD203B41FA5}">
-                      <a16:colId xmlns:a16="http://schemas.microsoft.com/office/drawing/2014/main" val="4130538562"/>
-                    </a:ext>
-                  </a:extLst>
-                </a:gridCol>
-                <a:gridCol w="4665547">
-                  <a:extLst>
-                    <a:ext uri="{9D8B030D-6E8A-4147-A177-3AD203B41FA5}">
-                      <a16:colId xmlns:a16="http://schemas.microsoft.com/office/drawing/2014/main" val="579732800"/>
-                    </a:ext>
-                  </a:extLst>
-                </a:gridCol>
-              </a:tblGrid>
-              <a:tr h="370840">
-                <a:tc>
-                  <a:txBody>
-                    <a:bodyPr/>
-                    <a:lstStyle/>
-                    <a:p>
-                      <a:r>
-                        <a:rPr lang="zh-CN" altLang="en-US"/>
-                        <a:t>调度类型</a:t>
-                      </a:r>
-                    </a:p>
-                  </a:txBody>
-                  <a:tcPr/>
-                </a:tc>
-                <a:tc>
-                  <a:txBody>
-                    <a:bodyPr/>
-                    <a:lstStyle/>
-                    <a:p>
-                      <a:r>
-                        <a:rPr lang="zh-CN" altLang="en-US"/>
-                        <a:t>算法</a:t>
-                      </a:r>
-                    </a:p>
-                  </a:txBody>
-                  <a:tcPr/>
-                </a:tc>
-                <a:extLst>
-                  <a:ext uri="{0D108BD9-81ED-4DB2-BD59-A6C34878D82A}">
-                    <a16:rowId xmlns:a16="http://schemas.microsoft.com/office/drawing/2014/main" val="563639928"/>
-                  </a:ext>
-                </a:extLst>
-              </a:tr>
-              <a:tr h="370840">
-                <a:tc>
-                  <a:txBody>
-                    <a:bodyPr/>
-                    <a:lstStyle/>
-                    <a:p>
-                      <a:pPr marL="0" marR="0" lvl="0" indent="0" algn="l" defTabSz="914400" rtl="0" eaLnBrk="1" fontAlgn="auto" latinLnBrk="0" hangingPunct="1">
-                        <a:lnSpc>
-                          <a:spcPct val="100000"/>
-                        </a:lnSpc>
-                        <a:spcBef>
-                          <a:spcPts val="0"/>
-                        </a:spcBef>
-                        <a:spcAft>
-                          <a:spcPts val="0"/>
-                        </a:spcAft>
-                        <a:buClrTx/>
-                        <a:buSzTx/>
-                        <a:buFontTx/>
-                        <a:buNone/>
-                        <a:tabLst/>
-                        <a:defRPr/>
-                      </a:pPr>
-                      <a:r>
-                        <a:rPr lang="zh-CN" altLang="en-US" sz="1800" b="1" i="0" kern="1200">
-                          <a:solidFill>
-                            <a:schemeClr val="dk1"/>
-                          </a:solidFill>
-                          <a:effectLst/>
-                          <a:latin typeface="+mn-lt"/>
-                          <a:ea typeface="+mn-ea"/>
-                          <a:cs typeface="+mn-cs"/>
-                        </a:rPr>
-                        <a:t>优先级调度</a:t>
-                      </a:r>
-                    </a:p>
-                  </a:txBody>
-                  <a:tcPr/>
-                </a:tc>
-                <a:tc>
-                  <a:txBody>
-                    <a:bodyPr/>
-                    <a:lstStyle/>
-                    <a:p>
-                      <a:pPr marL="0" marR="0" lvl="0" indent="0" algn="l" defTabSz="914400" rtl="0" eaLnBrk="1" fontAlgn="auto" latinLnBrk="0" hangingPunct="1">
-                        <a:lnSpc>
-                          <a:spcPct val="100000"/>
-                        </a:lnSpc>
-                        <a:spcBef>
-                          <a:spcPts val="0"/>
-                        </a:spcBef>
-                        <a:spcAft>
-                          <a:spcPts val="0"/>
-                        </a:spcAft>
-                        <a:buClrTx/>
-                        <a:buSzTx/>
-                        <a:buFontTx/>
-                        <a:buNone/>
-                        <a:tabLst/>
-                        <a:defRPr/>
-                      </a:pPr>
-                      <a:r>
-                        <a:rPr lang="en-US" altLang="zh-CN" sz="1800" b="1" i="0" kern="1200">
-                          <a:solidFill>
-                            <a:schemeClr val="dk1"/>
-                          </a:solidFill>
-                          <a:effectLst/>
-                          <a:latin typeface="+mn-lt"/>
-                          <a:ea typeface="+mn-ea"/>
-                          <a:cs typeface="+mn-cs"/>
-                        </a:rPr>
-                        <a:t>SP</a:t>
-                      </a:r>
-                      <a:r>
-                        <a:rPr lang="zh-CN" altLang="en-US" sz="1800" b="1" i="0" kern="1200">
-                          <a:solidFill>
-                            <a:schemeClr val="dk1"/>
-                          </a:solidFill>
-                          <a:effectLst/>
-                          <a:latin typeface="+mn-lt"/>
-                          <a:ea typeface="+mn-ea"/>
-                          <a:cs typeface="+mn-cs"/>
-                        </a:rPr>
-                        <a:t>（</a:t>
-                      </a:r>
-                      <a:r>
-                        <a:rPr lang="en-US" altLang="zh-CN" sz="1800" b="1" i="0" kern="1200">
-                          <a:solidFill>
-                            <a:schemeClr val="dk1"/>
-                          </a:solidFill>
-                          <a:effectLst/>
-                          <a:latin typeface="+mn-lt"/>
-                          <a:ea typeface="+mn-ea"/>
-                          <a:cs typeface="+mn-cs"/>
-                        </a:rPr>
-                        <a:t>Strict Priority</a:t>
-                      </a:r>
-                      <a:r>
-                        <a:rPr lang="zh-CN" altLang="en-US" sz="1800" b="1" i="0" kern="1200">
-                          <a:solidFill>
-                            <a:schemeClr val="dk1"/>
-                          </a:solidFill>
-                          <a:effectLst/>
-                          <a:latin typeface="+mn-lt"/>
-                          <a:ea typeface="+mn-ea"/>
-                          <a:cs typeface="+mn-cs"/>
-                        </a:rPr>
-                        <a:t>，严格优先级）</a:t>
-                      </a:r>
-                    </a:p>
-                  </a:txBody>
-                  <a:tcPr/>
-                </a:tc>
-                <a:extLst>
-                  <a:ext uri="{0D108BD9-81ED-4DB2-BD59-A6C34878D82A}">
-                    <a16:rowId xmlns:a16="http://schemas.microsoft.com/office/drawing/2014/main" val="477989307"/>
-                  </a:ext>
-                </a:extLst>
-              </a:tr>
-              <a:tr h="370840">
-                <a:tc>
-                  <a:txBody>
-                    <a:bodyPr/>
-                    <a:lstStyle/>
-                    <a:p>
-                      <a:pPr marL="0" marR="0" lvl="0" indent="0" algn="l" defTabSz="914400" rtl="0" eaLnBrk="1" fontAlgn="auto" latinLnBrk="0" hangingPunct="1">
-                        <a:lnSpc>
-                          <a:spcPct val="100000"/>
-                        </a:lnSpc>
-                        <a:spcBef>
-                          <a:spcPts val="0"/>
-                        </a:spcBef>
-                        <a:spcAft>
-                          <a:spcPts val="0"/>
-                        </a:spcAft>
-                        <a:buClrTx/>
-                        <a:buSzTx/>
-                        <a:buFontTx/>
-                        <a:buNone/>
-                        <a:tabLst/>
-                        <a:defRPr/>
-                      </a:pPr>
-                      <a:r>
-                        <a:rPr lang="zh-CN" altLang="en-US" sz="1800" b="1" i="0" kern="1200">
-                          <a:solidFill>
-                            <a:schemeClr val="dk1"/>
-                          </a:solidFill>
-                          <a:effectLst/>
-                          <a:latin typeface="+mn-lt"/>
-                          <a:ea typeface="+mn-ea"/>
-                          <a:cs typeface="+mn-cs"/>
-                        </a:rPr>
-                        <a:t>公平调度</a:t>
-                      </a:r>
-                    </a:p>
-                  </a:txBody>
-                  <a:tcPr/>
-                </a:tc>
-                <a:tc>
-                  <a:txBody>
-                    <a:bodyPr/>
-                    <a:lstStyle/>
-                    <a:p>
-                      <a:pPr marL="0" marR="0" lvl="0" indent="0" algn="l" defTabSz="914400" rtl="0" eaLnBrk="1" fontAlgn="auto" latinLnBrk="0" hangingPunct="1">
-                        <a:lnSpc>
-                          <a:spcPct val="100000"/>
-                        </a:lnSpc>
-                        <a:spcBef>
-                          <a:spcPts val="0"/>
-                        </a:spcBef>
-                        <a:spcAft>
-                          <a:spcPts val="0"/>
-                        </a:spcAft>
-                        <a:buClrTx/>
-                        <a:buSzTx/>
-                        <a:buFontTx/>
-                        <a:buNone/>
-                        <a:tabLst/>
-                        <a:defRPr/>
-                      </a:pPr>
-                      <a:r>
-                        <a:rPr lang="en-US" altLang="zh-CN" sz="1800" b="1" i="0" kern="1200">
-                          <a:solidFill>
-                            <a:schemeClr val="dk1"/>
-                          </a:solidFill>
-                          <a:effectLst/>
-                          <a:latin typeface="+mn-lt"/>
-                          <a:ea typeface="+mn-ea"/>
-                          <a:cs typeface="+mn-cs"/>
-                        </a:rPr>
-                        <a:t>RR(Round Robin,</a:t>
-                      </a:r>
-                      <a:r>
-                        <a:rPr lang="zh-CN" altLang="en-US" sz="1800" b="1" i="0" kern="1200">
-                          <a:solidFill>
-                            <a:schemeClr val="dk1"/>
-                          </a:solidFill>
-                          <a:effectLst/>
-                          <a:latin typeface="+mn-lt"/>
-                          <a:ea typeface="+mn-ea"/>
-                          <a:cs typeface="+mn-cs"/>
-                        </a:rPr>
-                        <a:t>轮询）</a:t>
-                      </a:r>
-                    </a:p>
-                  </a:txBody>
-                  <a:tcPr/>
-                </a:tc>
-                <a:extLst>
-                  <a:ext uri="{0D108BD9-81ED-4DB2-BD59-A6C34878D82A}">
-                    <a16:rowId xmlns:a16="http://schemas.microsoft.com/office/drawing/2014/main" val="582780010"/>
-                  </a:ext>
-                </a:extLst>
-              </a:tr>
-              <a:tr h="370840">
-                <a:tc>
-                  <a:txBody>
-                    <a:bodyPr/>
-                    <a:lstStyle/>
-                    <a:p>
-                      <a:endParaRPr lang="zh-CN" altLang="en-US"/>
-                    </a:p>
-                  </a:txBody>
-                  <a:tcPr/>
-                </a:tc>
-                <a:tc>
-                  <a:txBody>
-                    <a:bodyPr/>
-                    <a:lstStyle/>
-                    <a:p>
-                      <a:pPr marL="0" marR="0" lvl="0" indent="0" algn="l" defTabSz="914400" rtl="0" eaLnBrk="1" fontAlgn="auto" latinLnBrk="0" hangingPunct="1">
-                        <a:lnSpc>
-                          <a:spcPct val="100000"/>
-                        </a:lnSpc>
-                        <a:spcBef>
-                          <a:spcPts val="0"/>
-                        </a:spcBef>
-                        <a:spcAft>
-                          <a:spcPts val="0"/>
-                        </a:spcAft>
-                        <a:buClrTx/>
-                        <a:buSzTx/>
-                        <a:buFontTx/>
-                        <a:buNone/>
-                        <a:tabLst/>
-                        <a:defRPr/>
-                      </a:pPr>
-                      <a:r>
-                        <a:rPr lang="en-US" altLang="zh-CN" sz="1800" b="1" i="0" kern="1200">
-                          <a:solidFill>
-                            <a:schemeClr val="dk1"/>
-                          </a:solidFill>
-                          <a:effectLst/>
-                          <a:latin typeface="+mn-lt"/>
-                          <a:ea typeface="+mn-ea"/>
-                          <a:cs typeface="+mn-cs"/>
-                        </a:rPr>
-                        <a:t>WRR(Weighted Round Robin</a:t>
-                      </a:r>
-                      <a:r>
-                        <a:rPr lang="zh-CN" altLang="en-US" sz="1800" b="1" i="0" kern="1200">
-                          <a:solidFill>
-                            <a:schemeClr val="dk1"/>
-                          </a:solidFill>
-                          <a:effectLst/>
-                          <a:latin typeface="+mn-lt"/>
-                          <a:ea typeface="+mn-ea"/>
-                          <a:cs typeface="+mn-cs"/>
-                        </a:rPr>
-                        <a:t>，加权轮询）</a:t>
-                      </a:r>
-                    </a:p>
-                  </a:txBody>
-                  <a:tcPr/>
-                </a:tc>
-                <a:extLst>
-                  <a:ext uri="{0D108BD9-81ED-4DB2-BD59-A6C34878D82A}">
-                    <a16:rowId xmlns:a16="http://schemas.microsoft.com/office/drawing/2014/main" val="2454438943"/>
-                  </a:ext>
-                </a:extLst>
-              </a:tr>
-              <a:tr h="370840">
-                <a:tc>
-                  <a:txBody>
-                    <a:bodyPr/>
-                    <a:lstStyle/>
-                    <a:p>
-                      <a:endParaRPr lang="zh-CN" altLang="en-US"/>
-                    </a:p>
-                  </a:txBody>
-                  <a:tcPr/>
-                </a:tc>
-                <a:tc>
-                  <a:txBody>
-                    <a:bodyPr/>
-                    <a:lstStyle/>
-                    <a:p>
-                      <a:pPr marL="0" marR="0" lvl="0" indent="0" algn="l" defTabSz="914400" rtl="0" eaLnBrk="1" fontAlgn="auto" latinLnBrk="0" hangingPunct="1">
-                        <a:lnSpc>
-                          <a:spcPct val="100000"/>
-                        </a:lnSpc>
-                        <a:spcBef>
-                          <a:spcPts val="0"/>
-                        </a:spcBef>
-                        <a:spcAft>
-                          <a:spcPts val="0"/>
-                        </a:spcAft>
-                        <a:buClrTx/>
-                        <a:buSzTx/>
-                        <a:buFontTx/>
-                        <a:buNone/>
-                        <a:tabLst/>
-                        <a:defRPr/>
-                      </a:pPr>
-                      <a:r>
-                        <a:rPr lang="en-US" altLang="zh-CN" sz="1800" b="1" i="0" kern="1200">
-                          <a:solidFill>
-                            <a:schemeClr val="dk1"/>
-                          </a:solidFill>
-                          <a:effectLst/>
-                          <a:latin typeface="+mn-lt"/>
-                          <a:ea typeface="+mn-ea"/>
-                          <a:cs typeface="+mn-cs"/>
-                        </a:rPr>
-                        <a:t>DWRR</a:t>
-                      </a:r>
-                      <a:r>
-                        <a:rPr lang="zh-CN" altLang="en-US" sz="1800" b="1" i="0" kern="1200">
-                          <a:solidFill>
-                            <a:schemeClr val="dk1"/>
-                          </a:solidFill>
-                          <a:effectLst/>
-                          <a:latin typeface="+mn-lt"/>
-                          <a:ea typeface="+mn-ea"/>
-                          <a:cs typeface="+mn-cs"/>
-                        </a:rPr>
-                        <a:t>（</a:t>
-                      </a:r>
-                      <a:r>
-                        <a:rPr lang="en-US" altLang="zh-CN" sz="1800" b="1" i="0" kern="1200">
-                          <a:solidFill>
-                            <a:schemeClr val="dk1"/>
-                          </a:solidFill>
-                          <a:effectLst/>
-                          <a:latin typeface="+mn-lt"/>
-                          <a:ea typeface="+mn-ea"/>
-                          <a:cs typeface="+mn-cs"/>
-                        </a:rPr>
-                        <a:t>Deficit Weighted Round Robin)</a:t>
-                      </a:r>
-                    </a:p>
-                  </a:txBody>
-                  <a:tcPr/>
-                </a:tc>
-                <a:extLst>
-                  <a:ext uri="{0D108BD9-81ED-4DB2-BD59-A6C34878D82A}">
-                    <a16:rowId xmlns:a16="http://schemas.microsoft.com/office/drawing/2014/main" val="10825889"/>
-                  </a:ext>
-                </a:extLst>
-              </a:tr>
-              <a:tr h="370840">
-                <a:tc>
-                  <a:txBody>
-                    <a:bodyPr/>
-                    <a:lstStyle/>
-                    <a:p>
-                      <a:endParaRPr lang="zh-CN" altLang="en-US"/>
-                    </a:p>
-                  </a:txBody>
-                  <a:tcPr/>
-                </a:tc>
-                <a:tc>
-                  <a:txBody>
-                    <a:bodyPr/>
-                    <a:lstStyle/>
-                    <a:p>
-                      <a:pPr marL="0" marR="0" lvl="0" indent="0" algn="l" defTabSz="914400" rtl="0" eaLnBrk="1" fontAlgn="auto" latinLnBrk="0" hangingPunct="1">
-                        <a:lnSpc>
-                          <a:spcPct val="100000"/>
-                        </a:lnSpc>
-                        <a:spcBef>
-                          <a:spcPts val="0"/>
-                        </a:spcBef>
-                        <a:spcAft>
-                          <a:spcPts val="0"/>
-                        </a:spcAft>
-                        <a:buClrTx/>
-                        <a:buSzTx/>
-                        <a:buFontTx/>
-                        <a:buNone/>
-                        <a:tabLst/>
-                        <a:defRPr/>
-                      </a:pPr>
-                      <a:r>
-                        <a:rPr lang="en-US" altLang="zh-CN" sz="1800" b="1" i="0" kern="1200">
-                          <a:solidFill>
-                            <a:schemeClr val="dk1"/>
-                          </a:solidFill>
-                          <a:effectLst/>
-                          <a:latin typeface="+mn-lt"/>
-                          <a:ea typeface="+mn-ea"/>
-                          <a:cs typeface="+mn-cs"/>
-                        </a:rPr>
-                        <a:t>FQ</a:t>
-                      </a:r>
-                      <a:r>
-                        <a:rPr lang="zh-CN" altLang="en-US" sz="1800" b="1" i="0" kern="1200">
-                          <a:solidFill>
-                            <a:schemeClr val="dk1"/>
-                          </a:solidFill>
-                          <a:effectLst/>
-                          <a:latin typeface="+mn-lt"/>
-                          <a:ea typeface="+mn-ea"/>
-                          <a:cs typeface="+mn-cs"/>
-                        </a:rPr>
-                        <a:t>（</a:t>
-                      </a:r>
-                      <a:r>
-                        <a:rPr lang="en-US" altLang="zh-CN" sz="1800" b="1" i="0" kern="1200">
-                          <a:solidFill>
-                            <a:schemeClr val="dk1"/>
-                          </a:solidFill>
-                          <a:effectLst/>
-                          <a:latin typeface="+mn-lt"/>
-                          <a:ea typeface="+mn-ea"/>
-                          <a:cs typeface="+mn-cs"/>
-                        </a:rPr>
-                        <a:t>Fair Queueing</a:t>
-                      </a:r>
-                      <a:r>
-                        <a:rPr lang="zh-CN" altLang="en-US" sz="1800" b="1" i="0" kern="1200">
-                          <a:solidFill>
-                            <a:schemeClr val="dk1"/>
-                          </a:solidFill>
-                          <a:effectLst/>
-                          <a:latin typeface="+mn-lt"/>
-                          <a:ea typeface="+mn-ea"/>
-                          <a:cs typeface="+mn-cs"/>
-                        </a:rPr>
-                        <a:t>）</a:t>
-                      </a:r>
-                    </a:p>
-                  </a:txBody>
-                  <a:tcPr/>
-                </a:tc>
-                <a:extLst>
-                  <a:ext uri="{0D108BD9-81ED-4DB2-BD59-A6C34878D82A}">
-                    <a16:rowId xmlns:a16="http://schemas.microsoft.com/office/drawing/2014/main" val="3135721769"/>
-                  </a:ext>
-                </a:extLst>
-              </a:tr>
-              <a:tr h="370840">
-                <a:tc>
-                  <a:txBody>
-                    <a:bodyPr/>
-                    <a:lstStyle/>
-                    <a:p>
-                      <a:endParaRPr lang="zh-CN" altLang="en-US"/>
-                    </a:p>
-                  </a:txBody>
-                  <a:tcPr/>
-                </a:tc>
-                <a:tc>
-                  <a:txBody>
-                    <a:bodyPr/>
-                    <a:lstStyle/>
-                    <a:p>
-                      <a:pPr marL="0" marR="0" lvl="0" indent="0" algn="l" defTabSz="914400" rtl="0" eaLnBrk="1" fontAlgn="auto" latinLnBrk="0" hangingPunct="1">
-                        <a:lnSpc>
-                          <a:spcPct val="100000"/>
-                        </a:lnSpc>
-                        <a:spcBef>
-                          <a:spcPts val="0"/>
-                        </a:spcBef>
-                        <a:spcAft>
-                          <a:spcPts val="0"/>
-                        </a:spcAft>
-                        <a:buClrTx/>
-                        <a:buSzTx/>
-                        <a:buFontTx/>
-                        <a:buNone/>
-                        <a:tabLst/>
-                        <a:defRPr/>
-                      </a:pPr>
-                      <a:r>
-                        <a:rPr lang="en-US" altLang="zh-CN" sz="1800" b="1" i="0" kern="1200">
-                          <a:solidFill>
-                            <a:schemeClr val="dk1"/>
-                          </a:solidFill>
-                          <a:effectLst/>
-                          <a:latin typeface="+mn-lt"/>
-                          <a:ea typeface="+mn-ea"/>
-                          <a:cs typeface="+mn-cs"/>
-                        </a:rPr>
-                        <a:t>DWFQ</a:t>
-                      </a:r>
-                      <a:r>
-                        <a:rPr lang="zh-CN" altLang="en-US" sz="1800" b="1" i="0" kern="1200">
-                          <a:solidFill>
-                            <a:schemeClr val="dk1"/>
-                          </a:solidFill>
-                          <a:effectLst/>
-                          <a:latin typeface="+mn-lt"/>
-                          <a:ea typeface="+mn-ea"/>
-                          <a:cs typeface="+mn-cs"/>
-                        </a:rPr>
-                        <a:t>（</a:t>
-                      </a:r>
-                      <a:r>
-                        <a:rPr lang="en-US" altLang="zh-CN" sz="1800" b="1" i="0" kern="1200">
-                          <a:solidFill>
-                            <a:schemeClr val="dk1"/>
-                          </a:solidFill>
-                          <a:effectLst/>
-                          <a:latin typeface="+mn-lt"/>
-                          <a:ea typeface="+mn-ea"/>
-                          <a:cs typeface="+mn-cs"/>
-                        </a:rPr>
-                        <a:t>Dynamic Weighted Fair Queuing</a:t>
-                      </a:r>
-                      <a:r>
-                        <a:rPr lang="zh-CN" altLang="en-US" sz="1800" b="1" i="0" kern="1200">
-                          <a:solidFill>
-                            <a:schemeClr val="dk1"/>
-                          </a:solidFill>
-                          <a:effectLst/>
-                          <a:latin typeface="+mn-lt"/>
-                          <a:ea typeface="+mn-ea"/>
-                          <a:cs typeface="+mn-cs"/>
-                        </a:rPr>
-                        <a:t>）</a:t>
-                      </a:r>
-                    </a:p>
-                  </a:txBody>
-                  <a:tcPr/>
-                </a:tc>
-                <a:extLst>
-                  <a:ext uri="{0D108BD9-81ED-4DB2-BD59-A6C34878D82A}">
-                    <a16:rowId xmlns:a16="http://schemas.microsoft.com/office/drawing/2014/main" val="663114907"/>
-                  </a:ext>
-                </a:extLst>
-              </a:tr>
-              <a:tr h="370840">
-                <a:tc>
-                  <a:txBody>
-                    <a:bodyPr/>
-                    <a:lstStyle/>
-                    <a:p>
-                      <a:endParaRPr lang="zh-CN" altLang="en-US"/>
-                    </a:p>
-                  </a:txBody>
-                  <a:tcPr/>
-                </a:tc>
-                <a:tc>
-                  <a:txBody>
-                    <a:bodyPr/>
-                    <a:lstStyle/>
-                    <a:p>
-                      <a:pPr marL="0" marR="0" lvl="0" indent="0" algn="l" defTabSz="914400" rtl="0" eaLnBrk="1" fontAlgn="auto" latinLnBrk="0" hangingPunct="1">
-                        <a:lnSpc>
-                          <a:spcPct val="100000"/>
-                        </a:lnSpc>
-                        <a:spcBef>
-                          <a:spcPts val="0"/>
-                        </a:spcBef>
-                        <a:spcAft>
-                          <a:spcPts val="0"/>
-                        </a:spcAft>
-                        <a:buClrTx/>
-                        <a:buSzTx/>
-                        <a:buFontTx/>
-                        <a:buNone/>
-                        <a:tabLst/>
-                        <a:defRPr/>
-                      </a:pPr>
-                      <a:r>
-                        <a:rPr lang="en-US" altLang="zh-CN" sz="1800" b="1" i="0" kern="1200">
-                          <a:solidFill>
-                            <a:schemeClr val="dk1"/>
-                          </a:solidFill>
-                          <a:effectLst/>
-                          <a:latin typeface="+mn-lt"/>
-                          <a:ea typeface="+mn-ea"/>
-                          <a:cs typeface="+mn-cs"/>
-                        </a:rPr>
-                        <a:t>CBWFQ(class-based weighted fair queuing)</a:t>
-                      </a:r>
-                    </a:p>
-                  </a:txBody>
-                  <a:tcPr/>
-                </a:tc>
-                <a:extLst>
-                  <a:ext uri="{0D108BD9-81ED-4DB2-BD59-A6C34878D82A}">
-                    <a16:rowId xmlns:a16="http://schemas.microsoft.com/office/drawing/2014/main" val="2420980857"/>
-                  </a:ext>
-                </a:extLst>
-              </a:tr>
-              <a:tr h="370840">
-                <a:tc>
-                  <a:txBody>
-                    <a:bodyPr/>
-                    <a:lstStyle/>
-                    <a:p>
-                      <a:pPr marL="0" marR="0" lvl="0" indent="0" algn="l" defTabSz="914400" rtl="0" eaLnBrk="1" fontAlgn="auto" latinLnBrk="0" hangingPunct="1">
-                        <a:lnSpc>
-                          <a:spcPct val="100000"/>
-                        </a:lnSpc>
-                        <a:spcBef>
-                          <a:spcPts val="0"/>
-                        </a:spcBef>
-                        <a:spcAft>
-                          <a:spcPts val="0"/>
-                        </a:spcAft>
-                        <a:buClrTx/>
-                        <a:buSzTx/>
-                        <a:buFontTx/>
-                        <a:buNone/>
-                        <a:tabLst/>
-                        <a:defRPr/>
-                      </a:pPr>
-                      <a:r>
-                        <a:rPr lang="zh-CN" altLang="en-US" sz="1800" b="1" i="0" kern="1200">
-                          <a:solidFill>
-                            <a:schemeClr val="dk1"/>
-                          </a:solidFill>
-                          <a:effectLst/>
-                          <a:latin typeface="+mn-lt"/>
-                          <a:ea typeface="+mn-ea"/>
-                          <a:cs typeface="+mn-cs"/>
-                        </a:rPr>
-                        <a:t>混合调度</a:t>
-                      </a:r>
-                    </a:p>
-                  </a:txBody>
-                  <a:tcPr/>
-                </a:tc>
-                <a:tc>
-                  <a:txBody>
-                    <a:bodyPr/>
-                    <a:lstStyle/>
-                    <a:p>
-                      <a:pPr marL="0" marR="0" lvl="0" indent="0" algn="l" defTabSz="914400" rtl="0" eaLnBrk="1" fontAlgn="auto" latinLnBrk="0" hangingPunct="1">
-                        <a:lnSpc>
-                          <a:spcPct val="100000"/>
-                        </a:lnSpc>
-                        <a:spcBef>
-                          <a:spcPts val="0"/>
-                        </a:spcBef>
-                        <a:spcAft>
-                          <a:spcPts val="0"/>
-                        </a:spcAft>
-                        <a:buClrTx/>
-                        <a:buSzTx/>
-                        <a:buFontTx/>
-                        <a:buNone/>
-                        <a:tabLst/>
-                        <a:defRPr/>
-                      </a:pPr>
-                      <a:r>
-                        <a:rPr lang="en-US" altLang="zh-CN" sz="1800" b="1" i="0" kern="1200">
-                          <a:solidFill>
-                            <a:schemeClr val="dk1"/>
-                          </a:solidFill>
-                          <a:effectLst/>
-                          <a:latin typeface="+mn-lt"/>
-                          <a:ea typeface="+mn-ea"/>
-                          <a:cs typeface="+mn-cs"/>
-                        </a:rPr>
-                        <a:t>CQ</a:t>
-                      </a:r>
-                    </a:p>
-                  </a:txBody>
-                  <a:tcPr/>
-                </a:tc>
-                <a:extLst>
-                  <a:ext uri="{0D108BD9-81ED-4DB2-BD59-A6C34878D82A}">
-                    <a16:rowId xmlns:a16="http://schemas.microsoft.com/office/drawing/2014/main" val="610562732"/>
-                  </a:ext>
-                </a:extLst>
-              </a:tr>
-              <a:tr h="370840">
-                <a:tc>
-                  <a:txBody>
-                    <a:bodyPr/>
-                    <a:lstStyle/>
-                    <a:p>
-                      <a:pPr marL="0" marR="0" lvl="0" indent="0" algn="l" defTabSz="914400" rtl="0" eaLnBrk="1" fontAlgn="auto" latinLnBrk="0" hangingPunct="1">
-                        <a:lnSpc>
-                          <a:spcPct val="100000"/>
-                        </a:lnSpc>
-                        <a:spcBef>
-                          <a:spcPts val="0"/>
-                        </a:spcBef>
-                        <a:spcAft>
-                          <a:spcPts val="0"/>
-                        </a:spcAft>
-                        <a:buClrTx/>
-                        <a:buSzTx/>
-                        <a:buFontTx/>
-                        <a:buNone/>
-                        <a:tabLst/>
-                        <a:defRPr/>
-                      </a:pPr>
-                      <a:endParaRPr lang="zh-CN" altLang="en-US" sz="1800" b="1" i="0" kern="1200">
-                        <a:solidFill>
-                          <a:schemeClr val="dk1"/>
-                        </a:solidFill>
-                        <a:effectLst/>
-                        <a:latin typeface="+mn-lt"/>
-                        <a:ea typeface="+mn-ea"/>
-                        <a:cs typeface="+mn-cs"/>
-                      </a:endParaRPr>
-                    </a:p>
-                  </a:txBody>
-                  <a:tcPr/>
-                </a:tc>
-                <a:tc>
-                  <a:txBody>
-                    <a:bodyPr/>
-                    <a:lstStyle/>
-                    <a:p>
-                      <a:pPr marL="0" marR="0" lvl="0" indent="0" algn="l" defTabSz="914400" rtl="0" eaLnBrk="1" fontAlgn="auto" latinLnBrk="0" hangingPunct="1">
-                        <a:lnSpc>
-                          <a:spcPct val="100000"/>
-                        </a:lnSpc>
-                        <a:spcBef>
-                          <a:spcPts val="0"/>
-                        </a:spcBef>
-                        <a:spcAft>
-                          <a:spcPts val="0"/>
-                        </a:spcAft>
-                        <a:buClrTx/>
-                        <a:buSzTx/>
-                        <a:buFontTx/>
-                        <a:buNone/>
-                        <a:tabLst/>
-                        <a:defRPr/>
-                      </a:pPr>
-                      <a:r>
-                        <a:rPr lang="en-US" altLang="zh-CN" sz="1800" b="1" i="0" kern="1200">
-                          <a:solidFill>
-                            <a:schemeClr val="dk1"/>
-                          </a:solidFill>
-                          <a:effectLst/>
-                          <a:latin typeface="+mn-lt"/>
-                          <a:ea typeface="+mn-ea"/>
-                          <a:cs typeface="+mn-cs"/>
-                        </a:rPr>
-                        <a:t>LLQ</a:t>
-                      </a:r>
-                    </a:p>
-                  </a:txBody>
-                  <a:tcPr/>
-                </a:tc>
-                <a:extLst>
-                  <a:ext uri="{0D108BD9-81ED-4DB2-BD59-A6C34878D82A}">
-                    <a16:rowId xmlns:a16="http://schemas.microsoft.com/office/drawing/2014/main" val="3141412827"/>
-                  </a:ext>
-                </a:extLst>
-              </a:tr>
-            </a:tbl>
-          </a:graphicData>
-        </a:graphic>
-      </p:graphicFrame>
-      <p:sp>
-        <p:nvSpPr>
-          <p:cNvPr id="3" name="文本框 2">
-            <a:extLst>
-              <a:ext uri="{FF2B5EF4-FFF2-40B4-BE49-F238E27FC236}">
-                <a16:creationId xmlns:a16="http://schemas.microsoft.com/office/drawing/2014/main" id="{B7EC55C5-3B48-A1FB-0A07-D6E7CFA1BE32}"/>
-              </a:ext>
-            </a:extLst>
-          </p:cNvPr>
-          <p:cNvSpPr txBox="1"/>
-          <p:nvPr/>
-        </p:nvSpPr>
-        <p:spPr>
-          <a:xfrm>
-            <a:off x="787400" y="5873750"/>
-            <a:ext cx="6508750" cy="646331"/>
-          </a:xfrm>
-          <a:prstGeom prst="rect">
-            <a:avLst/>
-          </a:prstGeom>
-          <a:noFill/>
-        </p:spPr>
-        <p:txBody>
-          <a:bodyPr wrap="square" rtlCol="0">
-            <a:spAutoFit/>
-          </a:bodyPr>
-          <a:lstStyle/>
-          <a:p>
-            <a:r>
-              <a:rPr lang="zh-CN" altLang="en-US"/>
-              <a:t>这里面的公平调度和背景定义的公平性含义不同</a:t>
-            </a:r>
-            <a:endParaRPr lang="en-US" altLang="zh-CN"/>
-          </a:p>
-          <a:p>
-            <a:r>
-              <a:rPr lang="zh-CN" altLang="en-US"/>
-              <a:t>背景公平性特指服从优先级调度的程度</a:t>
-            </a:r>
-          </a:p>
-        </p:txBody>
-      </p:sp>
-    </p:spTree>
-    <p:extLst>
-      <p:ext uri="{BB962C8B-B14F-4D97-AF65-F5344CB8AC3E}">
-        <p14:creationId xmlns:p14="http://schemas.microsoft.com/office/powerpoint/2010/main" val="3182920582"/>
       </p:ext>
     </p:extLst>
   </p:cSld>

--- a/PPT/算法整理.pptx
+++ b/PPT/算法整理.pptx
@@ -23,8 +23,10 @@
     <p:sldId id="423" r:id="rId17"/>
     <p:sldId id="439" r:id="rId18"/>
     <p:sldId id="431" r:id="rId19"/>
-    <p:sldId id="432" r:id="rId20"/>
-    <p:sldId id="433" r:id="rId21"/>
+    <p:sldId id="442" r:id="rId20"/>
+    <p:sldId id="443" r:id="rId21"/>
+    <p:sldId id="432" r:id="rId22"/>
+    <p:sldId id="433" r:id="rId23"/>
   </p:sldIdLst>
   <p:sldSz cx="12192000" cy="6858000"/>
   <p:notesSz cx="6858000" cy="9144000"/>
@@ -278,7 +280,7 @@
           <a:p>
             <a:fld id="{9D115511-43CC-4D43-9B6A-DBDB391D7FC7}" type="datetimeFigureOut">
               <a:rPr lang="zh-CN" altLang="en-US" smtClean="0"/>
-              <a:t>2024/1/22</a:t>
+              <a:t>2024/1/23</a:t>
             </a:fld>
             <a:endParaRPr lang="zh-CN" altLang="en-US"/>
           </a:p>
@@ -476,7 +478,7 @@
           <a:p>
             <a:fld id="{9D115511-43CC-4D43-9B6A-DBDB391D7FC7}" type="datetimeFigureOut">
               <a:rPr lang="zh-CN" altLang="en-US" smtClean="0"/>
-              <a:t>2024/1/22</a:t>
+              <a:t>2024/1/23</a:t>
             </a:fld>
             <a:endParaRPr lang="zh-CN" altLang="en-US"/>
           </a:p>
@@ -684,7 +686,7 @@
           <a:p>
             <a:fld id="{9D115511-43CC-4D43-9B6A-DBDB391D7FC7}" type="datetimeFigureOut">
               <a:rPr lang="zh-CN" altLang="en-US" smtClean="0"/>
-              <a:t>2024/1/22</a:t>
+              <a:t>2024/1/23</a:t>
             </a:fld>
             <a:endParaRPr lang="zh-CN" altLang="en-US"/>
           </a:p>
@@ -882,7 +884,7 @@
           <a:p>
             <a:fld id="{9D115511-43CC-4D43-9B6A-DBDB391D7FC7}" type="datetimeFigureOut">
               <a:rPr lang="zh-CN" altLang="en-US" smtClean="0"/>
-              <a:t>2024/1/22</a:t>
+              <a:t>2024/1/23</a:t>
             </a:fld>
             <a:endParaRPr lang="zh-CN" altLang="en-US"/>
           </a:p>
@@ -1157,7 +1159,7 @@
           <a:p>
             <a:fld id="{9D115511-43CC-4D43-9B6A-DBDB391D7FC7}" type="datetimeFigureOut">
               <a:rPr lang="zh-CN" altLang="en-US" smtClean="0"/>
-              <a:t>2024/1/22</a:t>
+              <a:t>2024/1/23</a:t>
             </a:fld>
             <a:endParaRPr lang="zh-CN" altLang="en-US"/>
           </a:p>
@@ -1422,7 +1424,7 @@
           <a:p>
             <a:fld id="{9D115511-43CC-4D43-9B6A-DBDB391D7FC7}" type="datetimeFigureOut">
               <a:rPr lang="zh-CN" altLang="en-US" smtClean="0"/>
-              <a:t>2024/1/22</a:t>
+              <a:t>2024/1/23</a:t>
             </a:fld>
             <a:endParaRPr lang="zh-CN" altLang="en-US"/>
           </a:p>
@@ -1834,7 +1836,7 @@
           <a:p>
             <a:fld id="{9D115511-43CC-4D43-9B6A-DBDB391D7FC7}" type="datetimeFigureOut">
               <a:rPr lang="zh-CN" altLang="en-US" smtClean="0"/>
-              <a:t>2024/1/22</a:t>
+              <a:t>2024/1/23</a:t>
             </a:fld>
             <a:endParaRPr lang="zh-CN" altLang="en-US"/>
           </a:p>
@@ -1975,7 +1977,7 @@
           <a:p>
             <a:fld id="{9D115511-43CC-4D43-9B6A-DBDB391D7FC7}" type="datetimeFigureOut">
               <a:rPr lang="zh-CN" altLang="en-US" smtClean="0"/>
-              <a:t>2024/1/22</a:t>
+              <a:t>2024/1/23</a:t>
             </a:fld>
             <a:endParaRPr lang="zh-CN" altLang="en-US"/>
           </a:p>
@@ -2088,7 +2090,7 @@
           <a:p>
             <a:fld id="{9D115511-43CC-4D43-9B6A-DBDB391D7FC7}" type="datetimeFigureOut">
               <a:rPr lang="zh-CN" altLang="en-US" smtClean="0"/>
-              <a:t>2024/1/22</a:t>
+              <a:t>2024/1/23</a:t>
             </a:fld>
             <a:endParaRPr lang="zh-CN" altLang="en-US"/>
           </a:p>
@@ -2399,7 +2401,7 @@
           <a:p>
             <a:fld id="{9D115511-43CC-4D43-9B6A-DBDB391D7FC7}" type="datetimeFigureOut">
               <a:rPr lang="zh-CN" altLang="en-US" smtClean="0"/>
-              <a:t>2024/1/22</a:t>
+              <a:t>2024/1/23</a:t>
             </a:fld>
             <a:endParaRPr lang="zh-CN" altLang="en-US"/>
           </a:p>
@@ -2687,7 +2689,7 @@
           <a:p>
             <a:fld id="{9D115511-43CC-4D43-9B6A-DBDB391D7FC7}" type="datetimeFigureOut">
               <a:rPr lang="zh-CN" altLang="en-US" smtClean="0"/>
-              <a:t>2024/1/22</a:t>
+              <a:t>2024/1/23</a:t>
             </a:fld>
             <a:endParaRPr lang="zh-CN" altLang="en-US"/>
           </a:p>
@@ -2928,7 +2930,7 @@
           <a:p>
             <a:fld id="{9D115511-43CC-4D43-9B6A-DBDB391D7FC7}" type="datetimeFigureOut">
               <a:rPr lang="zh-CN" altLang="en-US" smtClean="0"/>
-              <a:t>2024/1/22</a:t>
+              <a:t>2024/1/23</a:t>
             </a:fld>
             <a:endParaRPr lang="zh-CN" altLang="en-US"/>
           </a:p>
@@ -35655,12 +35657,72 @@
           <a:chExt cx="0" cy="0"/>
         </a:xfrm>
       </p:grpSpPr>
-      <p:sp>
-        <p:nvSpPr>
-          <p:cNvPr id="4" name="文本框 3">
-            <a:extLst>
-              <a:ext uri="{FF2B5EF4-FFF2-40B4-BE49-F238E27FC236}">
-                <a16:creationId xmlns:a16="http://schemas.microsoft.com/office/drawing/2014/main" id="{7EC09089-665D-D07D-C9FE-5CEFF54C1EC7}"/>
+      <p:pic>
+        <p:nvPicPr>
+          <p:cNvPr id="5" name="图片 4">
+            <a:extLst>
+              <a:ext uri="{FF2B5EF4-FFF2-40B4-BE49-F238E27FC236}">
+                <a16:creationId xmlns:a16="http://schemas.microsoft.com/office/drawing/2014/main" id="{452B36FC-8354-6925-9219-D906CE2305E1}"/>
+              </a:ext>
+            </a:extLst>
+          </p:cNvPr>
+          <p:cNvPicPr>
+            <a:picLocks noChangeAspect="1"/>
+          </p:cNvPicPr>
+          <p:nvPr/>
+        </p:nvPicPr>
+        <p:blipFill>
+          <a:blip r:embed="rId2"/>
+          <a:stretch>
+            <a:fillRect/>
+          </a:stretch>
+        </p:blipFill>
+        <p:spPr>
+          <a:xfrm>
+            <a:off x="723420" y="2024704"/>
+            <a:ext cx="2257143" cy="323810"/>
+          </a:xfrm>
+          <a:prstGeom prst="rect">
+            <a:avLst/>
+          </a:prstGeom>
+        </p:spPr>
+      </p:pic>
+      <p:pic>
+        <p:nvPicPr>
+          <p:cNvPr id="7" name="图片 6">
+            <a:extLst>
+              <a:ext uri="{FF2B5EF4-FFF2-40B4-BE49-F238E27FC236}">
+                <a16:creationId xmlns:a16="http://schemas.microsoft.com/office/drawing/2014/main" id="{43EDF8AF-E0A7-3B63-3E25-8C02AC8ED286}"/>
+              </a:ext>
+            </a:extLst>
+          </p:cNvPr>
+          <p:cNvPicPr>
+            <a:picLocks noChangeAspect="1"/>
+          </p:cNvPicPr>
+          <p:nvPr/>
+        </p:nvPicPr>
+        <p:blipFill>
+          <a:blip r:embed="rId3"/>
+          <a:stretch>
+            <a:fillRect/>
+          </a:stretch>
+        </p:blipFill>
+        <p:spPr>
+          <a:xfrm>
+            <a:off x="1028239" y="2667790"/>
+            <a:ext cx="2561905" cy="2695238"/>
+          </a:xfrm>
+          <a:prstGeom prst="rect">
+            <a:avLst/>
+          </a:prstGeom>
+        </p:spPr>
+      </p:pic>
+      <p:sp>
+        <p:nvSpPr>
+          <p:cNvPr id="8" name="文本框 7">
+            <a:extLst>
+              <a:ext uri="{FF2B5EF4-FFF2-40B4-BE49-F238E27FC236}">
+                <a16:creationId xmlns:a16="http://schemas.microsoft.com/office/drawing/2014/main" id="{1427856E-BB8B-E44D-2479-DEB3A2BEA1CC}"/>
               </a:ext>
             </a:extLst>
           </p:cNvPr>
@@ -35669,8 +35731,8 @@
         </p:nvSpPr>
         <p:spPr>
           <a:xfrm>
-            <a:off x="457200" y="330200"/>
-            <a:ext cx="4051300" cy="369332"/>
+            <a:off x="474362" y="393388"/>
+            <a:ext cx="2755257" cy="369332"/>
           </a:xfrm>
           <a:prstGeom prst="rect">
             <a:avLst/>
@@ -35685,15 +35747,174 @@
           <a:p>
             <a:r>
               <a:rPr lang="zh-CN" altLang="en-US"/>
-              <a:t>测试：</a:t>
+              <a:t>最初的经验池设计：</a:t>
             </a:r>
           </a:p>
         </p:txBody>
       </p:sp>
+      <p:pic>
+        <p:nvPicPr>
+          <p:cNvPr id="10" name="图片 9">
+            <a:extLst>
+              <a:ext uri="{FF2B5EF4-FFF2-40B4-BE49-F238E27FC236}">
+                <a16:creationId xmlns:a16="http://schemas.microsoft.com/office/drawing/2014/main" id="{754FA12D-9DE7-D45B-1965-D77872E8350F}"/>
+              </a:ext>
+            </a:extLst>
+          </p:cNvPr>
+          <p:cNvPicPr>
+            <a:picLocks noChangeAspect="1"/>
+          </p:cNvPicPr>
+          <p:nvPr/>
+        </p:nvPicPr>
+        <p:blipFill>
+          <a:blip r:embed="rId4"/>
+          <a:stretch>
+            <a:fillRect/>
+          </a:stretch>
+        </p:blipFill>
+        <p:spPr>
+          <a:xfrm>
+            <a:off x="3229619" y="978632"/>
+            <a:ext cx="1485714" cy="666667"/>
+          </a:xfrm>
+          <a:prstGeom prst="rect">
+            <a:avLst/>
+          </a:prstGeom>
+        </p:spPr>
+      </p:pic>
+      <p:cxnSp>
+        <p:nvCxnSpPr>
+          <p:cNvPr id="12" name="直接箭头连接符 11">
+            <a:extLst>
+              <a:ext uri="{FF2B5EF4-FFF2-40B4-BE49-F238E27FC236}">
+                <a16:creationId xmlns:a16="http://schemas.microsoft.com/office/drawing/2014/main" id="{394417D1-7536-98D2-68BE-459DF42B2B65}"/>
+              </a:ext>
+            </a:extLst>
+          </p:cNvPr>
+          <p:cNvCxnSpPr/>
+          <p:nvPr/>
+        </p:nvCxnSpPr>
+        <p:spPr>
+          <a:xfrm>
+            <a:off x="4104861" y="3578087"/>
+            <a:ext cx="1991139" cy="0"/>
+          </a:xfrm>
+          <a:prstGeom prst="straightConnector1">
+            <a:avLst/>
+          </a:prstGeom>
+          <a:ln>
+            <a:tailEnd type="triangle"/>
+          </a:ln>
+        </p:spPr>
+        <p:style>
+          <a:lnRef idx="1">
+            <a:schemeClr val="accent1"/>
+          </a:lnRef>
+          <a:fillRef idx="0">
+            <a:schemeClr val="accent1"/>
+          </a:fillRef>
+          <a:effectRef idx="0">
+            <a:schemeClr val="accent1"/>
+          </a:effectRef>
+          <a:fontRef idx="minor">
+            <a:schemeClr val="tx1"/>
+          </a:fontRef>
+        </p:style>
+      </p:cxnSp>
+      <p:pic>
+        <p:nvPicPr>
+          <p:cNvPr id="13" name="图片 12">
+            <a:extLst>
+              <a:ext uri="{FF2B5EF4-FFF2-40B4-BE49-F238E27FC236}">
+                <a16:creationId xmlns:a16="http://schemas.microsoft.com/office/drawing/2014/main" id="{C2395CF2-62E5-5906-9076-469BA7DE44F0}"/>
+              </a:ext>
+            </a:extLst>
+          </p:cNvPr>
+          <p:cNvPicPr>
+            <a:picLocks noChangeAspect="1"/>
+          </p:cNvPicPr>
+          <p:nvPr/>
+        </p:nvPicPr>
+        <p:blipFill>
+          <a:blip r:embed="rId2"/>
+          <a:stretch>
+            <a:fillRect/>
+          </a:stretch>
+        </p:blipFill>
+        <p:spPr>
+          <a:xfrm>
+            <a:off x="6630577" y="2024704"/>
+            <a:ext cx="2257143" cy="323810"/>
+          </a:xfrm>
+          <a:prstGeom prst="rect">
+            <a:avLst/>
+          </a:prstGeom>
+        </p:spPr>
+      </p:pic>
+      <p:pic>
+        <p:nvPicPr>
+          <p:cNvPr id="15" name="图片 14">
+            <a:extLst>
+              <a:ext uri="{FF2B5EF4-FFF2-40B4-BE49-F238E27FC236}">
+                <a16:creationId xmlns:a16="http://schemas.microsoft.com/office/drawing/2014/main" id="{81AACE79-B166-F884-A71B-16F272BE4E0B}"/>
+              </a:ext>
+            </a:extLst>
+          </p:cNvPr>
+          <p:cNvPicPr>
+            <a:picLocks noChangeAspect="1"/>
+          </p:cNvPicPr>
+          <p:nvPr/>
+        </p:nvPicPr>
+        <p:blipFill>
+          <a:blip r:embed="rId5"/>
+          <a:stretch>
+            <a:fillRect/>
+          </a:stretch>
+        </p:blipFill>
+        <p:spPr>
+          <a:xfrm>
+            <a:off x="7133937" y="2388441"/>
+            <a:ext cx="2019048" cy="1209524"/>
+          </a:xfrm>
+          <a:prstGeom prst="rect">
+            <a:avLst/>
+          </a:prstGeom>
+        </p:spPr>
+      </p:pic>
+      <p:pic>
+        <p:nvPicPr>
+          <p:cNvPr id="17" name="图片 16">
+            <a:extLst>
+              <a:ext uri="{FF2B5EF4-FFF2-40B4-BE49-F238E27FC236}">
+                <a16:creationId xmlns:a16="http://schemas.microsoft.com/office/drawing/2014/main" id="{65EC850A-25ED-E507-2F08-E3C046EA10C3}"/>
+              </a:ext>
+            </a:extLst>
+          </p:cNvPr>
+          <p:cNvPicPr>
+            <a:picLocks noChangeAspect="1"/>
+          </p:cNvPicPr>
+          <p:nvPr/>
+        </p:nvPicPr>
+        <p:blipFill>
+          <a:blip r:embed="rId6"/>
+          <a:stretch>
+            <a:fillRect/>
+          </a:stretch>
+        </p:blipFill>
+        <p:spPr>
+          <a:xfrm>
+            <a:off x="7589698" y="3637892"/>
+            <a:ext cx="2180952" cy="1266667"/>
+          </a:xfrm>
+          <a:prstGeom prst="rect">
+            <a:avLst/>
+          </a:prstGeom>
+        </p:spPr>
+      </p:pic>
     </p:spTree>
     <p:extLst>
       <p:ext uri="{BB962C8B-B14F-4D97-AF65-F5344CB8AC3E}">
-        <p14:creationId xmlns:p14="http://schemas.microsoft.com/office/powerpoint/2010/main" val="2777311940"/>
+        <p14:creationId xmlns:p14="http://schemas.microsoft.com/office/powerpoint/2010/main" val="1378232"/>
       </p:ext>
     </p:extLst>
   </p:cSld>
@@ -35950,6 +36171,571 @@
 </file>
 
 <file path=ppt/slides/slide20.xml><?xml version="1.0" encoding="utf-8"?>
+<p:sld xmlns:a="http://schemas.openxmlformats.org/drawingml/2006/main" xmlns:r="http://schemas.openxmlformats.org/officeDocument/2006/relationships" xmlns:p="http://schemas.openxmlformats.org/presentationml/2006/main">
+  <p:cSld>
+    <p:spTree>
+      <p:nvGrpSpPr>
+        <p:cNvPr id="1" name=""/>
+        <p:cNvGrpSpPr/>
+        <p:nvPr/>
+      </p:nvGrpSpPr>
+      <p:grpSpPr>
+        <a:xfrm>
+          <a:off x="0" y="0"/>
+          <a:ext cx="0" cy="0"/>
+          <a:chOff x="0" y="0"/>
+          <a:chExt cx="0" cy="0"/>
+        </a:xfrm>
+      </p:grpSpPr>
+      <mc:AlternateContent xmlns:mc="http://schemas.openxmlformats.org/markup-compatibility/2006">
+        <mc:Choice xmlns:a14="http://schemas.microsoft.com/office/drawing/2010/main" Requires="a14">
+          <p:sp>
+            <p:nvSpPr>
+              <p:cNvPr id="4" name="文本框 3">
+                <a:extLst>
+                  <a:ext uri="{FF2B5EF4-FFF2-40B4-BE49-F238E27FC236}">
+                    <a16:creationId xmlns:a16="http://schemas.microsoft.com/office/drawing/2014/main" id="{89D3C50D-500B-55B8-4484-4219C5C31C59}"/>
+                  </a:ext>
+                </a:extLst>
+              </p:cNvPr>
+              <p:cNvSpPr txBox="1"/>
+              <p:nvPr/>
+            </p:nvSpPr>
+            <p:spPr>
+              <a:xfrm>
+                <a:off x="745435" y="745435"/>
+                <a:ext cx="9243391" cy="1477328"/>
+              </a:xfrm>
+              <a:prstGeom prst="rect">
+                <a:avLst/>
+              </a:prstGeom>
+              <a:noFill/>
+            </p:spPr>
+            <p:txBody>
+              <a:bodyPr wrap="square" rtlCol="0">
+                <a:spAutoFit/>
+              </a:bodyPr>
+              <a:lstStyle/>
+              <a:p>
+                <a:r>
+                  <a:rPr lang="zh-CN" altLang="en-US"/>
+                  <a:t>公平性离散化调整：</a:t>
+                </a:r>
+                <a:endParaRPr lang="en-US" altLang="zh-CN"/>
+              </a:p>
+              <a:p>
+                <a:r>
+                  <a:rPr lang="zh-CN" altLang="en-US"/>
+                  <a:t>最初设计的公平性离散化为</a:t>
+                </a:r>
+                <a:r>
+                  <a:rPr lang="en-US" altLang="zh-CN"/>
+                  <a:t>0</a:t>
+                </a:r>
+                <a:r>
+                  <a:rPr lang="zh-CN" altLang="en-US"/>
+                  <a:t>到</a:t>
+                </a:r>
+                <a:r>
+                  <a:rPr lang="en-US" altLang="zh-CN"/>
+                  <a:t>1</a:t>
+                </a:r>
+                <a:r>
+                  <a:rPr lang="zh-CN" altLang="en-US"/>
+                  <a:t>区间的</a:t>
+                </a:r>
+                <a:r>
+                  <a:rPr lang="en-US" altLang="zh-CN"/>
+                  <a:t>21</a:t>
+                </a:r>
+                <a:r>
+                  <a:rPr lang="zh-CN" altLang="en-US"/>
+                  <a:t>个值，平均连续两个值间隔为</a:t>
+                </a:r>
+                <a:r>
+                  <a:rPr lang="en-US" altLang="zh-CN"/>
+                  <a:t>0.05</a:t>
+                </a:r>
+              </a:p>
+              <a:p>
+                <a14:m>
+                  <m:oMathPara xmlns:m="http://schemas.openxmlformats.org/officeDocument/2006/math">
+                    <m:oMathParaPr>
+                      <m:jc m:val="centerGroup"/>
+                    </m:oMathParaPr>
+                    <m:oMath xmlns:m="http://schemas.openxmlformats.org/officeDocument/2006/math">
+                      <m:r>
+                        <a:rPr lang="zh-CN" altLang="en-US" i="1" smtClean="0">
+                          <a:latin typeface="Cambria Math" panose="02040503050406030204" pitchFamily="18" charset="0"/>
+                        </a:rPr>
+                        <m:t>𝜇𝜖</m:t>
+                      </m:r>
+                      <m:d>
+                        <m:dPr>
+                          <m:begChr m:val="["/>
+                          <m:endChr m:val="]"/>
+                          <m:ctrlPr>
+                            <a:rPr lang="en-US" altLang="zh-CN" b="0" i="1" smtClean="0">
+                              <a:latin typeface="Cambria Math" panose="02040503050406030204" pitchFamily="18" charset="0"/>
+                            </a:rPr>
+                          </m:ctrlPr>
+                        </m:dPr>
+                        <m:e>
+                          <m:r>
+                            <a:rPr lang="en-US" altLang="zh-CN" b="0" i="1" smtClean="0">
+                              <a:latin typeface="Cambria Math" panose="02040503050406030204" pitchFamily="18" charset="0"/>
+                            </a:rPr>
+                            <m:t>0,1</m:t>
+                          </m:r>
+                        </m:e>
+                      </m:d>
+                      <m:r>
+                        <a:rPr lang="en-US" altLang="zh-CN" b="0" i="1" smtClean="0">
+                          <a:latin typeface="Cambria Math" panose="02040503050406030204" pitchFamily="18" charset="0"/>
+                        </a:rPr>
+                        <m:t>,0.05</m:t>
+                      </m:r>
+                    </m:oMath>
+                  </m:oMathPara>
+                </a14:m>
+                <a:endParaRPr lang="en-US" altLang="zh-CN"/>
+              </a:p>
+              <a:p>
+                <a:r>
+                  <a:rPr lang="zh-CN" altLang="en-US"/>
+                  <a:t>在模拟统计结果上来看，该离散化设计粒度较细，实际场景高优先级和低优先级队列在公平性取值上有很大的范围差距。且基于该离散化状态空间，计算</a:t>
+                </a:r>
+                <a:r>
+                  <a:rPr lang="en-US" altLang="zh-CN"/>
+                  <a:t>WITTLE</a:t>
+                </a:r>
+                <a:r>
+                  <a:rPr lang="zh-CN" altLang="en-US"/>
+                  <a:t>需要花费大量时间</a:t>
+                </a:r>
+              </a:p>
+            </p:txBody>
+          </p:sp>
+        </mc:Choice>
+        <mc:Fallback>
+          <p:sp>
+            <p:nvSpPr>
+              <p:cNvPr id="4" name="文本框 3">
+                <a:extLst>
+                  <a:ext uri="{FF2B5EF4-FFF2-40B4-BE49-F238E27FC236}">
+                    <a16:creationId xmlns:a16="http://schemas.microsoft.com/office/drawing/2014/main" id="{89D3C50D-500B-55B8-4484-4219C5C31C59}"/>
+                  </a:ext>
+                </a:extLst>
+              </p:cNvPr>
+              <p:cNvSpPr txBox="1">
+                <a:spLocks noRot="1" noChangeAspect="1" noMove="1" noResize="1" noEditPoints="1" noAdjustHandles="1" noChangeArrowheads="1" noChangeShapeType="1" noTextEdit="1"/>
+              </p:cNvSpPr>
+              <p:nvPr/>
+            </p:nvSpPr>
+            <p:spPr>
+              <a:xfrm>
+                <a:off x="745435" y="745435"/>
+                <a:ext cx="9243391" cy="1477328"/>
+              </a:xfrm>
+              <a:prstGeom prst="rect">
+                <a:avLst/>
+              </a:prstGeom>
+              <a:blipFill>
+                <a:blip r:embed="rId2"/>
+                <a:stretch>
+                  <a:fillRect l="-527" t="-2058" b="-5350"/>
+                </a:stretch>
+              </a:blipFill>
+            </p:spPr>
+            <p:txBody>
+              <a:bodyPr/>
+              <a:lstStyle/>
+              <a:p>
+                <a:r>
+                  <a:rPr lang="zh-CN" altLang="en-US">
+                    <a:noFill/>
+                  </a:rPr>
+                  <a:t> </a:t>
+                </a:r>
+              </a:p>
+            </p:txBody>
+          </p:sp>
+        </mc:Fallback>
+      </mc:AlternateContent>
+      <p:sp>
+        <p:nvSpPr>
+          <p:cNvPr id="5" name="文本框 4">
+            <a:extLst>
+              <a:ext uri="{FF2B5EF4-FFF2-40B4-BE49-F238E27FC236}">
+                <a16:creationId xmlns:a16="http://schemas.microsoft.com/office/drawing/2014/main" id="{F35D484B-E40C-1FBC-AE62-FAD54280E37A}"/>
+              </a:ext>
+            </a:extLst>
+          </p:cNvPr>
+          <p:cNvSpPr txBox="1"/>
+          <p:nvPr/>
+        </p:nvSpPr>
+        <p:spPr>
+          <a:xfrm>
+            <a:off x="765313" y="2365514"/>
+            <a:ext cx="6400800" cy="1477328"/>
+          </a:xfrm>
+          <a:prstGeom prst="rect">
+            <a:avLst/>
+          </a:prstGeom>
+          <a:noFill/>
+        </p:spPr>
+        <p:txBody>
+          <a:bodyPr wrap="square" rtlCol="0">
+            <a:spAutoFit/>
+          </a:bodyPr>
+          <a:lstStyle/>
+          <a:p>
+            <a:r>
+              <a:rPr lang="en-US" altLang="zh-CN"/>
+              <a:t>WITTLE</a:t>
+            </a:r>
+            <a:r>
+              <a:rPr lang="zh-CN" altLang="en-US"/>
+              <a:t>计算次数和状态空间</a:t>
+            </a:r>
+            <a:r>
+              <a:rPr lang="en-US" altLang="zh-CN"/>
+              <a:t>VS</a:t>
+            </a:r>
+            <a:r>
+              <a:rPr lang="zh-CN" altLang="en-US"/>
+              <a:t>大小关系</a:t>
+            </a:r>
+            <a:endParaRPr lang="en-US" altLang="zh-CN"/>
+          </a:p>
+          <a:p>
+            <a:r>
+              <a:rPr lang="zh-CN" altLang="en-US"/>
+              <a:t>根据收敛公式：</a:t>
+            </a:r>
+            <a:endParaRPr lang="en-US" altLang="zh-CN"/>
+          </a:p>
+          <a:p>
+            <a:r>
+              <a:rPr lang="zh-CN" altLang="en-US"/>
+              <a:t>计算次数</a:t>
+            </a:r>
+            <a:r>
+              <a:rPr lang="en-US" altLang="zh-CN"/>
+              <a:t>TIMES = VS*epoch(VS+VS*VS)</a:t>
+            </a:r>
+            <a:r>
+              <a:rPr lang="zh-CN" altLang="en-US"/>
+              <a:t>≈</a:t>
+            </a:r>
+            <a:r>
+              <a:rPr lang="en-US" altLang="zh-CN"/>
+              <a:t>epoch*VS^3</a:t>
+            </a:r>
+          </a:p>
+          <a:p>
+            <a:r>
+              <a:rPr lang="en-US" altLang="zh-CN"/>
+              <a:t>VS=400</a:t>
+            </a:r>
+            <a:r>
+              <a:rPr lang="zh-CN" altLang="en-US"/>
+              <a:t>时，</a:t>
+            </a:r>
+            <a:r>
+              <a:rPr lang="en-US" altLang="zh-CN"/>
+              <a:t>epoch</a:t>
+            </a:r>
+            <a:r>
+              <a:rPr lang="zh-CN" altLang="en-US"/>
+              <a:t>≈</a:t>
+            </a:r>
+            <a:r>
+              <a:rPr lang="en-US" altLang="zh-CN"/>
+              <a:t>150</a:t>
+            </a:r>
+          </a:p>
+          <a:p>
+            <a:r>
+              <a:rPr lang="en-US" altLang="zh-CN"/>
+              <a:t>TIMES = 400^3*150=9.6billion</a:t>
+            </a:r>
+          </a:p>
+        </p:txBody>
+      </p:sp>
+      <mc:AlternateContent xmlns:mc="http://schemas.openxmlformats.org/markup-compatibility/2006">
+        <mc:Choice xmlns:a14="http://schemas.microsoft.com/office/drawing/2010/main" Requires="a14">
+          <p:sp>
+            <p:nvSpPr>
+              <p:cNvPr id="7" name="文本框 6">
+                <a:extLst>
+                  <a:ext uri="{FF2B5EF4-FFF2-40B4-BE49-F238E27FC236}">
+                    <a16:creationId xmlns:a16="http://schemas.microsoft.com/office/drawing/2014/main" id="{D22D4306-A0D6-19DA-A72C-1CA7C809F68A}"/>
+                  </a:ext>
+                </a:extLst>
+              </p:cNvPr>
+              <p:cNvSpPr txBox="1"/>
+              <p:nvPr/>
+            </p:nvSpPr>
+            <p:spPr>
+              <a:xfrm>
+                <a:off x="2318302" y="4265906"/>
+                <a:ext cx="6097656" cy="369332"/>
+              </a:xfrm>
+              <a:prstGeom prst="rect">
+                <a:avLst/>
+              </a:prstGeom>
+              <a:noFill/>
+            </p:spPr>
+            <p:txBody>
+              <a:bodyPr wrap="square">
+                <a:spAutoFit/>
+              </a:bodyPr>
+              <a:lstStyle/>
+              <a:p>
+                <a:pPr/>
+                <a14:m>
+                  <m:oMathPara xmlns:m="http://schemas.openxmlformats.org/officeDocument/2006/math">
+                    <m:oMathParaPr>
+                      <m:jc m:val="centerGroup"/>
+                    </m:oMathParaPr>
+                    <m:oMath xmlns:m="http://schemas.openxmlformats.org/officeDocument/2006/math">
+                      <m:r>
+                        <a:rPr lang="zh-CN" altLang="en-US" i="1" smtClean="0">
+                          <a:latin typeface="Cambria Math" panose="02040503050406030204" pitchFamily="18" charset="0"/>
+                        </a:rPr>
+                        <m:t>𝜇𝜖</m:t>
+                      </m:r>
+                      <m:d>
+                        <m:dPr>
+                          <m:begChr m:val="["/>
+                          <m:endChr m:val="]"/>
+                          <m:ctrlPr>
+                            <a:rPr lang="en-US" altLang="zh-CN" b="0" i="1" smtClean="0">
+                              <a:latin typeface="Cambria Math" panose="02040503050406030204" pitchFamily="18" charset="0"/>
+                            </a:rPr>
+                          </m:ctrlPr>
+                        </m:dPr>
+                        <m:e>
+                          <m:r>
+                            <a:rPr lang="en-US" altLang="zh-CN" b="0" i="1" smtClean="0">
+                              <a:latin typeface="Cambria Math" panose="02040503050406030204" pitchFamily="18" charset="0"/>
+                            </a:rPr>
+                            <m:t>0,1</m:t>
+                          </m:r>
+                        </m:e>
+                      </m:d>
+                      <m:r>
+                        <a:rPr lang="en-US" altLang="zh-CN" b="0" i="1" smtClean="0">
+                          <a:latin typeface="Cambria Math" panose="02040503050406030204" pitchFamily="18" charset="0"/>
+                        </a:rPr>
+                        <m:t>,</m:t>
+                      </m:r>
+                      <m:r>
+                        <a:rPr lang="en-US" altLang="zh-CN" b="0" i="1" smtClean="0">
+                          <a:latin typeface="Cambria Math" panose="02040503050406030204" pitchFamily="18" charset="0"/>
+                        </a:rPr>
+                        <m:t>0.2</m:t>
+                      </m:r>
+                    </m:oMath>
+                  </m:oMathPara>
+                </a14:m>
+                <a:endParaRPr lang="en-US" altLang="zh-CN"/>
+              </a:p>
+            </p:txBody>
+          </p:sp>
+        </mc:Choice>
+        <mc:Fallback>
+          <p:sp>
+            <p:nvSpPr>
+              <p:cNvPr id="7" name="文本框 6">
+                <a:extLst>
+                  <a:ext uri="{FF2B5EF4-FFF2-40B4-BE49-F238E27FC236}">
+                    <a16:creationId xmlns:a16="http://schemas.microsoft.com/office/drawing/2014/main" id="{D22D4306-A0D6-19DA-A72C-1CA7C809F68A}"/>
+                  </a:ext>
+                </a:extLst>
+              </p:cNvPr>
+              <p:cNvSpPr txBox="1">
+                <a:spLocks noRot="1" noChangeAspect="1" noMove="1" noResize="1" noEditPoints="1" noAdjustHandles="1" noChangeArrowheads="1" noChangeShapeType="1" noTextEdit="1"/>
+              </p:cNvSpPr>
+              <p:nvPr/>
+            </p:nvSpPr>
+            <p:spPr>
+              <a:xfrm>
+                <a:off x="2318302" y="4265906"/>
+                <a:ext cx="6097656" cy="369332"/>
+              </a:xfrm>
+              <a:prstGeom prst="rect">
+                <a:avLst/>
+              </a:prstGeom>
+              <a:blipFill>
+                <a:blip r:embed="rId3"/>
+                <a:stretch>
+                  <a:fillRect b="-5000"/>
+                </a:stretch>
+              </a:blipFill>
+            </p:spPr>
+            <p:txBody>
+              <a:bodyPr/>
+              <a:lstStyle/>
+              <a:p>
+                <a:r>
+                  <a:rPr lang="zh-CN" altLang="en-US">
+                    <a:noFill/>
+                  </a:rPr>
+                  <a:t> </a:t>
+                </a:r>
+              </a:p>
+            </p:txBody>
+          </p:sp>
+        </mc:Fallback>
+      </mc:AlternateContent>
+      <p:sp>
+        <p:nvSpPr>
+          <p:cNvPr id="9" name="文本框 8">
+            <a:extLst>
+              <a:ext uri="{FF2B5EF4-FFF2-40B4-BE49-F238E27FC236}">
+                <a16:creationId xmlns:a16="http://schemas.microsoft.com/office/drawing/2014/main" id="{972382EF-57B4-62B6-511C-2BB0890FCCE3}"/>
+              </a:ext>
+            </a:extLst>
+          </p:cNvPr>
+          <p:cNvSpPr txBox="1"/>
+          <p:nvPr/>
+        </p:nvSpPr>
+        <p:spPr>
+          <a:xfrm>
+            <a:off x="1068457" y="4873636"/>
+            <a:ext cx="6097656" cy="646331"/>
+          </a:xfrm>
+          <a:prstGeom prst="rect">
+            <a:avLst/>
+          </a:prstGeom>
+          <a:noFill/>
+        </p:spPr>
+        <p:txBody>
+          <a:bodyPr wrap="square">
+            <a:spAutoFit/>
+          </a:bodyPr>
+          <a:lstStyle/>
+          <a:p>
+            <a:r>
+              <a:rPr lang="en-US" altLang="zh-CN"/>
+              <a:t>TIMES = 400^3*150*</a:t>
+            </a:r>
+            <a:r>
+              <a:rPr lang="zh-CN" altLang="en-US"/>
+              <a:t>（</a:t>
+            </a:r>
+            <a:r>
+              <a:rPr lang="en-US" altLang="zh-CN"/>
+              <a:t>6/21</a:t>
+            </a:r>
+            <a:r>
+              <a:rPr lang="zh-CN" altLang="en-US"/>
+              <a:t>）</a:t>
+            </a:r>
+            <a:r>
+              <a:rPr lang="en-US" altLang="zh-CN"/>
+              <a:t>^3</a:t>
+            </a:r>
+            <a:r>
+              <a:rPr lang="zh-CN" altLang="en-US"/>
+              <a:t>≈</a:t>
+            </a:r>
+            <a:r>
+              <a:rPr lang="en-US" altLang="zh-CN"/>
+              <a:t>0.224billion</a:t>
+            </a:r>
+            <a:r>
+              <a:rPr lang="zh-CN" altLang="en-US"/>
+              <a:t>，计算时间减少近</a:t>
+            </a:r>
+            <a:r>
+              <a:rPr lang="en-US" altLang="zh-CN"/>
+              <a:t>97.7%</a:t>
+            </a:r>
+          </a:p>
+        </p:txBody>
+      </p:sp>
+    </p:spTree>
+    <p:extLst>
+      <p:ext uri="{BB962C8B-B14F-4D97-AF65-F5344CB8AC3E}">
+        <p14:creationId xmlns:p14="http://schemas.microsoft.com/office/powerpoint/2010/main" val="4112223641"/>
+      </p:ext>
+    </p:extLst>
+  </p:cSld>
+  <p:clrMapOvr>
+    <a:masterClrMapping/>
+  </p:clrMapOvr>
+</p:sld>
+</file>
+
+<file path=ppt/slides/slide21.xml><?xml version="1.0" encoding="utf-8"?>
+<p:sld xmlns:a="http://schemas.openxmlformats.org/drawingml/2006/main" xmlns:r="http://schemas.openxmlformats.org/officeDocument/2006/relationships" xmlns:p="http://schemas.openxmlformats.org/presentationml/2006/main">
+  <p:cSld>
+    <p:spTree>
+      <p:nvGrpSpPr>
+        <p:cNvPr id="1" name=""/>
+        <p:cNvGrpSpPr/>
+        <p:nvPr/>
+      </p:nvGrpSpPr>
+      <p:grpSpPr>
+        <a:xfrm>
+          <a:off x="0" y="0"/>
+          <a:ext cx="0" cy="0"/>
+          <a:chOff x="0" y="0"/>
+          <a:chExt cx="0" cy="0"/>
+        </a:xfrm>
+      </p:grpSpPr>
+      <p:sp>
+        <p:nvSpPr>
+          <p:cNvPr id="4" name="文本框 3">
+            <a:extLst>
+              <a:ext uri="{FF2B5EF4-FFF2-40B4-BE49-F238E27FC236}">
+                <a16:creationId xmlns:a16="http://schemas.microsoft.com/office/drawing/2014/main" id="{7EC09089-665D-D07D-C9FE-5CEFF54C1EC7}"/>
+              </a:ext>
+            </a:extLst>
+          </p:cNvPr>
+          <p:cNvSpPr txBox="1"/>
+          <p:nvPr/>
+        </p:nvSpPr>
+        <p:spPr>
+          <a:xfrm>
+            <a:off x="457200" y="330200"/>
+            <a:ext cx="4051300" cy="369332"/>
+          </a:xfrm>
+          <a:prstGeom prst="rect">
+            <a:avLst/>
+          </a:prstGeom>
+          <a:noFill/>
+        </p:spPr>
+        <p:txBody>
+          <a:bodyPr wrap="square" rtlCol="0">
+            <a:spAutoFit/>
+          </a:bodyPr>
+          <a:lstStyle/>
+          <a:p>
+            <a:r>
+              <a:rPr lang="zh-CN" altLang="en-US"/>
+              <a:t>测试：</a:t>
+            </a:r>
+          </a:p>
+        </p:txBody>
+      </p:sp>
+    </p:spTree>
+    <p:extLst>
+      <p:ext uri="{BB962C8B-B14F-4D97-AF65-F5344CB8AC3E}">
+        <p14:creationId xmlns:p14="http://schemas.microsoft.com/office/powerpoint/2010/main" val="2777311940"/>
+      </p:ext>
+    </p:extLst>
+  </p:cSld>
+  <p:clrMapOvr>
+    <a:masterClrMapping/>
+  </p:clrMapOvr>
+</p:sld>
+</file>
+
+<file path=ppt/slides/slide22.xml><?xml version="1.0" encoding="utf-8"?>
 <p:sld xmlns:a="http://schemas.openxmlformats.org/drawingml/2006/main" xmlns:r="http://schemas.openxmlformats.org/officeDocument/2006/relationships" xmlns:p="http://schemas.openxmlformats.org/presentationml/2006/main">
   <p:cSld>
     <p:spTree>

--- a/PPT/算法整理.pptx
+++ b/PPT/算法整理.pptx
@@ -35249,8 +35249,8 @@
         </p:nvSpPr>
         <p:spPr>
           <a:xfrm>
-            <a:off x="916874" y="2530642"/>
-            <a:ext cx="10358251" cy="1477328"/>
+            <a:off x="747908" y="2102254"/>
+            <a:ext cx="10358251" cy="2031325"/>
           </a:xfrm>
           <a:prstGeom prst="rect">
             <a:avLst/>
@@ -35500,9 +35500,44 @@
                 <a:effectLst/>
                 <a:latin typeface="JetBrains Mono"/>
               </a:rPr>
-              <a:t>100ms</a:t>
+              <a:t>50ms</a:t>
             </a:r>
-            <a:endParaRPr lang="zh-CN" altLang="en-US" sz="1800" b="1">
+            <a:endParaRPr lang="en-US" altLang="zh-CN" b="1">
+              <a:latin typeface="JetBrains Mono"/>
+            </a:endParaRPr>
+          </a:p>
+          <a:p>
+            <a:r>
+              <a:rPr lang="en-US" altLang="zh-CN" sz="1800" b="1">
+                <a:effectLst/>
+                <a:latin typeface="JetBrains Mono"/>
+              </a:rPr>
+              <a:t>100s,</a:t>
+            </a:r>
+            <a:r>
+              <a:rPr lang="zh-CN" altLang="en-US" b="1">
+                <a:latin typeface="JetBrains Mono"/>
+              </a:rPr>
+              <a:t>出现</a:t>
+            </a:r>
+            <a:r>
+              <a:rPr lang="en-US" altLang="zh-CN" b="1">
+                <a:latin typeface="JetBrains Mono"/>
+              </a:rPr>
+              <a:t>16</a:t>
+            </a:r>
+            <a:r>
+              <a:rPr lang="zh-CN" altLang="en-US" b="1">
+                <a:latin typeface="JetBrains Mono"/>
+              </a:rPr>
+              <a:t>次</a:t>
+            </a:r>
+            <a:endParaRPr lang="en-US" altLang="zh-CN" b="1">
+              <a:latin typeface="JetBrains Mono"/>
+            </a:endParaRPr>
+          </a:p>
+          <a:p>
+            <a:endParaRPr lang="en-US" altLang="zh-CN" sz="1800" b="1">
               <a:effectLst/>
               <a:latin typeface="JetBrains Mono"/>
             </a:endParaRPr>
@@ -35523,7 +35558,7 @@
         </p:nvSpPr>
         <p:spPr>
           <a:xfrm>
-            <a:off x="627578" y="1984521"/>
+            <a:off x="520700" y="1681743"/>
             <a:ext cx="6746999" cy="369332"/>
           </a:xfrm>
           <a:prstGeom prst="rect">
@@ -36187,8 +36222,8 @@
           <a:chExt cx="0" cy="0"/>
         </a:xfrm>
       </p:grpSpPr>
-      <mc:AlternateContent xmlns:mc="http://schemas.openxmlformats.org/markup-compatibility/2006">
-        <mc:Choice xmlns:a14="http://schemas.microsoft.com/office/drawing/2010/main" Requires="a14">
+      <mc:AlternateContent xmlns:mc="http://schemas.openxmlformats.org/markup-compatibility/2006" xmlns:a14="http://schemas.microsoft.com/office/drawing/2010/main">
+        <mc:Choice Requires="a14">
           <p:sp>
             <p:nvSpPr>
               <p:cNvPr id="4" name="文本框 3">
@@ -36258,6 +36293,7 @@
                 </a:r>
               </a:p>
               <a:p>
+                <a:pPr/>
                 <a14:m>
                   <m:oMathPara xmlns:m="http://schemas.openxmlformats.org/officeDocument/2006/math">
                     <m:oMathParaPr>
@@ -36317,7 +36353,7 @@
             </p:txBody>
           </p:sp>
         </mc:Choice>
-        <mc:Fallback>
+        <mc:Fallback xmlns="">
           <p:sp>
             <p:nvSpPr>
               <p:cNvPr id="4" name="文本框 3">
@@ -36463,8 +36499,8 @@
           </a:p>
         </p:txBody>
       </p:sp>
-      <mc:AlternateContent xmlns:mc="http://schemas.openxmlformats.org/markup-compatibility/2006">
-        <mc:Choice xmlns:a14="http://schemas.microsoft.com/office/drawing/2010/main" Requires="a14">
+      <mc:AlternateContent xmlns:mc="http://schemas.openxmlformats.org/markup-compatibility/2006" xmlns:a14="http://schemas.microsoft.com/office/drawing/2010/main">
+        <mc:Choice Requires="a14">
           <p:sp>
             <p:nvSpPr>
               <p:cNvPr id="7" name="文本框 6">
@@ -36529,13 +36565,7 @@
                         <a:rPr lang="en-US" altLang="zh-CN" b="0" i="1" smtClean="0">
                           <a:latin typeface="Cambria Math" panose="02040503050406030204" pitchFamily="18" charset="0"/>
                         </a:rPr>
-                        <m:t>,</m:t>
-                      </m:r>
-                      <m:r>
-                        <a:rPr lang="en-US" altLang="zh-CN" b="0" i="1" smtClean="0">
-                          <a:latin typeface="Cambria Math" panose="02040503050406030204" pitchFamily="18" charset="0"/>
-                        </a:rPr>
-                        <m:t>0.2</m:t>
+                        <m:t>,0.2</m:t>
                       </m:r>
                     </m:oMath>
                   </m:oMathPara>
@@ -36545,7 +36575,7 @@
             </p:txBody>
           </p:sp>
         </mc:Choice>
-        <mc:Fallback>
+        <mc:Fallback xmlns="">
           <p:sp>
             <p:nvSpPr>
               <p:cNvPr id="7" name="文本框 6">

--- a/PPT/算法整理.pptx
+++ b/PPT/算法整理.pptx
@@ -35478,14 +35478,15 @@
                 <a:latin typeface="宋体" panose="02010600030101010101" pitchFamily="2" charset="-122"/>
                 <a:ea typeface="宋体" panose="02010600030101010101" pitchFamily="2" charset="-122"/>
               </a:rPr>
-              <a:t>突发时，设置突发场景为来报速率为</a:t>
+              <a:t>突发时，设置突发场景为来报速率增加</a:t>
             </a:r>
             <a:r>
               <a:rPr lang="en-US" altLang="zh-CN" sz="1800" b="1">
                 <a:effectLst/>
-                <a:latin typeface="JetBrains Mono"/>
+                <a:latin typeface="宋体" panose="02010600030101010101" pitchFamily="2" charset="-122"/>
+                <a:ea typeface="宋体" panose="02010600030101010101" pitchFamily="2" charset="-122"/>
               </a:rPr>
-              <a:t>10Gbps</a:t>
+              <a:t>6Gbps</a:t>
             </a:r>
             <a:r>
               <a:rPr lang="zh-CN" altLang="en-US" sz="1800" b="1">
@@ -35496,11 +35497,18 @@
               <a:t>，持续</a:t>
             </a:r>
             <a:r>
+              <a:rPr lang="en-US" altLang="zh-CN" b="1">
+                <a:latin typeface="JetBrains Mono"/>
+                <a:ea typeface="宋体" panose="02010600030101010101" pitchFamily="2" charset="-122"/>
+              </a:rPr>
+              <a:t>10</a:t>
+            </a:r>
+            <a:r>
               <a:rPr lang="en-US" altLang="zh-CN" sz="1800" b="1">
                 <a:effectLst/>
                 <a:latin typeface="JetBrains Mono"/>
               </a:rPr>
-              <a:t>50ms</a:t>
+              <a:t>0ms</a:t>
             </a:r>
             <a:endParaRPr lang="en-US" altLang="zh-CN" b="1">
               <a:latin typeface="JetBrains Mono"/>

--- a/PPT/算法整理.pptx
+++ b/PPT/算法整理.pptx
@@ -280,7 +280,7 @@
           <a:p>
             <a:fld id="{9D115511-43CC-4D43-9B6A-DBDB391D7FC7}" type="datetimeFigureOut">
               <a:rPr lang="zh-CN" altLang="en-US" smtClean="0"/>
-              <a:t>2024/1/23</a:t>
+              <a:t>2024/1/25</a:t>
             </a:fld>
             <a:endParaRPr lang="zh-CN" altLang="en-US"/>
           </a:p>
@@ -478,7 +478,7 @@
           <a:p>
             <a:fld id="{9D115511-43CC-4D43-9B6A-DBDB391D7FC7}" type="datetimeFigureOut">
               <a:rPr lang="zh-CN" altLang="en-US" smtClean="0"/>
-              <a:t>2024/1/23</a:t>
+              <a:t>2024/1/25</a:t>
             </a:fld>
             <a:endParaRPr lang="zh-CN" altLang="en-US"/>
           </a:p>
@@ -686,7 +686,7 @@
           <a:p>
             <a:fld id="{9D115511-43CC-4D43-9B6A-DBDB391D7FC7}" type="datetimeFigureOut">
               <a:rPr lang="zh-CN" altLang="en-US" smtClean="0"/>
-              <a:t>2024/1/23</a:t>
+              <a:t>2024/1/25</a:t>
             </a:fld>
             <a:endParaRPr lang="zh-CN" altLang="en-US"/>
           </a:p>
@@ -884,7 +884,7 @@
           <a:p>
             <a:fld id="{9D115511-43CC-4D43-9B6A-DBDB391D7FC7}" type="datetimeFigureOut">
               <a:rPr lang="zh-CN" altLang="en-US" smtClean="0"/>
-              <a:t>2024/1/23</a:t>
+              <a:t>2024/1/25</a:t>
             </a:fld>
             <a:endParaRPr lang="zh-CN" altLang="en-US"/>
           </a:p>
@@ -1159,7 +1159,7 @@
           <a:p>
             <a:fld id="{9D115511-43CC-4D43-9B6A-DBDB391D7FC7}" type="datetimeFigureOut">
               <a:rPr lang="zh-CN" altLang="en-US" smtClean="0"/>
-              <a:t>2024/1/23</a:t>
+              <a:t>2024/1/25</a:t>
             </a:fld>
             <a:endParaRPr lang="zh-CN" altLang="en-US"/>
           </a:p>
@@ -1424,7 +1424,7 @@
           <a:p>
             <a:fld id="{9D115511-43CC-4D43-9B6A-DBDB391D7FC7}" type="datetimeFigureOut">
               <a:rPr lang="zh-CN" altLang="en-US" smtClean="0"/>
-              <a:t>2024/1/23</a:t>
+              <a:t>2024/1/25</a:t>
             </a:fld>
             <a:endParaRPr lang="zh-CN" altLang="en-US"/>
           </a:p>
@@ -1836,7 +1836,7 @@
           <a:p>
             <a:fld id="{9D115511-43CC-4D43-9B6A-DBDB391D7FC7}" type="datetimeFigureOut">
               <a:rPr lang="zh-CN" altLang="en-US" smtClean="0"/>
-              <a:t>2024/1/23</a:t>
+              <a:t>2024/1/25</a:t>
             </a:fld>
             <a:endParaRPr lang="zh-CN" altLang="en-US"/>
           </a:p>
@@ -1977,7 +1977,7 @@
           <a:p>
             <a:fld id="{9D115511-43CC-4D43-9B6A-DBDB391D7FC7}" type="datetimeFigureOut">
               <a:rPr lang="zh-CN" altLang="en-US" smtClean="0"/>
-              <a:t>2024/1/23</a:t>
+              <a:t>2024/1/25</a:t>
             </a:fld>
             <a:endParaRPr lang="zh-CN" altLang="en-US"/>
           </a:p>
@@ -2090,7 +2090,7 @@
           <a:p>
             <a:fld id="{9D115511-43CC-4D43-9B6A-DBDB391D7FC7}" type="datetimeFigureOut">
               <a:rPr lang="zh-CN" altLang="en-US" smtClean="0"/>
-              <a:t>2024/1/23</a:t>
+              <a:t>2024/1/25</a:t>
             </a:fld>
             <a:endParaRPr lang="zh-CN" altLang="en-US"/>
           </a:p>
@@ -2401,7 +2401,7 @@
           <a:p>
             <a:fld id="{9D115511-43CC-4D43-9B6A-DBDB391D7FC7}" type="datetimeFigureOut">
               <a:rPr lang="zh-CN" altLang="en-US" smtClean="0"/>
-              <a:t>2024/1/23</a:t>
+              <a:t>2024/1/25</a:t>
             </a:fld>
             <a:endParaRPr lang="zh-CN" altLang="en-US"/>
           </a:p>
@@ -2689,7 +2689,7 @@
           <a:p>
             <a:fld id="{9D115511-43CC-4D43-9B6A-DBDB391D7FC7}" type="datetimeFigureOut">
               <a:rPr lang="zh-CN" altLang="en-US" smtClean="0"/>
-              <a:t>2024/1/23</a:t>
+              <a:t>2024/1/25</a:t>
             </a:fld>
             <a:endParaRPr lang="zh-CN" altLang="en-US"/>
           </a:p>
@@ -2930,7 +2930,7 @@
           <a:p>
             <a:fld id="{9D115511-43CC-4D43-9B6A-DBDB391D7FC7}" type="datetimeFigureOut">
               <a:rPr lang="zh-CN" altLang="en-US" smtClean="0"/>
-              <a:t>2024/1/23</a:t>
+              <a:t>2024/1/25</a:t>
             </a:fld>
             <a:endParaRPr lang="zh-CN" altLang="en-US"/>
           </a:p>

--- a/PPT/算法整理.pptx
+++ b/PPT/算法整理.pptx
@@ -25,8 +25,9 @@
     <p:sldId id="431" r:id="rId19"/>
     <p:sldId id="442" r:id="rId20"/>
     <p:sldId id="443" r:id="rId21"/>
-    <p:sldId id="432" r:id="rId22"/>
-    <p:sldId id="433" r:id="rId23"/>
+    <p:sldId id="444" r:id="rId22"/>
+    <p:sldId id="432" r:id="rId23"/>
+    <p:sldId id="433" r:id="rId24"/>
   </p:sldIdLst>
   <p:sldSz cx="12192000" cy="6858000"/>
   <p:notesSz cx="6858000" cy="9144000"/>
@@ -35790,7 +35791,7 @@
           <a:p>
             <a:r>
               <a:rPr lang="zh-CN" altLang="en-US"/>
-              <a:t>最初的经验池设计：</a:t>
+              <a:t>经验池设计调整：</a:t>
             </a:r>
           </a:p>
         </p:txBody>
@@ -36730,6 +36731,251 @@
           <p:cNvPr id="4" name="文本框 3">
             <a:extLst>
               <a:ext uri="{FF2B5EF4-FFF2-40B4-BE49-F238E27FC236}">
+                <a16:creationId xmlns:a16="http://schemas.microsoft.com/office/drawing/2014/main" id="{5FDDE2D3-366B-D066-670B-0EFB3E5FDD75}"/>
+              </a:ext>
+            </a:extLst>
+          </p:cNvPr>
+          <p:cNvSpPr txBox="1"/>
+          <p:nvPr/>
+        </p:nvSpPr>
+        <p:spPr>
+          <a:xfrm>
+            <a:off x="665922" y="516835"/>
+            <a:ext cx="3945835" cy="369332"/>
+          </a:xfrm>
+          <a:prstGeom prst="rect">
+            <a:avLst/>
+          </a:prstGeom>
+          <a:noFill/>
+        </p:spPr>
+        <p:txBody>
+          <a:bodyPr wrap="square" rtlCol="0">
+            <a:spAutoFit/>
+          </a:bodyPr>
+          <a:lstStyle/>
+          <a:p>
+            <a:r>
+              <a:rPr lang="en-US" altLang="zh-CN"/>
+              <a:t>REWARD</a:t>
+            </a:r>
+            <a:r>
+              <a:rPr lang="zh-CN" altLang="en-US"/>
+              <a:t>奖励矩阵</a:t>
+            </a:r>
+          </a:p>
+        </p:txBody>
+      </p:sp>
+      <p:pic>
+        <p:nvPicPr>
+          <p:cNvPr id="6" name="图片 5">
+            <a:extLst>
+              <a:ext uri="{FF2B5EF4-FFF2-40B4-BE49-F238E27FC236}">
+                <a16:creationId xmlns:a16="http://schemas.microsoft.com/office/drawing/2014/main" id="{CE621974-19C3-E7D0-011E-C117715B8415}"/>
+              </a:ext>
+            </a:extLst>
+          </p:cNvPr>
+          <p:cNvPicPr>
+            <a:picLocks noChangeAspect="1"/>
+          </p:cNvPicPr>
+          <p:nvPr/>
+        </p:nvPicPr>
+        <p:blipFill>
+          <a:blip r:embed="rId2">
+            <a:extLst>
+              <a:ext uri="{28A0092B-C50C-407E-A947-70E740481C1C}">
+                <a14:useLocalDpi xmlns:a14="http://schemas.microsoft.com/office/drawing/2010/main" val="0"/>
+              </a:ext>
+            </a:extLst>
+          </a:blip>
+          <a:stretch>
+            <a:fillRect/>
+          </a:stretch>
+        </p:blipFill>
+        <p:spPr>
+          <a:xfrm>
+            <a:off x="564093" y="1379156"/>
+            <a:ext cx="5239481" cy="4477375"/>
+          </a:xfrm>
+          <a:prstGeom prst="rect">
+            <a:avLst/>
+          </a:prstGeom>
+        </p:spPr>
+      </p:pic>
+      <p:pic>
+        <p:nvPicPr>
+          <p:cNvPr id="8" name="图片 7">
+            <a:extLst>
+              <a:ext uri="{FF2B5EF4-FFF2-40B4-BE49-F238E27FC236}">
+                <a16:creationId xmlns:a16="http://schemas.microsoft.com/office/drawing/2014/main" id="{A796662F-8D80-0A31-AA04-9606018FC410}"/>
+              </a:ext>
+            </a:extLst>
+          </p:cNvPr>
+          <p:cNvPicPr>
+            <a:picLocks noChangeAspect="1"/>
+          </p:cNvPicPr>
+          <p:nvPr/>
+        </p:nvPicPr>
+        <p:blipFill>
+          <a:blip r:embed="rId3">
+            <a:extLst>
+              <a:ext uri="{28A0092B-C50C-407E-A947-70E740481C1C}">
+                <a14:useLocalDpi xmlns:a14="http://schemas.microsoft.com/office/drawing/2010/main" val="0"/>
+              </a:ext>
+            </a:extLst>
+          </a:blip>
+          <a:stretch>
+            <a:fillRect/>
+          </a:stretch>
+        </p:blipFill>
+        <p:spPr>
+          <a:xfrm>
+            <a:off x="6531510" y="1379156"/>
+            <a:ext cx="5191850" cy="4486901"/>
+          </a:xfrm>
+          <a:prstGeom prst="rect">
+            <a:avLst/>
+          </a:prstGeom>
+        </p:spPr>
+      </p:pic>
+      <p:sp>
+        <p:nvSpPr>
+          <p:cNvPr id="9" name="文本框 8">
+            <a:extLst>
+              <a:ext uri="{FF2B5EF4-FFF2-40B4-BE49-F238E27FC236}">
+                <a16:creationId xmlns:a16="http://schemas.microsoft.com/office/drawing/2014/main" id="{F2482576-4BAF-BF47-E41F-7672139CCA95}"/>
+              </a:ext>
+            </a:extLst>
+          </p:cNvPr>
+          <p:cNvSpPr txBox="1"/>
+          <p:nvPr/>
+        </p:nvSpPr>
+        <p:spPr>
+          <a:xfrm>
+            <a:off x="1749287" y="6182139"/>
+            <a:ext cx="2951922" cy="369332"/>
+          </a:xfrm>
+          <a:prstGeom prst="rect">
+            <a:avLst/>
+          </a:prstGeom>
+          <a:noFill/>
+        </p:spPr>
+        <p:txBody>
+          <a:bodyPr wrap="square" rtlCol="0">
+            <a:spAutoFit/>
+          </a:bodyPr>
+          <a:lstStyle/>
+          <a:p>
+            <a:r>
+              <a:rPr lang="en-US" altLang="zh-CN"/>
+              <a:t>a</a:t>
+            </a:r>
+            <a:r>
+              <a:rPr lang="zh-CN" altLang="en-US"/>
+              <a:t> </a:t>
+            </a:r>
+            <a:r>
+              <a:rPr lang="en-US" altLang="zh-CN"/>
+              <a:t>=</a:t>
+            </a:r>
+            <a:r>
+              <a:rPr lang="zh-CN" altLang="en-US"/>
+              <a:t> </a:t>
+            </a:r>
+            <a:r>
+              <a:rPr lang="en-US" altLang="zh-CN"/>
+              <a:t>0</a:t>
+            </a:r>
+            <a:endParaRPr lang="zh-CN" altLang="en-US"/>
+          </a:p>
+        </p:txBody>
+      </p:sp>
+      <p:sp>
+        <p:nvSpPr>
+          <p:cNvPr id="10" name="文本框 9">
+            <a:extLst>
+              <a:ext uri="{FF2B5EF4-FFF2-40B4-BE49-F238E27FC236}">
+                <a16:creationId xmlns:a16="http://schemas.microsoft.com/office/drawing/2014/main" id="{19DD542C-DC87-B72D-1624-AD42CD31F589}"/>
+              </a:ext>
+            </a:extLst>
+          </p:cNvPr>
+          <p:cNvSpPr txBox="1"/>
+          <p:nvPr/>
+        </p:nvSpPr>
+        <p:spPr>
+          <a:xfrm>
+            <a:off x="8690113" y="6115014"/>
+            <a:ext cx="2951922" cy="369332"/>
+          </a:xfrm>
+          <a:prstGeom prst="rect">
+            <a:avLst/>
+          </a:prstGeom>
+          <a:noFill/>
+        </p:spPr>
+        <p:txBody>
+          <a:bodyPr wrap="square" rtlCol="0">
+            <a:spAutoFit/>
+          </a:bodyPr>
+          <a:lstStyle/>
+          <a:p>
+            <a:r>
+              <a:rPr lang="en-US" altLang="zh-CN"/>
+              <a:t>a</a:t>
+            </a:r>
+            <a:r>
+              <a:rPr lang="zh-CN" altLang="en-US"/>
+              <a:t> </a:t>
+            </a:r>
+            <a:r>
+              <a:rPr lang="en-US" altLang="zh-CN"/>
+              <a:t>=</a:t>
+            </a:r>
+            <a:r>
+              <a:rPr lang="zh-CN" altLang="en-US"/>
+              <a:t> </a:t>
+            </a:r>
+            <a:r>
+              <a:rPr lang="en-US" altLang="zh-CN"/>
+              <a:t>1</a:t>
+            </a:r>
+            <a:endParaRPr lang="zh-CN" altLang="en-US"/>
+          </a:p>
+        </p:txBody>
+      </p:sp>
+    </p:spTree>
+    <p:extLst>
+      <p:ext uri="{BB962C8B-B14F-4D97-AF65-F5344CB8AC3E}">
+        <p14:creationId xmlns:p14="http://schemas.microsoft.com/office/powerpoint/2010/main" val="3165780107"/>
+      </p:ext>
+    </p:extLst>
+  </p:cSld>
+  <p:clrMapOvr>
+    <a:masterClrMapping/>
+  </p:clrMapOvr>
+</p:sld>
+</file>
+
+<file path=ppt/slides/slide22.xml><?xml version="1.0" encoding="utf-8"?>
+<p:sld xmlns:a="http://schemas.openxmlformats.org/drawingml/2006/main" xmlns:r="http://schemas.openxmlformats.org/officeDocument/2006/relationships" xmlns:p="http://schemas.openxmlformats.org/presentationml/2006/main">
+  <p:cSld>
+    <p:spTree>
+      <p:nvGrpSpPr>
+        <p:cNvPr id="1" name=""/>
+        <p:cNvGrpSpPr/>
+        <p:nvPr/>
+      </p:nvGrpSpPr>
+      <p:grpSpPr>
+        <a:xfrm>
+          <a:off x="0" y="0"/>
+          <a:ext cx="0" cy="0"/>
+          <a:chOff x="0" y="0"/>
+          <a:chExt cx="0" cy="0"/>
+        </a:xfrm>
+      </p:grpSpPr>
+      <p:sp>
+        <p:nvSpPr>
+          <p:cNvPr id="4" name="文本框 3">
+            <a:extLst>
+              <a:ext uri="{FF2B5EF4-FFF2-40B4-BE49-F238E27FC236}">
                 <a16:creationId xmlns:a16="http://schemas.microsoft.com/office/drawing/2014/main" id="{7EC09089-665D-D07D-C9FE-5CEFF54C1EC7}"/>
               </a:ext>
             </a:extLst>
@@ -36773,7 +37019,7 @@
 </p:sld>
 </file>
 
-<file path=ppt/slides/slide22.xml><?xml version="1.0" encoding="utf-8"?>
+<file path=ppt/slides/slide23.xml><?xml version="1.0" encoding="utf-8"?>
 <p:sld xmlns:a="http://schemas.openxmlformats.org/drawingml/2006/main" xmlns:r="http://schemas.openxmlformats.org/officeDocument/2006/relationships" xmlns:p="http://schemas.openxmlformats.org/presentationml/2006/main">
   <p:cSld>
     <p:spTree>

--- a/PPT/算法整理.pptx
+++ b/PPT/算法整理.pptx
@@ -28,6 +28,8 @@
     <p:sldId id="444" r:id="rId22"/>
     <p:sldId id="432" r:id="rId23"/>
     <p:sldId id="433" r:id="rId24"/>
+    <p:sldId id="445" r:id="rId25"/>
+    <p:sldId id="446" r:id="rId26"/>
   </p:sldIdLst>
   <p:sldSz cx="12192000" cy="6858000"/>
   <p:notesSz cx="6858000" cy="9144000"/>
@@ -281,7 +283,7 @@
           <a:p>
             <a:fld id="{9D115511-43CC-4D43-9B6A-DBDB391D7FC7}" type="datetimeFigureOut">
               <a:rPr lang="zh-CN" altLang="en-US" smtClean="0"/>
-              <a:t>2024/1/25</a:t>
+              <a:t>2024/1/26</a:t>
             </a:fld>
             <a:endParaRPr lang="zh-CN" altLang="en-US"/>
           </a:p>
@@ -479,7 +481,7 @@
           <a:p>
             <a:fld id="{9D115511-43CC-4D43-9B6A-DBDB391D7FC7}" type="datetimeFigureOut">
               <a:rPr lang="zh-CN" altLang="en-US" smtClean="0"/>
-              <a:t>2024/1/25</a:t>
+              <a:t>2024/1/26</a:t>
             </a:fld>
             <a:endParaRPr lang="zh-CN" altLang="en-US"/>
           </a:p>
@@ -687,7 +689,7 @@
           <a:p>
             <a:fld id="{9D115511-43CC-4D43-9B6A-DBDB391D7FC7}" type="datetimeFigureOut">
               <a:rPr lang="zh-CN" altLang="en-US" smtClean="0"/>
-              <a:t>2024/1/25</a:t>
+              <a:t>2024/1/26</a:t>
             </a:fld>
             <a:endParaRPr lang="zh-CN" altLang="en-US"/>
           </a:p>
@@ -885,7 +887,7 @@
           <a:p>
             <a:fld id="{9D115511-43CC-4D43-9B6A-DBDB391D7FC7}" type="datetimeFigureOut">
               <a:rPr lang="zh-CN" altLang="en-US" smtClean="0"/>
-              <a:t>2024/1/25</a:t>
+              <a:t>2024/1/26</a:t>
             </a:fld>
             <a:endParaRPr lang="zh-CN" altLang="en-US"/>
           </a:p>
@@ -1160,7 +1162,7 @@
           <a:p>
             <a:fld id="{9D115511-43CC-4D43-9B6A-DBDB391D7FC7}" type="datetimeFigureOut">
               <a:rPr lang="zh-CN" altLang="en-US" smtClean="0"/>
-              <a:t>2024/1/25</a:t>
+              <a:t>2024/1/26</a:t>
             </a:fld>
             <a:endParaRPr lang="zh-CN" altLang="en-US"/>
           </a:p>
@@ -1425,7 +1427,7 @@
           <a:p>
             <a:fld id="{9D115511-43CC-4D43-9B6A-DBDB391D7FC7}" type="datetimeFigureOut">
               <a:rPr lang="zh-CN" altLang="en-US" smtClean="0"/>
-              <a:t>2024/1/25</a:t>
+              <a:t>2024/1/26</a:t>
             </a:fld>
             <a:endParaRPr lang="zh-CN" altLang="en-US"/>
           </a:p>
@@ -1837,7 +1839,7 @@
           <a:p>
             <a:fld id="{9D115511-43CC-4D43-9B6A-DBDB391D7FC7}" type="datetimeFigureOut">
               <a:rPr lang="zh-CN" altLang="en-US" smtClean="0"/>
-              <a:t>2024/1/25</a:t>
+              <a:t>2024/1/26</a:t>
             </a:fld>
             <a:endParaRPr lang="zh-CN" altLang="en-US"/>
           </a:p>
@@ -1978,7 +1980,7 @@
           <a:p>
             <a:fld id="{9D115511-43CC-4D43-9B6A-DBDB391D7FC7}" type="datetimeFigureOut">
               <a:rPr lang="zh-CN" altLang="en-US" smtClean="0"/>
-              <a:t>2024/1/25</a:t>
+              <a:t>2024/1/26</a:t>
             </a:fld>
             <a:endParaRPr lang="zh-CN" altLang="en-US"/>
           </a:p>
@@ -2091,7 +2093,7 @@
           <a:p>
             <a:fld id="{9D115511-43CC-4D43-9B6A-DBDB391D7FC7}" type="datetimeFigureOut">
               <a:rPr lang="zh-CN" altLang="en-US" smtClean="0"/>
-              <a:t>2024/1/25</a:t>
+              <a:t>2024/1/26</a:t>
             </a:fld>
             <a:endParaRPr lang="zh-CN" altLang="en-US"/>
           </a:p>
@@ -2402,7 +2404,7 @@
           <a:p>
             <a:fld id="{9D115511-43CC-4D43-9B6A-DBDB391D7FC7}" type="datetimeFigureOut">
               <a:rPr lang="zh-CN" altLang="en-US" smtClean="0"/>
-              <a:t>2024/1/25</a:t>
+              <a:t>2024/1/26</a:t>
             </a:fld>
             <a:endParaRPr lang="zh-CN" altLang="en-US"/>
           </a:p>
@@ -2690,7 +2692,7 @@
           <a:p>
             <a:fld id="{9D115511-43CC-4D43-9B6A-DBDB391D7FC7}" type="datetimeFigureOut">
               <a:rPr lang="zh-CN" altLang="en-US" smtClean="0"/>
-              <a:t>2024/1/25</a:t>
+              <a:t>2024/1/26</a:t>
             </a:fld>
             <a:endParaRPr lang="zh-CN" altLang="en-US"/>
           </a:p>
@@ -2931,7 +2933,7 @@
           <a:p>
             <a:fld id="{9D115511-43CC-4D43-9B6A-DBDB391D7FC7}" type="datetimeFigureOut">
               <a:rPr lang="zh-CN" altLang="en-US" smtClean="0"/>
-              <a:t>2024/1/25</a:t>
+              <a:t>2024/1/26</a:t>
             </a:fld>
             <a:endParaRPr lang="zh-CN" altLang="en-US"/>
           </a:p>
@@ -37006,6 +37008,273 @@
           </a:p>
         </p:txBody>
       </p:sp>
+      <p:pic>
+        <p:nvPicPr>
+          <p:cNvPr id="3" name="图片 2">
+            <a:extLst>
+              <a:ext uri="{FF2B5EF4-FFF2-40B4-BE49-F238E27FC236}">
+                <a16:creationId xmlns:a16="http://schemas.microsoft.com/office/drawing/2014/main" id="{5231866E-E1F1-7BA4-D596-66C85D09FD3D}"/>
+              </a:ext>
+            </a:extLst>
+          </p:cNvPr>
+          <p:cNvPicPr>
+            <a:picLocks noChangeAspect="1"/>
+          </p:cNvPicPr>
+          <p:nvPr/>
+        </p:nvPicPr>
+        <p:blipFill>
+          <a:blip r:embed="rId2">
+            <a:extLst>
+              <a:ext uri="{28A0092B-C50C-407E-A947-70E740481C1C}">
+                <a14:useLocalDpi xmlns:a14="http://schemas.microsoft.com/office/drawing/2010/main" val="0"/>
+              </a:ext>
+            </a:extLst>
+          </a:blip>
+          <a:stretch>
+            <a:fillRect/>
+          </a:stretch>
+        </p:blipFill>
+        <p:spPr>
+          <a:xfrm>
+            <a:off x="1073424" y="2265644"/>
+            <a:ext cx="4871603" cy="3598443"/>
+          </a:xfrm>
+          <a:prstGeom prst="rect">
+            <a:avLst/>
+          </a:prstGeom>
+        </p:spPr>
+      </p:pic>
+      <p:sp>
+        <p:nvSpPr>
+          <p:cNvPr id="5" name="文本框 4">
+            <a:extLst>
+              <a:ext uri="{FF2B5EF4-FFF2-40B4-BE49-F238E27FC236}">
+                <a16:creationId xmlns:a16="http://schemas.microsoft.com/office/drawing/2014/main" id="{CB817958-56D0-97FE-E6D9-6E0BED7D4985}"/>
+              </a:ext>
+            </a:extLst>
+          </p:cNvPr>
+          <p:cNvSpPr txBox="1"/>
+          <p:nvPr/>
+        </p:nvSpPr>
+        <p:spPr>
+          <a:xfrm>
+            <a:off x="844826" y="1162878"/>
+            <a:ext cx="4721087" cy="369332"/>
+          </a:xfrm>
+          <a:prstGeom prst="rect">
+            <a:avLst/>
+          </a:prstGeom>
+          <a:noFill/>
+        </p:spPr>
+        <p:txBody>
+          <a:bodyPr wrap="square" rtlCol="0">
+            <a:spAutoFit/>
+          </a:bodyPr>
+          <a:lstStyle/>
+          <a:p>
+            <a:r>
+              <a:rPr lang="en-US" altLang="zh-CN"/>
+              <a:t>wittle</a:t>
+            </a:r>
+            <a:r>
+              <a:rPr lang="zh-CN" altLang="en-US"/>
+              <a:t>理论计算：</a:t>
+            </a:r>
+          </a:p>
+        </p:txBody>
+      </p:sp>
+      <p:pic>
+        <p:nvPicPr>
+          <p:cNvPr id="7" name="图片 6">
+            <a:extLst>
+              <a:ext uri="{FF2B5EF4-FFF2-40B4-BE49-F238E27FC236}">
+                <a16:creationId xmlns:a16="http://schemas.microsoft.com/office/drawing/2014/main" id="{685A470B-A40D-263B-5BED-6E94576DDF05}"/>
+              </a:ext>
+            </a:extLst>
+          </p:cNvPr>
+          <p:cNvPicPr>
+            <a:picLocks noChangeAspect="1"/>
+          </p:cNvPicPr>
+          <p:nvPr/>
+        </p:nvPicPr>
+        <p:blipFill>
+          <a:blip r:embed="rId3">
+            <a:extLst>
+              <a:ext uri="{28A0092B-C50C-407E-A947-70E740481C1C}">
+                <a14:useLocalDpi xmlns:a14="http://schemas.microsoft.com/office/drawing/2010/main" val="0"/>
+              </a:ext>
+            </a:extLst>
+          </a:blip>
+          <a:stretch>
+            <a:fillRect/>
+          </a:stretch>
+        </p:blipFill>
+        <p:spPr>
+          <a:xfrm>
+            <a:off x="6645968" y="2387637"/>
+            <a:ext cx="4472608" cy="3354456"/>
+          </a:xfrm>
+          <a:prstGeom prst="rect">
+            <a:avLst/>
+          </a:prstGeom>
+        </p:spPr>
+      </p:pic>
+      <p:cxnSp>
+        <p:nvCxnSpPr>
+          <p:cNvPr id="9" name="直接箭头连接符 8">
+            <a:extLst>
+              <a:ext uri="{FF2B5EF4-FFF2-40B4-BE49-F238E27FC236}">
+                <a16:creationId xmlns:a16="http://schemas.microsoft.com/office/drawing/2014/main" id="{386C9AAC-28FD-EE3B-CC15-A93DAEDCE216}"/>
+              </a:ext>
+            </a:extLst>
+          </p:cNvPr>
+          <p:cNvCxnSpPr/>
+          <p:nvPr/>
+        </p:nvCxnSpPr>
+        <p:spPr>
+          <a:xfrm>
+            <a:off x="775252" y="2524539"/>
+            <a:ext cx="0" cy="3339548"/>
+          </a:xfrm>
+          <a:prstGeom prst="straightConnector1">
+            <a:avLst/>
+          </a:prstGeom>
+          <a:ln>
+            <a:tailEnd type="triangle"/>
+          </a:ln>
+        </p:spPr>
+        <p:style>
+          <a:lnRef idx="1">
+            <a:schemeClr val="dk1"/>
+          </a:lnRef>
+          <a:fillRef idx="0">
+            <a:schemeClr val="dk1"/>
+          </a:fillRef>
+          <a:effectRef idx="0">
+            <a:schemeClr val="dk1"/>
+          </a:effectRef>
+          <a:fontRef idx="minor">
+            <a:schemeClr val="tx1"/>
+          </a:fontRef>
+        </p:style>
+      </p:cxnSp>
+      <p:sp>
+        <p:nvSpPr>
+          <p:cNvPr id="10" name="文本框 9">
+            <a:extLst>
+              <a:ext uri="{FF2B5EF4-FFF2-40B4-BE49-F238E27FC236}">
+                <a16:creationId xmlns:a16="http://schemas.microsoft.com/office/drawing/2014/main" id="{2A6180C7-33E9-DD04-6867-B32550295253}"/>
+              </a:ext>
+            </a:extLst>
+          </p:cNvPr>
+          <p:cNvSpPr txBox="1"/>
+          <p:nvPr/>
+        </p:nvSpPr>
+        <p:spPr>
+          <a:xfrm rot="16200000">
+            <a:off x="-333753" y="4009647"/>
+            <a:ext cx="1848678" cy="369332"/>
+          </a:xfrm>
+          <a:prstGeom prst="rect">
+            <a:avLst/>
+          </a:prstGeom>
+          <a:noFill/>
+        </p:spPr>
+        <p:txBody>
+          <a:bodyPr wrap="square" rtlCol="0">
+            <a:spAutoFit/>
+          </a:bodyPr>
+          <a:lstStyle/>
+          <a:p>
+            <a:r>
+              <a:rPr lang="en-US" altLang="zh-CN"/>
+              <a:t>qlen</a:t>
+            </a:r>
+            <a:r>
+              <a:rPr lang="zh-CN" altLang="en-US"/>
+              <a:t>增加</a:t>
+            </a:r>
+          </a:p>
+        </p:txBody>
+      </p:sp>
+      <p:cxnSp>
+        <p:nvCxnSpPr>
+          <p:cNvPr id="12" name="直接箭头连接符 11">
+            <a:extLst>
+              <a:ext uri="{FF2B5EF4-FFF2-40B4-BE49-F238E27FC236}">
+                <a16:creationId xmlns:a16="http://schemas.microsoft.com/office/drawing/2014/main" id="{5C93660F-EBD8-0E63-E523-8DE1FF2DC077}"/>
+              </a:ext>
+            </a:extLst>
+          </p:cNvPr>
+          <p:cNvCxnSpPr/>
+          <p:nvPr/>
+        </p:nvCxnSpPr>
+        <p:spPr>
+          <a:xfrm>
+            <a:off x="1292087" y="2107096"/>
+            <a:ext cx="3836504" cy="0"/>
+          </a:xfrm>
+          <a:prstGeom prst="straightConnector1">
+            <a:avLst/>
+          </a:prstGeom>
+          <a:ln>
+            <a:tailEnd type="triangle"/>
+          </a:ln>
+        </p:spPr>
+        <p:style>
+          <a:lnRef idx="1">
+            <a:schemeClr val="dk1"/>
+          </a:lnRef>
+          <a:fillRef idx="0">
+            <a:schemeClr val="dk1"/>
+          </a:fillRef>
+          <a:effectRef idx="0">
+            <a:schemeClr val="dk1"/>
+          </a:effectRef>
+          <a:fontRef idx="minor">
+            <a:schemeClr val="tx1"/>
+          </a:fontRef>
+        </p:style>
+      </p:cxnSp>
+      <p:sp>
+        <p:nvSpPr>
+          <p:cNvPr id="13" name="文本框 12">
+            <a:extLst>
+              <a:ext uri="{FF2B5EF4-FFF2-40B4-BE49-F238E27FC236}">
+                <a16:creationId xmlns:a16="http://schemas.microsoft.com/office/drawing/2014/main" id="{4657488B-1A0E-E525-E12F-4EC3E8AEAF9A}"/>
+              </a:ext>
+            </a:extLst>
+          </p:cNvPr>
+          <p:cNvSpPr txBox="1"/>
+          <p:nvPr/>
+        </p:nvSpPr>
+        <p:spPr>
+          <a:xfrm>
+            <a:off x="2281742" y="1710635"/>
+            <a:ext cx="2454965" cy="369332"/>
+          </a:xfrm>
+          <a:prstGeom prst="rect">
+            <a:avLst/>
+          </a:prstGeom>
+          <a:noFill/>
+        </p:spPr>
+        <p:txBody>
+          <a:bodyPr wrap="square" rtlCol="0">
+            <a:spAutoFit/>
+          </a:bodyPr>
+          <a:lstStyle/>
+          <a:p>
+            <a:r>
+              <a:rPr lang="en-US" altLang="zh-CN"/>
+              <a:t>u</a:t>
+            </a:r>
+            <a:r>
+              <a:rPr lang="zh-CN" altLang="en-US"/>
+              <a:t>增加</a:t>
+            </a:r>
+          </a:p>
+        </p:txBody>
+      </p:sp>
     </p:spTree>
     <p:extLst>
       <p:ext uri="{BB962C8B-B14F-4D97-AF65-F5344CB8AC3E}">
@@ -37066,8 +37335,584 @@
           <a:p>
             <a:r>
               <a:rPr lang="zh-CN" altLang="en-US"/>
-              <a:t>性能比较</a:t>
+              <a:t>实际统计：</a:t>
             </a:r>
+          </a:p>
+        </p:txBody>
+      </p:sp>
+      <p:pic>
+        <p:nvPicPr>
+          <p:cNvPr id="3" name="图片 2">
+            <a:extLst>
+              <a:ext uri="{FF2B5EF4-FFF2-40B4-BE49-F238E27FC236}">
+                <a16:creationId xmlns:a16="http://schemas.microsoft.com/office/drawing/2014/main" id="{AFC263B9-BC3A-31E7-51E4-5E7C03C0FE84}"/>
+              </a:ext>
+            </a:extLst>
+          </p:cNvPr>
+          <p:cNvPicPr>
+            <a:picLocks noChangeAspect="1"/>
+          </p:cNvPicPr>
+          <p:nvPr/>
+        </p:nvPicPr>
+        <p:blipFill>
+          <a:blip r:embed="rId2">
+            <a:extLst>
+              <a:ext uri="{28A0092B-C50C-407E-A947-70E740481C1C}">
+                <a14:useLocalDpi xmlns:a14="http://schemas.microsoft.com/office/drawing/2010/main" val="0"/>
+              </a:ext>
+            </a:extLst>
+          </a:blip>
+          <a:stretch>
+            <a:fillRect/>
+          </a:stretch>
+        </p:blipFill>
+        <p:spPr>
+          <a:xfrm>
+            <a:off x="202849" y="1374647"/>
+            <a:ext cx="2699377" cy="2044982"/>
+          </a:xfrm>
+          <a:prstGeom prst="rect">
+            <a:avLst/>
+          </a:prstGeom>
+        </p:spPr>
+      </p:pic>
+      <p:pic>
+        <p:nvPicPr>
+          <p:cNvPr id="6" name="图片 5">
+            <a:extLst>
+              <a:ext uri="{FF2B5EF4-FFF2-40B4-BE49-F238E27FC236}">
+                <a16:creationId xmlns:a16="http://schemas.microsoft.com/office/drawing/2014/main" id="{DB0C115E-8585-F68A-B405-FA6529F14B7E}"/>
+              </a:ext>
+            </a:extLst>
+          </p:cNvPr>
+          <p:cNvPicPr>
+            <a:picLocks noChangeAspect="1"/>
+          </p:cNvPicPr>
+          <p:nvPr/>
+        </p:nvPicPr>
+        <p:blipFill>
+          <a:blip r:embed="rId3">
+            <a:extLst>
+              <a:ext uri="{28A0092B-C50C-407E-A947-70E740481C1C}">
+                <a14:useLocalDpi xmlns:a14="http://schemas.microsoft.com/office/drawing/2010/main" val="0"/>
+              </a:ext>
+            </a:extLst>
+          </a:blip>
+          <a:stretch>
+            <a:fillRect/>
+          </a:stretch>
+        </p:blipFill>
+        <p:spPr>
+          <a:xfrm>
+            <a:off x="3386242" y="1329715"/>
+            <a:ext cx="2709758" cy="2140915"/>
+          </a:xfrm>
+          <a:prstGeom prst="rect">
+            <a:avLst/>
+          </a:prstGeom>
+        </p:spPr>
+      </p:pic>
+      <p:pic>
+        <p:nvPicPr>
+          <p:cNvPr id="8" name="图片 7">
+            <a:extLst>
+              <a:ext uri="{FF2B5EF4-FFF2-40B4-BE49-F238E27FC236}">
+                <a16:creationId xmlns:a16="http://schemas.microsoft.com/office/drawing/2014/main" id="{940A4EDB-886F-F70E-2CDA-0437134A89B9}"/>
+              </a:ext>
+            </a:extLst>
+          </p:cNvPr>
+          <p:cNvPicPr>
+            <a:picLocks noChangeAspect="1"/>
+          </p:cNvPicPr>
+          <p:nvPr/>
+        </p:nvPicPr>
+        <p:blipFill>
+          <a:blip r:embed="rId4">
+            <a:extLst>
+              <a:ext uri="{28A0092B-C50C-407E-A947-70E740481C1C}">
+                <a14:useLocalDpi xmlns:a14="http://schemas.microsoft.com/office/drawing/2010/main" val="0"/>
+              </a:ext>
+            </a:extLst>
+          </a:blip>
+          <a:stretch>
+            <a:fillRect/>
+          </a:stretch>
+        </p:blipFill>
+        <p:spPr>
+          <a:xfrm>
+            <a:off x="6251974" y="1374647"/>
+            <a:ext cx="2782598" cy="2095983"/>
+          </a:xfrm>
+          <a:prstGeom prst="rect">
+            <a:avLst/>
+          </a:prstGeom>
+        </p:spPr>
+      </p:pic>
+      <p:pic>
+        <p:nvPicPr>
+          <p:cNvPr id="10" name="图片 9">
+            <a:extLst>
+              <a:ext uri="{FF2B5EF4-FFF2-40B4-BE49-F238E27FC236}">
+                <a16:creationId xmlns:a16="http://schemas.microsoft.com/office/drawing/2014/main" id="{05254121-0348-B67B-6FC8-133E797766CA}"/>
+              </a:ext>
+            </a:extLst>
+          </p:cNvPr>
+          <p:cNvPicPr>
+            <a:picLocks noChangeAspect="1"/>
+          </p:cNvPicPr>
+          <p:nvPr/>
+        </p:nvPicPr>
+        <p:blipFill>
+          <a:blip r:embed="rId5">
+            <a:extLst>
+              <a:ext uri="{28A0092B-C50C-407E-A947-70E740481C1C}">
+                <a14:useLocalDpi xmlns:a14="http://schemas.microsoft.com/office/drawing/2010/main" val="0"/>
+              </a:ext>
+            </a:extLst>
+          </a:blip>
+          <a:stretch>
+            <a:fillRect/>
+          </a:stretch>
+        </p:blipFill>
+        <p:spPr>
+          <a:xfrm>
+            <a:off x="9190546" y="1352180"/>
+            <a:ext cx="2795230" cy="2140916"/>
+          </a:xfrm>
+          <a:prstGeom prst="rect">
+            <a:avLst/>
+          </a:prstGeom>
+        </p:spPr>
+      </p:pic>
+      <p:pic>
+        <p:nvPicPr>
+          <p:cNvPr id="12" name="图片 11">
+            <a:extLst>
+              <a:ext uri="{FF2B5EF4-FFF2-40B4-BE49-F238E27FC236}">
+                <a16:creationId xmlns:a16="http://schemas.microsoft.com/office/drawing/2014/main" id="{05B49504-D8DD-AA6A-1CBB-10805FD816C7}"/>
+              </a:ext>
+            </a:extLst>
+          </p:cNvPr>
+          <p:cNvPicPr>
+            <a:picLocks noChangeAspect="1"/>
+          </p:cNvPicPr>
+          <p:nvPr/>
+        </p:nvPicPr>
+        <p:blipFill>
+          <a:blip r:embed="rId6">
+            <a:extLst>
+              <a:ext uri="{28A0092B-C50C-407E-A947-70E740481C1C}">
+                <a14:useLocalDpi xmlns:a14="http://schemas.microsoft.com/office/drawing/2010/main" val="0"/>
+              </a:ext>
+            </a:extLst>
+          </a:blip>
+          <a:stretch>
+            <a:fillRect/>
+          </a:stretch>
+        </p:blipFill>
+        <p:spPr>
+          <a:xfrm>
+            <a:off x="202849" y="4268989"/>
+            <a:ext cx="2795230" cy="2169911"/>
+          </a:xfrm>
+          <a:prstGeom prst="rect">
+            <a:avLst/>
+          </a:prstGeom>
+        </p:spPr>
+      </p:pic>
+      <p:pic>
+        <p:nvPicPr>
+          <p:cNvPr id="14" name="图片 13">
+            <a:extLst>
+              <a:ext uri="{FF2B5EF4-FFF2-40B4-BE49-F238E27FC236}">
+                <a16:creationId xmlns:a16="http://schemas.microsoft.com/office/drawing/2014/main" id="{A32EE4BF-66CB-6886-5631-618228CC2331}"/>
+              </a:ext>
+            </a:extLst>
+          </p:cNvPr>
+          <p:cNvPicPr>
+            <a:picLocks noChangeAspect="1"/>
+          </p:cNvPicPr>
+          <p:nvPr/>
+        </p:nvPicPr>
+        <p:blipFill>
+          <a:blip r:embed="rId7">
+            <a:extLst>
+              <a:ext uri="{28A0092B-C50C-407E-A947-70E740481C1C}">
+                <a14:useLocalDpi xmlns:a14="http://schemas.microsoft.com/office/drawing/2010/main" val="0"/>
+              </a:ext>
+            </a:extLst>
+          </a:blip>
+          <a:stretch>
+            <a:fillRect/>
+          </a:stretch>
+        </p:blipFill>
+        <p:spPr>
+          <a:xfrm>
+            <a:off x="3386241" y="4317707"/>
+            <a:ext cx="2795229" cy="2137843"/>
+          </a:xfrm>
+          <a:prstGeom prst="rect">
+            <a:avLst/>
+          </a:prstGeom>
+        </p:spPr>
+      </p:pic>
+      <p:pic>
+        <p:nvPicPr>
+          <p:cNvPr id="16" name="图片 15">
+            <a:extLst>
+              <a:ext uri="{FF2B5EF4-FFF2-40B4-BE49-F238E27FC236}">
+                <a16:creationId xmlns:a16="http://schemas.microsoft.com/office/drawing/2014/main" id="{84E9180C-AE42-137D-5851-A3589420BC59}"/>
+              </a:ext>
+            </a:extLst>
+          </p:cNvPr>
+          <p:cNvPicPr>
+            <a:picLocks noChangeAspect="1"/>
+          </p:cNvPicPr>
+          <p:nvPr/>
+        </p:nvPicPr>
+        <p:blipFill>
+          <a:blip r:embed="rId8">
+            <a:extLst>
+              <a:ext uri="{28A0092B-C50C-407E-A947-70E740481C1C}">
+                <a14:useLocalDpi xmlns:a14="http://schemas.microsoft.com/office/drawing/2010/main" val="0"/>
+              </a:ext>
+            </a:extLst>
+          </a:blip>
+          <a:stretch>
+            <a:fillRect/>
+          </a:stretch>
+        </p:blipFill>
+        <p:spPr>
+          <a:xfrm>
+            <a:off x="6260607" y="4239992"/>
+            <a:ext cx="2885981" cy="2169911"/>
+          </a:xfrm>
+          <a:prstGeom prst="rect">
+            <a:avLst/>
+          </a:prstGeom>
+        </p:spPr>
+      </p:pic>
+      <p:pic>
+        <p:nvPicPr>
+          <p:cNvPr id="18" name="图片 17">
+            <a:extLst>
+              <a:ext uri="{FF2B5EF4-FFF2-40B4-BE49-F238E27FC236}">
+                <a16:creationId xmlns:a16="http://schemas.microsoft.com/office/drawing/2014/main" id="{142D123C-DB6C-E7CD-51AD-36878FB5E803}"/>
+              </a:ext>
+            </a:extLst>
+          </p:cNvPr>
+          <p:cNvPicPr>
+            <a:picLocks noChangeAspect="1"/>
+          </p:cNvPicPr>
+          <p:nvPr/>
+        </p:nvPicPr>
+        <p:blipFill>
+          <a:blip r:embed="rId9">
+            <a:extLst>
+              <a:ext uri="{28A0092B-C50C-407E-A947-70E740481C1C}">
+                <a14:useLocalDpi xmlns:a14="http://schemas.microsoft.com/office/drawing/2010/main" val="0"/>
+              </a:ext>
+            </a:extLst>
+          </a:blip>
+          <a:stretch>
+            <a:fillRect/>
+          </a:stretch>
+        </p:blipFill>
+        <p:spPr>
+          <a:xfrm>
+            <a:off x="9225725" y="4254489"/>
+            <a:ext cx="2877348" cy="2140915"/>
+          </a:xfrm>
+          <a:prstGeom prst="rect">
+            <a:avLst/>
+          </a:prstGeom>
+        </p:spPr>
+      </p:pic>
+      <p:sp>
+        <p:nvSpPr>
+          <p:cNvPr id="19" name="文本框 18">
+            <a:extLst>
+              <a:ext uri="{FF2B5EF4-FFF2-40B4-BE49-F238E27FC236}">
+                <a16:creationId xmlns:a16="http://schemas.microsoft.com/office/drawing/2014/main" id="{DB57C55D-5CA5-9B08-70B5-49C88B2B385E}"/>
+              </a:ext>
+            </a:extLst>
+          </p:cNvPr>
+          <p:cNvSpPr txBox="1"/>
+          <p:nvPr/>
+        </p:nvSpPr>
+        <p:spPr>
+          <a:xfrm>
+            <a:off x="1013791" y="983974"/>
+            <a:ext cx="944218" cy="369332"/>
+          </a:xfrm>
+          <a:prstGeom prst="rect">
+            <a:avLst/>
+          </a:prstGeom>
+          <a:noFill/>
+        </p:spPr>
+        <p:txBody>
+          <a:bodyPr wrap="square" rtlCol="0">
+            <a:spAutoFit/>
+          </a:bodyPr>
+          <a:lstStyle/>
+          <a:p>
+            <a:r>
+              <a:rPr lang="en-US" altLang="zh-CN"/>
+              <a:t>q0</a:t>
+            </a:r>
+            <a:endParaRPr lang="zh-CN" altLang="en-US"/>
+          </a:p>
+        </p:txBody>
+      </p:sp>
+      <p:sp>
+        <p:nvSpPr>
+          <p:cNvPr id="20" name="文本框 19">
+            <a:extLst>
+              <a:ext uri="{FF2B5EF4-FFF2-40B4-BE49-F238E27FC236}">
+                <a16:creationId xmlns:a16="http://schemas.microsoft.com/office/drawing/2014/main" id="{4FD16F01-11DA-7B33-F8D4-0D6887C9584F}"/>
+              </a:ext>
+            </a:extLst>
+          </p:cNvPr>
+          <p:cNvSpPr txBox="1"/>
+          <p:nvPr/>
+        </p:nvSpPr>
+        <p:spPr>
+          <a:xfrm>
+            <a:off x="3987800" y="962633"/>
+            <a:ext cx="1110974" cy="367082"/>
+          </a:xfrm>
+          <a:prstGeom prst="rect">
+            <a:avLst/>
+          </a:prstGeom>
+          <a:noFill/>
+        </p:spPr>
+        <p:txBody>
+          <a:bodyPr wrap="square" rtlCol="0">
+            <a:spAutoFit/>
+          </a:bodyPr>
+          <a:lstStyle/>
+          <a:p>
+            <a:r>
+              <a:rPr lang="en-US" altLang="zh-CN"/>
+              <a:t>q1</a:t>
+            </a:r>
+            <a:endParaRPr lang="zh-CN" altLang="en-US"/>
+          </a:p>
+        </p:txBody>
+      </p:sp>
+      <p:sp>
+        <p:nvSpPr>
+          <p:cNvPr id="21" name="文本框 20">
+            <a:extLst>
+              <a:ext uri="{FF2B5EF4-FFF2-40B4-BE49-F238E27FC236}">
+                <a16:creationId xmlns:a16="http://schemas.microsoft.com/office/drawing/2014/main" id="{D44590E4-93D7-E7A7-967A-8CD69D092A69}"/>
+              </a:ext>
+            </a:extLst>
+          </p:cNvPr>
+          <p:cNvSpPr txBox="1"/>
+          <p:nvPr/>
+        </p:nvSpPr>
+        <p:spPr>
+          <a:xfrm>
+            <a:off x="6778487" y="960383"/>
+            <a:ext cx="1013791" cy="369332"/>
+          </a:xfrm>
+          <a:prstGeom prst="rect">
+            <a:avLst/>
+          </a:prstGeom>
+          <a:noFill/>
+        </p:spPr>
+        <p:txBody>
+          <a:bodyPr wrap="square" rtlCol="0">
+            <a:spAutoFit/>
+          </a:bodyPr>
+          <a:lstStyle/>
+          <a:p>
+            <a:r>
+              <a:rPr lang="en-US" altLang="zh-CN"/>
+              <a:t>q2</a:t>
+            </a:r>
+            <a:endParaRPr lang="zh-CN" altLang="en-US"/>
+          </a:p>
+        </p:txBody>
+      </p:sp>
+      <p:sp>
+        <p:nvSpPr>
+          <p:cNvPr id="22" name="文本框 21">
+            <a:extLst>
+              <a:ext uri="{FF2B5EF4-FFF2-40B4-BE49-F238E27FC236}">
+                <a16:creationId xmlns:a16="http://schemas.microsoft.com/office/drawing/2014/main" id="{9A40C426-B51E-4634-826F-73CD80E39712}"/>
+              </a:ext>
+            </a:extLst>
+          </p:cNvPr>
+          <p:cNvSpPr txBox="1"/>
+          <p:nvPr/>
+        </p:nvSpPr>
+        <p:spPr>
+          <a:xfrm>
+            <a:off x="9740348" y="915451"/>
+            <a:ext cx="1232452" cy="369332"/>
+          </a:xfrm>
+          <a:prstGeom prst="rect">
+            <a:avLst/>
+          </a:prstGeom>
+          <a:noFill/>
+        </p:spPr>
+        <p:txBody>
+          <a:bodyPr wrap="square" rtlCol="0">
+            <a:spAutoFit/>
+          </a:bodyPr>
+          <a:lstStyle/>
+          <a:p>
+            <a:r>
+              <a:rPr lang="en-US" altLang="zh-CN"/>
+              <a:t>q3</a:t>
+            </a:r>
+            <a:endParaRPr lang="zh-CN" altLang="en-US"/>
+          </a:p>
+        </p:txBody>
+      </p:sp>
+      <p:sp>
+        <p:nvSpPr>
+          <p:cNvPr id="23" name="文本框 22">
+            <a:extLst>
+              <a:ext uri="{FF2B5EF4-FFF2-40B4-BE49-F238E27FC236}">
+                <a16:creationId xmlns:a16="http://schemas.microsoft.com/office/drawing/2014/main" id="{36F9D835-0A8B-30DB-F4DA-475839ADA4D5}"/>
+              </a:ext>
+            </a:extLst>
+          </p:cNvPr>
+          <p:cNvSpPr txBox="1"/>
+          <p:nvPr/>
+        </p:nvSpPr>
+        <p:spPr>
+          <a:xfrm>
+            <a:off x="924339" y="3876261"/>
+            <a:ext cx="924339" cy="369332"/>
+          </a:xfrm>
+          <a:prstGeom prst="rect">
+            <a:avLst/>
+          </a:prstGeom>
+          <a:noFill/>
+        </p:spPr>
+        <p:txBody>
+          <a:bodyPr wrap="square" rtlCol="0">
+            <a:spAutoFit/>
+          </a:bodyPr>
+          <a:lstStyle/>
+          <a:p>
+            <a:r>
+              <a:rPr lang="en-US" altLang="zh-CN"/>
+              <a:t>q4</a:t>
+            </a:r>
+            <a:endParaRPr lang="zh-CN" altLang="en-US"/>
+          </a:p>
+        </p:txBody>
+      </p:sp>
+      <p:sp>
+        <p:nvSpPr>
+          <p:cNvPr id="24" name="文本框 23">
+            <a:extLst>
+              <a:ext uri="{FF2B5EF4-FFF2-40B4-BE49-F238E27FC236}">
+                <a16:creationId xmlns:a16="http://schemas.microsoft.com/office/drawing/2014/main" id="{400E8F33-0F57-679F-8247-AE7C9FACB700}"/>
+              </a:ext>
+            </a:extLst>
+          </p:cNvPr>
+          <p:cNvSpPr txBox="1"/>
+          <p:nvPr/>
+        </p:nvSpPr>
+        <p:spPr>
+          <a:xfrm>
+            <a:off x="4144617" y="3852865"/>
+            <a:ext cx="924339" cy="369332"/>
+          </a:xfrm>
+          <a:prstGeom prst="rect">
+            <a:avLst/>
+          </a:prstGeom>
+          <a:noFill/>
+        </p:spPr>
+        <p:txBody>
+          <a:bodyPr wrap="square" rtlCol="0">
+            <a:spAutoFit/>
+          </a:bodyPr>
+          <a:lstStyle/>
+          <a:p>
+            <a:r>
+              <a:rPr lang="en-US" altLang="zh-CN"/>
+              <a:t>q5</a:t>
+            </a:r>
+            <a:endParaRPr lang="zh-CN" altLang="en-US"/>
+          </a:p>
+        </p:txBody>
+      </p:sp>
+      <p:sp>
+        <p:nvSpPr>
+          <p:cNvPr id="25" name="文本框 24">
+            <a:extLst>
+              <a:ext uri="{FF2B5EF4-FFF2-40B4-BE49-F238E27FC236}">
+                <a16:creationId xmlns:a16="http://schemas.microsoft.com/office/drawing/2014/main" id="{D6C3FE3E-44D9-C3C7-03AB-BFC8E1945A57}"/>
+              </a:ext>
+            </a:extLst>
+          </p:cNvPr>
+          <p:cNvSpPr txBox="1"/>
+          <p:nvPr/>
+        </p:nvSpPr>
+        <p:spPr>
+          <a:xfrm>
+            <a:off x="6939846" y="3837712"/>
+            <a:ext cx="1021397" cy="369332"/>
+          </a:xfrm>
+          <a:prstGeom prst="rect">
+            <a:avLst/>
+          </a:prstGeom>
+          <a:noFill/>
+        </p:spPr>
+        <p:txBody>
+          <a:bodyPr wrap="square" rtlCol="0">
+            <a:spAutoFit/>
+          </a:bodyPr>
+          <a:lstStyle/>
+          <a:p>
+            <a:r>
+              <a:rPr lang="en-US" altLang="zh-CN"/>
+              <a:t>q6</a:t>
+            </a:r>
+            <a:endParaRPr lang="zh-CN" altLang="en-US"/>
+          </a:p>
+        </p:txBody>
+      </p:sp>
+      <p:sp>
+        <p:nvSpPr>
+          <p:cNvPr id="26" name="文本框 25">
+            <a:extLst>
+              <a:ext uri="{FF2B5EF4-FFF2-40B4-BE49-F238E27FC236}">
+                <a16:creationId xmlns:a16="http://schemas.microsoft.com/office/drawing/2014/main" id="{D809CAE4-1217-3BB6-360D-DC5FBAD6EB55}"/>
+              </a:ext>
+            </a:extLst>
+          </p:cNvPr>
+          <p:cNvSpPr txBox="1"/>
+          <p:nvPr/>
+        </p:nvSpPr>
+        <p:spPr>
+          <a:xfrm>
+            <a:off x="9825827" y="3837712"/>
+            <a:ext cx="1021397" cy="369332"/>
+          </a:xfrm>
+          <a:prstGeom prst="rect">
+            <a:avLst/>
+          </a:prstGeom>
+          <a:noFill/>
+        </p:spPr>
+        <p:txBody>
+          <a:bodyPr wrap="square" rtlCol="0">
+            <a:spAutoFit/>
+          </a:bodyPr>
+          <a:lstStyle/>
+          <a:p>
+            <a:r>
+              <a:rPr lang="en-US" altLang="zh-CN"/>
+              <a:t>q7</a:t>
+            </a:r>
+            <a:endParaRPr lang="zh-CN" altLang="en-US"/>
           </a:p>
         </p:txBody>
       </p:sp>
@@ -37075,6 +37920,583 @@
     <p:extLst>
       <p:ext uri="{BB962C8B-B14F-4D97-AF65-F5344CB8AC3E}">
         <p14:creationId xmlns:p14="http://schemas.microsoft.com/office/powerpoint/2010/main" val="3544342156"/>
+      </p:ext>
+    </p:extLst>
+  </p:cSld>
+  <p:clrMapOvr>
+    <a:masterClrMapping/>
+  </p:clrMapOvr>
+</p:sld>
+</file>
+
+<file path=ppt/slides/slide24.xml><?xml version="1.0" encoding="utf-8"?>
+<p:sld xmlns:a="http://schemas.openxmlformats.org/drawingml/2006/main" xmlns:r="http://schemas.openxmlformats.org/officeDocument/2006/relationships" xmlns:p="http://schemas.openxmlformats.org/presentationml/2006/main">
+  <p:cSld>
+    <p:spTree>
+      <p:nvGrpSpPr>
+        <p:cNvPr id="1" name=""/>
+        <p:cNvGrpSpPr/>
+        <p:nvPr/>
+      </p:nvGrpSpPr>
+      <p:grpSpPr>
+        <a:xfrm>
+          <a:off x="0" y="0"/>
+          <a:ext cx="0" cy="0"/>
+          <a:chOff x="0" y="0"/>
+          <a:chExt cx="0" cy="0"/>
+        </a:xfrm>
+      </p:grpSpPr>
+      <p:sp>
+        <p:nvSpPr>
+          <p:cNvPr id="4" name="文本框 3">
+            <a:extLst>
+              <a:ext uri="{FF2B5EF4-FFF2-40B4-BE49-F238E27FC236}">
+                <a16:creationId xmlns:a16="http://schemas.microsoft.com/office/drawing/2014/main" id="{B14B401F-7911-1FE4-C29A-87757A060557}"/>
+              </a:ext>
+            </a:extLst>
+          </p:cNvPr>
+          <p:cNvSpPr txBox="1"/>
+          <p:nvPr/>
+        </p:nvSpPr>
+        <p:spPr>
+          <a:xfrm>
+            <a:off x="934278" y="705678"/>
+            <a:ext cx="8279296" cy="923330"/>
+          </a:xfrm>
+          <a:prstGeom prst="rect">
+            <a:avLst/>
+          </a:prstGeom>
+          <a:noFill/>
+        </p:spPr>
+        <p:txBody>
+          <a:bodyPr wrap="square" rtlCol="0">
+            <a:spAutoFit/>
+          </a:bodyPr>
+          <a:lstStyle/>
+          <a:p>
+            <a:r>
+              <a:rPr lang="zh-CN" altLang="en-US"/>
+              <a:t>在实际统计过程中，每个优先级队列的状态分布只在所有状态中占据约</a:t>
+            </a:r>
+            <a:r>
+              <a:rPr lang="en-US" altLang="zh-CN"/>
+              <a:t>1/4</a:t>
+            </a:r>
+            <a:r>
+              <a:rPr lang="zh-CN" altLang="en-US"/>
+              <a:t>，只有极特殊情况会出现其他</a:t>
+            </a:r>
+            <a:r>
+              <a:rPr lang="en-US" altLang="zh-CN"/>
+              <a:t>3/4</a:t>
+            </a:r>
+            <a:r>
+              <a:rPr lang="zh-CN" altLang="en-US"/>
+              <a:t>的状态，要统计出所有的概率分布需要非常多的数据，所需的统计时间远超设计。</a:t>
+            </a:r>
+          </a:p>
+        </p:txBody>
+      </p:sp>
+      <p:sp>
+        <p:nvSpPr>
+          <p:cNvPr id="5" name="文本框 4">
+            <a:extLst>
+              <a:ext uri="{FF2B5EF4-FFF2-40B4-BE49-F238E27FC236}">
+                <a16:creationId xmlns:a16="http://schemas.microsoft.com/office/drawing/2014/main" id="{CEC05D23-ACF2-DD81-043C-FDA4328CF497}"/>
+              </a:ext>
+            </a:extLst>
+          </p:cNvPr>
+          <p:cNvSpPr txBox="1"/>
+          <p:nvPr/>
+        </p:nvSpPr>
+        <p:spPr>
+          <a:xfrm>
+            <a:off x="1133061" y="2206487"/>
+            <a:ext cx="6539948" cy="646331"/>
+          </a:xfrm>
+          <a:prstGeom prst="rect">
+            <a:avLst/>
+          </a:prstGeom>
+          <a:noFill/>
+        </p:spPr>
+        <p:txBody>
+          <a:bodyPr wrap="square" rtlCol="0">
+            <a:spAutoFit/>
+          </a:bodyPr>
+          <a:lstStyle/>
+          <a:p>
+            <a:r>
+              <a:rPr lang="zh-CN" altLang="en-US"/>
+              <a:t>为了节省统计时间，将其他队列的转移概率，作为该队列未出现的状态的转移概率，进行融合</a:t>
+            </a:r>
+          </a:p>
+        </p:txBody>
+      </p:sp>
+      <p:pic>
+        <p:nvPicPr>
+          <p:cNvPr id="6" name="图片 5">
+            <a:extLst>
+              <a:ext uri="{FF2B5EF4-FFF2-40B4-BE49-F238E27FC236}">
+                <a16:creationId xmlns:a16="http://schemas.microsoft.com/office/drawing/2014/main" id="{09CAE232-08DF-4A14-0E8F-9361B6E92E28}"/>
+              </a:ext>
+            </a:extLst>
+          </p:cNvPr>
+          <p:cNvPicPr>
+            <a:picLocks noChangeAspect="1"/>
+          </p:cNvPicPr>
+          <p:nvPr/>
+        </p:nvPicPr>
+        <p:blipFill>
+          <a:blip r:embed="rId2">
+            <a:extLst>
+              <a:ext uri="{28A0092B-C50C-407E-A947-70E740481C1C}">
+                <a14:useLocalDpi xmlns:a14="http://schemas.microsoft.com/office/drawing/2010/main" val="0"/>
+              </a:ext>
+            </a:extLst>
+          </a:blip>
+          <a:stretch>
+            <a:fillRect/>
+          </a:stretch>
+        </p:blipFill>
+        <p:spPr>
+          <a:xfrm>
+            <a:off x="934278" y="3289087"/>
+            <a:ext cx="3995532" cy="2951327"/>
+          </a:xfrm>
+          <a:prstGeom prst="rect">
+            <a:avLst/>
+          </a:prstGeom>
+        </p:spPr>
+      </p:pic>
+      <p:pic>
+        <p:nvPicPr>
+          <p:cNvPr id="8" name="图片 7">
+            <a:extLst>
+              <a:ext uri="{FF2B5EF4-FFF2-40B4-BE49-F238E27FC236}">
+                <a16:creationId xmlns:a16="http://schemas.microsoft.com/office/drawing/2014/main" id="{A102823D-892D-4454-19BA-3C13D9822B7F}"/>
+              </a:ext>
+            </a:extLst>
+          </p:cNvPr>
+          <p:cNvPicPr>
+            <a:picLocks noChangeAspect="1"/>
+          </p:cNvPicPr>
+          <p:nvPr/>
+        </p:nvPicPr>
+        <p:blipFill>
+          <a:blip r:embed="rId3">
+            <a:extLst>
+              <a:ext uri="{28A0092B-C50C-407E-A947-70E740481C1C}">
+                <a14:useLocalDpi xmlns:a14="http://schemas.microsoft.com/office/drawing/2010/main" val="0"/>
+              </a:ext>
+            </a:extLst>
+          </a:blip>
+          <a:stretch>
+            <a:fillRect/>
+          </a:stretch>
+        </p:blipFill>
+        <p:spPr>
+          <a:xfrm>
+            <a:off x="6602896" y="3314181"/>
+            <a:ext cx="3872948" cy="2901138"/>
+          </a:xfrm>
+          <a:prstGeom prst="rect">
+            <a:avLst/>
+          </a:prstGeom>
+        </p:spPr>
+      </p:pic>
+      <p:sp>
+        <p:nvSpPr>
+          <p:cNvPr id="9" name="文本框 8">
+            <a:extLst>
+              <a:ext uri="{FF2B5EF4-FFF2-40B4-BE49-F238E27FC236}">
+                <a16:creationId xmlns:a16="http://schemas.microsoft.com/office/drawing/2014/main" id="{1679B5DB-C1A5-A283-7421-9ADD22E32601}"/>
+              </a:ext>
+            </a:extLst>
+          </p:cNvPr>
+          <p:cNvSpPr txBox="1"/>
+          <p:nvPr/>
+        </p:nvSpPr>
+        <p:spPr>
+          <a:xfrm>
+            <a:off x="1888435" y="3001617"/>
+            <a:ext cx="1172817" cy="369332"/>
+          </a:xfrm>
+          <a:prstGeom prst="rect">
+            <a:avLst/>
+          </a:prstGeom>
+          <a:noFill/>
+        </p:spPr>
+        <p:txBody>
+          <a:bodyPr wrap="square" rtlCol="0">
+            <a:spAutoFit/>
+          </a:bodyPr>
+          <a:lstStyle/>
+          <a:p>
+            <a:r>
+              <a:rPr lang="zh-CN" altLang="en-US"/>
+              <a:t>理想</a:t>
+            </a:r>
+          </a:p>
+        </p:txBody>
+      </p:sp>
+      <p:sp>
+        <p:nvSpPr>
+          <p:cNvPr id="10" name="文本框 9">
+            <a:extLst>
+              <a:ext uri="{FF2B5EF4-FFF2-40B4-BE49-F238E27FC236}">
+                <a16:creationId xmlns:a16="http://schemas.microsoft.com/office/drawing/2014/main" id="{5E96B753-0C31-0628-408B-E97A9C5D18E4}"/>
+              </a:ext>
+            </a:extLst>
+          </p:cNvPr>
+          <p:cNvSpPr txBox="1"/>
+          <p:nvPr/>
+        </p:nvSpPr>
+        <p:spPr>
+          <a:xfrm>
+            <a:off x="7805533" y="2856131"/>
+            <a:ext cx="1172817" cy="369332"/>
+          </a:xfrm>
+          <a:prstGeom prst="rect">
+            <a:avLst/>
+          </a:prstGeom>
+          <a:noFill/>
+        </p:spPr>
+        <p:txBody>
+          <a:bodyPr wrap="square" rtlCol="0">
+            <a:spAutoFit/>
+          </a:bodyPr>
+          <a:lstStyle/>
+          <a:p>
+            <a:r>
+              <a:rPr lang="zh-CN" altLang="en-US"/>
+              <a:t>融合</a:t>
+            </a:r>
+          </a:p>
+        </p:txBody>
+      </p:sp>
+    </p:spTree>
+    <p:extLst>
+      <p:ext uri="{BB962C8B-B14F-4D97-AF65-F5344CB8AC3E}">
+        <p14:creationId xmlns:p14="http://schemas.microsoft.com/office/powerpoint/2010/main" val="2024362830"/>
+      </p:ext>
+    </p:extLst>
+  </p:cSld>
+  <p:clrMapOvr>
+    <a:masterClrMapping/>
+  </p:clrMapOvr>
+</p:sld>
+</file>
+
+<file path=ppt/slides/slide25.xml><?xml version="1.0" encoding="utf-8"?>
+<p:sld xmlns:a="http://schemas.openxmlformats.org/drawingml/2006/main" xmlns:r="http://schemas.openxmlformats.org/officeDocument/2006/relationships" xmlns:p="http://schemas.openxmlformats.org/presentationml/2006/main">
+  <p:cSld>
+    <p:spTree>
+      <p:nvGrpSpPr>
+        <p:cNvPr id="1" name=""/>
+        <p:cNvGrpSpPr/>
+        <p:nvPr/>
+      </p:nvGrpSpPr>
+      <p:grpSpPr>
+        <a:xfrm>
+          <a:off x="0" y="0"/>
+          <a:ext cx="0" cy="0"/>
+          <a:chOff x="0" y="0"/>
+          <a:chExt cx="0" cy="0"/>
+        </a:xfrm>
+      </p:grpSpPr>
+      <p:sp>
+        <p:nvSpPr>
+          <p:cNvPr id="4" name="文本框 3">
+            <a:extLst>
+              <a:ext uri="{FF2B5EF4-FFF2-40B4-BE49-F238E27FC236}">
+                <a16:creationId xmlns:a16="http://schemas.microsoft.com/office/drawing/2014/main" id="{94AC3681-D36D-B2F1-188A-A64CDDA1C317}"/>
+              </a:ext>
+            </a:extLst>
+          </p:cNvPr>
+          <p:cNvSpPr txBox="1"/>
+          <p:nvPr/>
+        </p:nvSpPr>
+        <p:spPr>
+          <a:xfrm>
+            <a:off x="805070" y="407504"/>
+            <a:ext cx="5466521" cy="369332"/>
+          </a:xfrm>
+          <a:prstGeom prst="rect">
+            <a:avLst/>
+          </a:prstGeom>
+          <a:noFill/>
+        </p:spPr>
+        <p:txBody>
+          <a:bodyPr wrap="square" rtlCol="0">
+            <a:spAutoFit/>
+          </a:bodyPr>
+          <a:lstStyle/>
+          <a:p>
+            <a:r>
+              <a:rPr lang="zh-CN" altLang="en-US"/>
+              <a:t>发现理想的</a:t>
+            </a:r>
+            <a:r>
+              <a:rPr lang="en-US" altLang="zh-CN"/>
+              <a:t>WITTLE</a:t>
+            </a:r>
+            <a:r>
+              <a:rPr lang="zh-CN" altLang="en-US"/>
+              <a:t>值随着</a:t>
+            </a:r>
+            <a:r>
+              <a:rPr lang="en-US" altLang="zh-CN"/>
+              <a:t>qlen</a:t>
+            </a:r>
+            <a:r>
+              <a:rPr lang="zh-CN" altLang="en-US"/>
+              <a:t>增加，先曾后减</a:t>
+            </a:r>
+          </a:p>
+        </p:txBody>
+      </p:sp>
+      <p:pic>
+        <p:nvPicPr>
+          <p:cNvPr id="5" name="图片 4">
+            <a:extLst>
+              <a:ext uri="{FF2B5EF4-FFF2-40B4-BE49-F238E27FC236}">
+                <a16:creationId xmlns:a16="http://schemas.microsoft.com/office/drawing/2014/main" id="{F617187B-76B9-7720-548E-8E0D6967E7CB}"/>
+              </a:ext>
+            </a:extLst>
+          </p:cNvPr>
+          <p:cNvPicPr>
+            <a:picLocks noChangeAspect="1"/>
+          </p:cNvPicPr>
+          <p:nvPr/>
+        </p:nvPicPr>
+        <p:blipFill>
+          <a:blip r:embed="rId2">
+            <a:extLst>
+              <a:ext uri="{28A0092B-C50C-407E-A947-70E740481C1C}">
+                <a14:useLocalDpi xmlns:a14="http://schemas.microsoft.com/office/drawing/2010/main" val="0"/>
+              </a:ext>
+            </a:extLst>
+          </a:blip>
+          <a:stretch>
+            <a:fillRect/>
+          </a:stretch>
+        </p:blipFill>
+        <p:spPr>
+          <a:xfrm>
+            <a:off x="487016" y="1609756"/>
+            <a:ext cx="4925815" cy="3638487"/>
+          </a:xfrm>
+          <a:prstGeom prst="rect">
+            <a:avLst/>
+          </a:prstGeom>
+        </p:spPr>
+      </p:pic>
+      <p:cxnSp>
+        <p:nvCxnSpPr>
+          <p:cNvPr id="7" name="直接连接符 6">
+            <a:extLst>
+              <a:ext uri="{FF2B5EF4-FFF2-40B4-BE49-F238E27FC236}">
+                <a16:creationId xmlns:a16="http://schemas.microsoft.com/office/drawing/2014/main" id="{1196BE63-0ACB-CAE4-30AD-07108F03FF63}"/>
+              </a:ext>
+            </a:extLst>
+          </p:cNvPr>
+          <p:cNvCxnSpPr>
+            <a:cxnSpLocks/>
+          </p:cNvCxnSpPr>
+          <p:nvPr/>
+        </p:nvCxnSpPr>
+        <p:spPr>
+          <a:xfrm flipV="1">
+            <a:off x="735496" y="4542183"/>
+            <a:ext cx="3538330" cy="278295"/>
+          </a:xfrm>
+          <a:prstGeom prst="line">
+            <a:avLst/>
+          </a:prstGeom>
+          <a:ln w="25400">
+            <a:prstDash val="sysDash"/>
+          </a:ln>
+        </p:spPr>
+        <p:style>
+          <a:lnRef idx="1">
+            <a:schemeClr val="accent1"/>
+          </a:lnRef>
+          <a:fillRef idx="0">
+            <a:schemeClr val="accent1"/>
+          </a:fillRef>
+          <a:effectRef idx="0">
+            <a:schemeClr val="accent1"/>
+          </a:effectRef>
+          <a:fontRef idx="minor">
+            <a:schemeClr val="tx1"/>
+          </a:fontRef>
+        </p:style>
+      </p:cxnSp>
+      <p:sp>
+        <p:nvSpPr>
+          <p:cNvPr id="11" name="文本框 10">
+            <a:extLst>
+              <a:ext uri="{FF2B5EF4-FFF2-40B4-BE49-F238E27FC236}">
+                <a16:creationId xmlns:a16="http://schemas.microsoft.com/office/drawing/2014/main" id="{B5A24D43-4A1B-298F-660D-2B262F808043}"/>
+              </a:ext>
+            </a:extLst>
+          </p:cNvPr>
+          <p:cNvSpPr txBox="1"/>
+          <p:nvPr/>
+        </p:nvSpPr>
+        <p:spPr>
+          <a:xfrm>
+            <a:off x="6096000" y="1609756"/>
+            <a:ext cx="4925815" cy="923330"/>
+          </a:xfrm>
+          <a:prstGeom prst="rect">
+            <a:avLst/>
+          </a:prstGeom>
+          <a:noFill/>
+        </p:spPr>
+        <p:txBody>
+          <a:bodyPr wrap="square" rtlCol="0">
+            <a:spAutoFit/>
+          </a:bodyPr>
+          <a:lstStyle/>
+          <a:p>
+            <a:r>
+              <a:rPr lang="zh-CN" altLang="en-US"/>
+              <a:t>造成该原因主要是在最大</a:t>
+            </a:r>
+            <a:r>
+              <a:rPr lang="en-US" altLang="zh-CN"/>
+              <a:t>qlen</a:t>
+            </a:r>
+            <a:r>
+              <a:rPr lang="zh-CN" altLang="en-US"/>
+              <a:t>出的状态转移，当动作为</a:t>
+            </a:r>
+            <a:r>
+              <a:rPr lang="en-US" altLang="zh-CN"/>
+              <a:t>0</a:t>
+            </a:r>
+            <a:r>
+              <a:rPr lang="zh-CN" altLang="en-US"/>
+              <a:t>时不会转移到</a:t>
+            </a:r>
+            <a:r>
+              <a:rPr lang="en-US" altLang="zh-CN"/>
+              <a:t>R</a:t>
+            </a:r>
+            <a:r>
+              <a:rPr lang="zh-CN" altLang="en-US"/>
+              <a:t>更小的状态，这使得此状态的</a:t>
+            </a:r>
+            <a:r>
+              <a:rPr lang="en-US" altLang="zh-CN"/>
+              <a:t>WITTLE</a:t>
+            </a:r>
+            <a:r>
+              <a:rPr lang="zh-CN" altLang="en-US"/>
+              <a:t>会有降低的趋势</a:t>
+            </a:r>
+          </a:p>
+        </p:txBody>
+      </p:sp>
+      <p:sp>
+        <p:nvSpPr>
+          <p:cNvPr id="12" name="文本框 11">
+            <a:extLst>
+              <a:ext uri="{FF2B5EF4-FFF2-40B4-BE49-F238E27FC236}">
+                <a16:creationId xmlns:a16="http://schemas.microsoft.com/office/drawing/2014/main" id="{48F4BF2C-AEC6-0E04-EADA-9581542E835A}"/>
+              </a:ext>
+            </a:extLst>
+          </p:cNvPr>
+          <p:cNvSpPr txBox="1"/>
+          <p:nvPr/>
+        </p:nvSpPr>
+        <p:spPr>
+          <a:xfrm>
+            <a:off x="6096000" y="2912165"/>
+            <a:ext cx="5264426" cy="1477328"/>
+          </a:xfrm>
+          <a:prstGeom prst="rect">
+            <a:avLst/>
+          </a:prstGeom>
+          <a:noFill/>
+        </p:spPr>
+        <p:txBody>
+          <a:bodyPr wrap="square" rtlCol="0">
+            <a:spAutoFit/>
+          </a:bodyPr>
+          <a:lstStyle/>
+          <a:p>
+            <a:r>
+              <a:rPr lang="zh-CN" altLang="en-US"/>
+              <a:t>解决方法，将最后一批状态（对应</a:t>
+            </a:r>
+            <a:r>
+              <a:rPr lang="en-US" altLang="zh-CN"/>
+              <a:t>qlen</a:t>
+            </a:r>
+            <a:r>
+              <a:rPr lang="zh-CN" altLang="en-US"/>
+              <a:t>最大）分成两批，一批对应</a:t>
+            </a:r>
+            <a:r>
+              <a:rPr lang="en-US" altLang="zh-CN"/>
+              <a:t>qlen</a:t>
+            </a:r>
+            <a:r>
+              <a:rPr lang="zh-CN" altLang="en-US"/>
+              <a:t>最大，一批对应</a:t>
+            </a:r>
+            <a:r>
+              <a:rPr lang="en-US" altLang="zh-CN"/>
+              <a:t>qlen</a:t>
+            </a:r>
+            <a:r>
+              <a:rPr lang="zh-CN" altLang="en-US"/>
+              <a:t>最大后的丢包惩罚</a:t>
+            </a:r>
+            <a:endParaRPr lang="en-US" altLang="zh-CN"/>
+          </a:p>
+          <a:p>
+            <a:r>
+              <a:rPr lang="zh-CN" altLang="en-US"/>
+              <a:t>这样能够将降低趋势推后。</a:t>
+            </a:r>
+            <a:endParaRPr lang="en-US" altLang="zh-CN"/>
+          </a:p>
+          <a:p>
+            <a:r>
+              <a:rPr lang="zh-CN" altLang="en-US"/>
+              <a:t>同时比较</a:t>
+            </a:r>
+            <a:r>
+              <a:rPr lang="en-US" altLang="zh-CN"/>
+              <a:t>wittle</a:t>
+            </a:r>
+            <a:r>
+              <a:rPr lang="zh-CN" altLang="en-US"/>
+              <a:t>根据</a:t>
+            </a:r>
+            <a:r>
+              <a:rPr lang="en-US" altLang="zh-CN"/>
+              <a:t>qlen</a:t>
+            </a:r>
+            <a:r>
+              <a:rPr lang="zh-CN" altLang="en-US"/>
+              <a:t>和</a:t>
+            </a:r>
+            <a:r>
+              <a:rPr lang="en-US" altLang="zh-CN"/>
+              <a:t>u</a:t>
+            </a:r>
+            <a:endParaRPr lang="zh-CN" altLang="en-US"/>
+          </a:p>
+        </p:txBody>
+      </p:sp>
+    </p:spTree>
+    <p:extLst>
+      <p:ext uri="{BB962C8B-B14F-4D97-AF65-F5344CB8AC3E}">
+        <p14:creationId xmlns:p14="http://schemas.microsoft.com/office/powerpoint/2010/main" val="3440858297"/>
       </p:ext>
     </p:extLst>
   </p:cSld>
